--- a/vis_and_analysis_student_demo_template.pptx
+++ b/vis_and_analysis_student_demo_template.pptx
@@ -5,24 +5,22 @@
     <p:sldMasterId id="2147483648" r:id="rId4"/>
   </p:sldMasterIdLst>
   <p:notesMasterIdLst>
-    <p:notesMasterId r:id="rId17"/>
+    <p:notesMasterId r:id="rId15"/>
   </p:notesMasterIdLst>
   <p:handoutMasterIdLst>
-    <p:handoutMasterId r:id="rId18"/>
+    <p:handoutMasterId r:id="rId16"/>
   </p:handoutMasterIdLst>
   <p:sldIdLst>
-    <p:sldId id="337" r:id="rId5"/>
-    <p:sldId id="289" r:id="rId6"/>
-    <p:sldId id="341" r:id="rId7"/>
-    <p:sldId id="329" r:id="rId8"/>
-    <p:sldId id="336" r:id="rId9"/>
-    <p:sldId id="340" r:id="rId10"/>
-    <p:sldId id="339" r:id="rId11"/>
-    <p:sldId id="342" r:id="rId12"/>
-    <p:sldId id="260" r:id="rId13"/>
-    <p:sldId id="259" r:id="rId14"/>
-    <p:sldId id="261" r:id="rId15"/>
-    <p:sldId id="262" r:id="rId16"/>
+    <p:sldId id="289" r:id="rId5"/>
+    <p:sldId id="341" r:id="rId6"/>
+    <p:sldId id="329" r:id="rId7"/>
+    <p:sldId id="340" r:id="rId8"/>
+    <p:sldId id="339" r:id="rId9"/>
+    <p:sldId id="342" r:id="rId10"/>
+    <p:sldId id="260" r:id="rId11"/>
+    <p:sldId id="259" r:id="rId12"/>
+    <p:sldId id="261" r:id="rId13"/>
+    <p:sldId id="262" r:id="rId14"/>
   </p:sldIdLst>
   <p:sldSz cx="12192000" cy="6858000"/>
   <p:notesSz cx="6858000" cy="9144000"/>
@@ -253,7 +251,7 @@
             <a:fld id="{93FAAC3A-BD1F-4A00-9099-74B95789FE00}" type="datetimeFigureOut">
               <a:rPr lang="en-GB" smtClean="0"/>
               <a:pPr/>
-              <a:t>06/11/2024</a:t>
+              <a:t>22/11/2024</a:t>
             </a:fld>
             <a:endParaRPr lang="en-GB"/>
           </a:p>
@@ -460,7 +458,7 @@
             <a:fld id="{8E359C8A-39F6-4045-9163-4042C4C26B15}" type="datetimeFigureOut">
               <a:rPr lang="en-GB" smtClean="0"/>
               <a:pPr/>
-              <a:t>06/11/2024</a:t>
+              <a:t>22/11/2024</a:t>
             </a:fld>
             <a:endParaRPr lang="en-GB"/>
           </a:p>
@@ -795,7 +793,7 @@
             <a:fld id="{30370952-48CC-46D7-9FCD-59FAD40CC025}" type="slidenum">
               <a:rPr lang="en-GB" smtClean="0"/>
               <a:pPr/>
-              <a:t>4</a:t>
+              <a:t>3</a:t>
             </a:fld>
             <a:endParaRPr lang="en-GB"/>
           </a:p>
@@ -880,7 +878,7 @@
             <a:fld id="{30370952-48CC-46D7-9FCD-59FAD40CC025}" type="slidenum">
               <a:rPr lang="en-GB" smtClean="0"/>
               <a:pPr/>
-              <a:t>5</a:t>
+              <a:t>4</a:t>
             </a:fld>
             <a:endParaRPr lang="en-GB"/>
           </a:p>
@@ -889,7 +887,7 @@
     </p:spTree>
     <p:extLst>
       <p:ext uri="{BB962C8B-B14F-4D97-AF65-F5344CB8AC3E}">
-        <p14:creationId xmlns:p14="http://schemas.microsoft.com/office/powerpoint/2010/main" val="2667984944"/>
+        <p14:creationId xmlns:p14="http://schemas.microsoft.com/office/powerpoint/2010/main" val="3934570700"/>
       </p:ext>
     </p:extLst>
   </p:cSld>
@@ -965,7 +963,7 @@
             <a:fld id="{30370952-48CC-46D7-9FCD-59FAD40CC025}" type="slidenum">
               <a:rPr lang="en-GB" smtClean="0"/>
               <a:pPr/>
-              <a:t>6</a:t>
+              <a:t>5</a:t>
             </a:fld>
             <a:endParaRPr lang="en-GB"/>
           </a:p>
@@ -974,7 +972,7 @@
     </p:spTree>
     <p:extLst>
       <p:ext uri="{BB962C8B-B14F-4D97-AF65-F5344CB8AC3E}">
-        <p14:creationId xmlns:p14="http://schemas.microsoft.com/office/powerpoint/2010/main" val="3934570700"/>
+        <p14:creationId xmlns:p14="http://schemas.microsoft.com/office/powerpoint/2010/main" val="2313538379"/>
       </p:ext>
     </p:extLst>
   </p:cSld>
@@ -1003,7 +1001,7 @@
       </p:grpSpPr>
       <p:sp>
         <p:nvSpPr>
-          <p:cNvPr id="2" name="Slide Image Placeholder 1"/>
+          <p:cNvPr id="142" name="PlaceHolder 1"/>
           <p:cNvSpPr>
             <a:spLocks noGrp="1" noRot="1" noChangeAspect="1"/>
           </p:cNvSpPr>
@@ -1011,57 +1009,90 @@
             <p:ph type="sldImg"/>
           </p:nvPr>
         </p:nvSpPr>
-        <p:spPr/>
-      </p:sp>
-      <p:sp>
-        <p:nvSpPr>
-          <p:cNvPr id="3" name="Notes Placeholder 2"/>
+        <p:spPr>
+          <a:xfrm>
+            <a:off x="685800" y="1143000"/>
+            <a:ext cx="5486400" cy="3086100"/>
+          </a:xfrm>
+          <a:prstGeom prst="rect">
+            <a:avLst/>
+          </a:prstGeom>
+        </p:spPr>
+      </p:sp>
+      <p:sp>
+        <p:nvSpPr>
+          <p:cNvPr id="143" name="PlaceHolder 2"/>
           <p:cNvSpPr>
             <a:spLocks noGrp="1"/>
           </p:cNvSpPr>
           <p:nvPr>
-            <p:ph type="body" idx="1"/>
+            <p:ph type="body"/>
           </p:nvPr>
         </p:nvSpPr>
-        <p:spPr/>
-        <p:txBody>
-          <a:bodyPr/>
+        <p:spPr>
+          <a:xfrm>
+            <a:off x="685800" y="4400640"/>
+            <a:ext cx="5486040" cy="3600000"/>
+          </a:xfrm>
+          <a:prstGeom prst="rect">
+            <a:avLst/>
+          </a:prstGeom>
+        </p:spPr>
+        <p:txBody>
+          <a:bodyPr>
+            <a:noAutofit/>
+          </a:bodyPr>
           <a:lstStyle/>
           <a:p>
-            <a:endParaRPr lang="en-GB" dirty="0"/>
-          </a:p>
-        </p:txBody>
-      </p:sp>
-      <p:sp>
-        <p:nvSpPr>
-          <p:cNvPr id="4" name="Slide Number Placeholder 3"/>
-          <p:cNvSpPr>
-            <a:spLocks noGrp="1"/>
-          </p:cNvSpPr>
-          <p:nvPr>
-            <p:ph type="sldNum" sz="quarter" idx="5"/>
-          </p:nvPr>
-        </p:nvSpPr>
-        <p:spPr/>
-        <p:txBody>
-          <a:bodyPr/>
+            <a:endParaRPr lang="en-US" sz="2000" b="0" strike="noStrike" spc="-1">
+              <a:latin typeface="Arial"/>
+            </a:endParaRPr>
+          </a:p>
+        </p:txBody>
+      </p:sp>
+      <p:sp>
+        <p:nvSpPr>
+          <p:cNvPr id="144" name="TextShape 3"/>
+          <p:cNvSpPr txBox="1"/>
+          <p:nvPr/>
+        </p:nvSpPr>
+        <p:spPr>
+          <a:xfrm>
+            <a:off x="3884760" y="8685360"/>
+            <a:ext cx="2971440" cy="458280"/>
+          </a:xfrm>
+          <a:prstGeom prst="rect">
+            <a:avLst/>
+          </a:prstGeom>
+          <a:noFill/>
+          <a:ln>
+            <a:noFill/>
+          </a:ln>
+        </p:spPr>
+        <p:txBody>
+          <a:bodyPr anchor="b">
+            <a:noAutofit/>
+          </a:bodyPr>
           <a:lstStyle/>
           <a:p>
-            <a:fld id="{30370952-48CC-46D7-9FCD-59FAD40CC025}" type="slidenum">
-              <a:rPr lang="en-GB" smtClean="0"/>
-              <a:pPr/>
+            <a:pPr algn="r">
+              <a:lnSpc>
+                <a:spcPct val="100000"/>
+              </a:lnSpc>
+            </a:pPr>
+            <a:fld id="{F2152A03-473D-4693-94B3-2C4A26E4B7E1}" type="slidenum">
+              <a:rPr lang="en-GB" sz="1200" b="0" strike="noStrike" spc="-1">
+                <a:latin typeface="Times New Roman"/>
+              </a:rPr>
               <a:t>7</a:t>
             </a:fld>
-            <a:endParaRPr lang="en-GB"/>
+            <a:endParaRPr lang="en-US" sz="1200" b="0" strike="noStrike" spc="-1">
+              <a:latin typeface="Times New Roman"/>
+            </a:endParaRPr>
           </a:p>
         </p:txBody>
       </p:sp>
     </p:spTree>
-    <p:extLst>
-      <p:ext uri="{BB962C8B-B14F-4D97-AF65-F5344CB8AC3E}">
-        <p14:creationId xmlns:p14="http://schemas.microsoft.com/office/powerpoint/2010/main" val="2313538379"/>
-      </p:ext>
-    </p:extLst>
   </p:cSld>
   <p:clrMapOvr>
     <a:masterClrMapping/>
@@ -1088,7 +1119,7 @@
       </p:grpSpPr>
       <p:sp>
         <p:nvSpPr>
-          <p:cNvPr id="142" name="PlaceHolder 1"/>
+          <p:cNvPr id="145" name="PlaceHolder 1"/>
           <p:cNvSpPr>
             <a:spLocks noGrp="1" noRot="1" noChangeAspect="1"/>
           </p:cNvSpPr>
@@ -1108,7 +1139,7 @@
       </p:sp>
       <p:sp>
         <p:nvSpPr>
-          <p:cNvPr id="143" name="PlaceHolder 2"/>
+          <p:cNvPr id="146" name="PlaceHolder 2"/>
           <p:cNvSpPr>
             <a:spLocks noGrp="1"/>
           </p:cNvSpPr>
@@ -1139,7 +1170,7 @@
       </p:sp>
       <p:sp>
         <p:nvSpPr>
-          <p:cNvPr id="144" name="TextShape 3"/>
+          <p:cNvPr id="147" name="TextShape 3"/>
           <p:cNvSpPr txBox="1"/>
           <p:nvPr/>
         </p:nvSpPr>
@@ -1167,7 +1198,7 @@
                 <a:spcPct val="100000"/>
               </a:lnSpc>
             </a:pPr>
-            <a:fld id="{F2152A03-473D-4693-94B3-2C4A26E4B7E1}" type="slidenum">
+            <a:fld id="{9CC74A4D-E600-4B52-BF69-B8B2F0EE1375}" type="slidenum">
               <a:rPr lang="en-GB" sz="1200" b="0" strike="noStrike" spc="-1">
                 <a:latin typeface="Times New Roman"/>
               </a:rPr>
@@ -1206,7 +1237,7 @@
       </p:grpSpPr>
       <p:sp>
         <p:nvSpPr>
-          <p:cNvPr id="145" name="PlaceHolder 1"/>
+          <p:cNvPr id="148" name="PlaceHolder 1"/>
           <p:cNvSpPr>
             <a:spLocks noGrp="1" noRot="1" noChangeAspect="1"/>
           </p:cNvSpPr>
@@ -1226,7 +1257,7 @@
       </p:sp>
       <p:sp>
         <p:nvSpPr>
-          <p:cNvPr id="146" name="PlaceHolder 2"/>
+          <p:cNvPr id="149" name="PlaceHolder 2"/>
           <p:cNvSpPr>
             <a:spLocks noGrp="1"/>
           </p:cNvSpPr>
@@ -1257,7 +1288,7 @@
       </p:sp>
       <p:sp>
         <p:nvSpPr>
-          <p:cNvPr id="147" name="TextShape 3"/>
+          <p:cNvPr id="150" name="TextShape 3"/>
           <p:cNvSpPr txBox="1"/>
           <p:nvPr/>
         </p:nvSpPr>
@@ -1285,129 +1316,11 @@
                 <a:spcPct val="100000"/>
               </a:lnSpc>
             </a:pPr>
-            <a:fld id="{9CC74A4D-E600-4B52-BF69-B8B2F0EE1375}" type="slidenum">
-              <a:rPr lang="en-GB" sz="1200" b="0" strike="noStrike" spc="-1">
-                <a:latin typeface="Times New Roman"/>
-              </a:rPr>
-              <a:t>11</a:t>
-            </a:fld>
-            <a:endParaRPr lang="en-US" sz="1200" b="0" strike="noStrike" spc="-1">
-              <a:latin typeface="Times New Roman"/>
-            </a:endParaRPr>
-          </a:p>
-        </p:txBody>
-      </p:sp>
-    </p:spTree>
-  </p:cSld>
-  <p:clrMapOvr>
-    <a:masterClrMapping/>
-  </p:clrMapOvr>
-</p:notes>
-</file>
-
-<file path=ppt/notesSlides/notesSlide7.xml><?xml version="1.0" encoding="utf-8"?>
-<p:notes xmlns:a="http://schemas.openxmlformats.org/drawingml/2006/main" xmlns:r="http://schemas.openxmlformats.org/officeDocument/2006/relationships" xmlns:p="http://schemas.openxmlformats.org/presentationml/2006/main">
-  <p:cSld>
-    <p:spTree>
-      <p:nvGrpSpPr>
-        <p:cNvPr id="1" name=""/>
-        <p:cNvGrpSpPr/>
-        <p:nvPr/>
-      </p:nvGrpSpPr>
-      <p:grpSpPr>
-        <a:xfrm>
-          <a:off x="0" y="0"/>
-          <a:ext cx="0" cy="0"/>
-          <a:chOff x="0" y="0"/>
-          <a:chExt cx="0" cy="0"/>
-        </a:xfrm>
-      </p:grpSpPr>
-      <p:sp>
-        <p:nvSpPr>
-          <p:cNvPr id="148" name="PlaceHolder 1"/>
-          <p:cNvSpPr>
-            <a:spLocks noGrp="1" noRot="1" noChangeAspect="1"/>
-          </p:cNvSpPr>
-          <p:nvPr>
-            <p:ph type="sldImg"/>
-          </p:nvPr>
-        </p:nvSpPr>
-        <p:spPr>
-          <a:xfrm>
-            <a:off x="685800" y="1143000"/>
-            <a:ext cx="5486400" cy="3086100"/>
-          </a:xfrm>
-          <a:prstGeom prst="rect">
-            <a:avLst/>
-          </a:prstGeom>
-        </p:spPr>
-      </p:sp>
-      <p:sp>
-        <p:nvSpPr>
-          <p:cNvPr id="149" name="PlaceHolder 2"/>
-          <p:cNvSpPr>
-            <a:spLocks noGrp="1"/>
-          </p:cNvSpPr>
-          <p:nvPr>
-            <p:ph type="body"/>
-          </p:nvPr>
-        </p:nvSpPr>
-        <p:spPr>
-          <a:xfrm>
-            <a:off x="685800" y="4400640"/>
-            <a:ext cx="5486040" cy="3600000"/>
-          </a:xfrm>
-          <a:prstGeom prst="rect">
-            <a:avLst/>
-          </a:prstGeom>
-        </p:spPr>
-        <p:txBody>
-          <a:bodyPr>
-            <a:noAutofit/>
-          </a:bodyPr>
-          <a:lstStyle/>
-          <a:p>
-            <a:endParaRPr lang="en-US" sz="2000" b="0" strike="noStrike" spc="-1">
-              <a:latin typeface="Arial"/>
-            </a:endParaRPr>
-          </a:p>
-        </p:txBody>
-      </p:sp>
-      <p:sp>
-        <p:nvSpPr>
-          <p:cNvPr id="150" name="TextShape 3"/>
-          <p:cNvSpPr txBox="1"/>
-          <p:nvPr/>
-        </p:nvSpPr>
-        <p:spPr>
-          <a:xfrm>
-            <a:off x="3884760" y="8685360"/>
-            <a:ext cx="2971440" cy="458280"/>
-          </a:xfrm>
-          <a:prstGeom prst="rect">
-            <a:avLst/>
-          </a:prstGeom>
-          <a:noFill/>
-          <a:ln>
-            <a:noFill/>
-          </a:ln>
-        </p:spPr>
-        <p:txBody>
-          <a:bodyPr anchor="b">
-            <a:noAutofit/>
-          </a:bodyPr>
-          <a:lstStyle/>
-          <a:p>
-            <a:pPr algn="r">
-              <a:lnSpc>
-                <a:spcPct val="100000"/>
-              </a:lnSpc>
-            </a:pPr>
             <a:fld id="{677DA20C-D3E3-4F02-A624-D52A93CA4942}" type="slidenum">
               <a:rPr lang="en-GB" sz="1200" b="0" strike="noStrike" spc="-1">
                 <a:latin typeface="Times New Roman"/>
               </a:rPr>
-              <a:t>12</a:t>
+              <a:t>10</a:t>
             </a:fld>
             <a:endParaRPr lang="en-US" sz="1200" b="0" strike="noStrike" spc="-1">
               <a:latin typeface="Times New Roman"/>
@@ -5216,6 +5129,20 @@
 <file path=ppt/slides/slide1.xml><?xml version="1.0" encoding="utf-8"?>
 <p:sld xmlns:a="http://schemas.openxmlformats.org/drawingml/2006/main" xmlns:r="http://schemas.openxmlformats.org/officeDocument/2006/relationships" xmlns:p="http://schemas.openxmlformats.org/presentationml/2006/main">
   <p:cSld>
+    <p:bg>
+      <p:bgPr>
+        <a:blipFill dpi="0" rotWithShape="1">
+          <a:blip r:embed="rId2">
+            <a:lum/>
+          </a:blip>
+          <a:srcRect/>
+          <a:stretch>
+            <a:fillRect/>
+          </a:stretch>
+        </a:blipFill>
+        <a:effectLst/>
+      </p:bgPr>
+    </p:bg>
     <p:spTree>
       <p:nvGrpSpPr>
         <p:cNvPr id="1" name=""/>
@@ -5232,10 +5159,62 @@
       </p:grpSpPr>
       <p:sp>
         <p:nvSpPr>
-          <p:cNvPr id="2" name="Subtitle 1">
+          <p:cNvPr id="2" name="Title 1">
             <a:extLst>
               <a:ext uri="{FF2B5EF4-FFF2-40B4-BE49-F238E27FC236}">
-                <a16:creationId xmlns:a16="http://schemas.microsoft.com/office/drawing/2014/main" id="{6A29D8FC-E32A-5566-0930-02B99F5763A6}"/>
+                <a16:creationId xmlns:a16="http://schemas.microsoft.com/office/drawing/2014/main" id="{3440AEE4-CC66-FE42-B0C3-2CC7AFD37D1C}"/>
+              </a:ext>
+            </a:extLst>
+          </p:cNvPr>
+          <p:cNvSpPr>
+            <a:spLocks noGrp="1"/>
+          </p:cNvSpPr>
+          <p:nvPr>
+            <p:ph type="ctrTitle"/>
+          </p:nvPr>
+        </p:nvSpPr>
+        <p:spPr/>
+        <p:txBody>
+          <a:bodyPr>
+            <a:normAutofit fontScale="90000"/>
+          </a:bodyPr>
+          <a:lstStyle/>
+          <a:p>
+            <a:r>
+              <a:rPr lang="en-US" dirty="0"/>
+              <a:t>Visualization and Analysis – </a:t>
+            </a:r>
+            <a:br>
+              <a:rPr lang="en-US" dirty="0"/>
+            </a:br>
+            <a:r>
+              <a:rPr lang="en-US" sz="4000" dirty="0"/>
+              <a:t>Tutorial Presentation for Feedback</a:t>
+            </a:r>
+            <a:br>
+              <a:rPr lang="en-US" sz="4000" dirty="0"/>
+            </a:br>
+            <a:r>
+              <a:rPr lang="en-US" sz="2200" dirty="0"/>
+              <a:t>Date: </a:t>
+            </a:r>
+            <a:r>
+              <a:rPr lang="en-US" sz="8000" dirty="0"/>
+              <a:t/>
+            </a:r>
+            <a:br>
+              <a:rPr lang="en-US" sz="8000" dirty="0"/>
+            </a:br>
+            <a:endParaRPr lang="en-US" dirty="0"/>
+          </a:p>
+        </p:txBody>
+      </p:sp>
+      <p:sp>
+        <p:nvSpPr>
+          <p:cNvPr id="3" name="Subtitle 2">
+            <a:extLst>
+              <a:ext uri="{FF2B5EF4-FFF2-40B4-BE49-F238E27FC236}">
+                <a16:creationId xmlns:a16="http://schemas.microsoft.com/office/drawing/2014/main" id="{8275DA97-5166-7F4B-BC83-F50AC8BEDCD7}"/>
               </a:ext>
             </a:extLst>
           </p:cNvPr>
@@ -5246,10 +5225,51 @@
             <p:ph type="subTitle" idx="1"/>
           </p:nvPr>
         </p:nvSpPr>
+        <p:spPr/>
+        <p:txBody>
+          <a:bodyPr/>
+          <a:lstStyle/>
+          <a:p>
+            <a:r>
+              <a:rPr lang="en-US" sz="2000" dirty="0"/>
+              <a:t>Group Id:  </a:t>
+            </a:r>
+            <a:r>
+              <a:rPr lang="en-US" sz="2000" dirty="0" smtClean="0"/>
+              <a:t>A143A                                                  </a:t>
+            </a:r>
+            <a:r>
+              <a:rPr lang="en-US" sz="2000" dirty="0"/>
+              <a:t>Name of Student Presenting</a:t>
+            </a:r>
+            <a:r>
+              <a:rPr lang="en-US" sz="2000" dirty="0" smtClean="0"/>
+              <a:t>: Noel John Paul</a:t>
+            </a:r>
+            <a:endParaRPr lang="en-US" sz="2000" dirty="0"/>
+          </a:p>
+        </p:txBody>
+      </p:sp>
+      <p:sp>
+        <p:nvSpPr>
+          <p:cNvPr id="4" name="Footer Placeholder 3">
+            <a:extLst>
+              <a:ext uri="{FF2B5EF4-FFF2-40B4-BE49-F238E27FC236}">
+                <a16:creationId xmlns:a16="http://schemas.microsoft.com/office/drawing/2014/main" id="{6E7F4D14-5620-EC41-A86C-6CC3CFD691B4}"/>
+              </a:ext>
+            </a:extLst>
+          </p:cNvPr>
+          <p:cNvSpPr>
+            <a:spLocks noGrp="1"/>
+          </p:cNvSpPr>
+          <p:nvPr>
+            <p:ph type="ftr" sz="quarter" idx="11"/>
+          </p:nvPr>
+        </p:nvSpPr>
         <p:spPr>
           <a:xfrm>
-            <a:off x="883524" y="488743"/>
-            <a:ext cx="10273911" cy="533111"/>
+            <a:off x="965289" y="274320"/>
+            <a:ext cx="11226711" cy="736245"/>
           </a:xfrm>
         </p:spPr>
         <p:txBody>
@@ -5258,17 +5278,117 @@
           <a:p>
             <a:r>
               <a:rPr lang="en-GB" dirty="0"/>
-              <a:t>Instructions for Visualization and Analysis Demos</a:t>
-            </a:r>
-          </a:p>
-        </p:txBody>
-      </p:sp>
-      <p:sp>
-        <p:nvSpPr>
-          <p:cNvPr id="4" name="Slide Number Placeholder 3">
+              <a:t>7COM1079-2024  Student Group No: </a:t>
+            </a:r>
+            <a:r>
+              <a:rPr lang="en-GB" dirty="0" smtClean="0"/>
+              <a:t>A143A                   </a:t>
+            </a:r>
+            <a:r>
+              <a:rPr lang="en-GB" dirty="0"/>
+              <a:t>Names of Student </a:t>
+            </a:r>
+            <a:r>
+              <a:rPr lang="en-GB" dirty="0" smtClean="0"/>
+              <a:t>Attendees:   </a:t>
+            </a:r>
+            <a:r>
+              <a:rPr lang="en-US" dirty="0" smtClean="0"/>
+              <a:t>Anila</a:t>
+            </a:r>
+            <a:r>
+              <a:rPr lang="en-US" sz="1400" dirty="0" smtClean="0"/>
+              <a:t> </a:t>
+            </a:r>
+            <a:r>
+              <a:rPr lang="en-US" dirty="0"/>
+              <a:t>Jalaja</a:t>
+            </a:r>
+          </a:p>
+          <a:p>
+            <a:r>
+              <a:rPr lang="en-GB" dirty="0"/>
+              <a:t>  								 Sachin Cherian</a:t>
+            </a:r>
+          </a:p>
+          <a:p>
+            <a:r>
+              <a:rPr lang="en-GB" dirty="0"/>
+              <a:t>                                                                                                                  </a:t>
+            </a:r>
+            <a:r>
+              <a:rPr lang="en-GB" dirty="0" smtClean="0"/>
+              <a:t>		 Noel </a:t>
+            </a:r>
+            <a:r>
+              <a:rPr lang="en-US" sz="1600" dirty="0"/>
+              <a:t>John Paul</a:t>
+            </a:r>
+          </a:p>
+          <a:p>
+            <a:r>
+              <a:rPr lang="en-US" sz="1600" dirty="0"/>
+              <a:t>                                                                                                         </a:t>
+            </a:r>
+            <a:r>
+              <a:rPr lang="en-US" sz="1600" dirty="0" smtClean="0"/>
+              <a:t>		 </a:t>
+            </a:r>
+            <a:r>
+              <a:rPr lang="en-US" sz="1600" dirty="0" err="1" smtClean="0"/>
+              <a:t>Amal</a:t>
+            </a:r>
+            <a:r>
+              <a:rPr lang="en-US" sz="1600" dirty="0" smtClean="0"/>
+              <a:t> </a:t>
+            </a:r>
+            <a:r>
+              <a:rPr lang="en-US" sz="1600" dirty="0" err="1" smtClean="0"/>
+              <a:t>Saj</a:t>
+            </a:r>
+            <a:r>
+              <a:rPr lang="en-US" sz="1600" dirty="0" smtClean="0"/>
+              <a:t> </a:t>
+            </a:r>
+            <a:r>
+              <a:rPr lang="en-GB" sz="1600" dirty="0" err="1" smtClean="0"/>
+              <a:t>Poothaalil</a:t>
+            </a:r>
+            <a:endParaRPr lang="en-US" sz="1600" dirty="0" smtClean="0"/>
+          </a:p>
+          <a:p>
+            <a:r>
+              <a:rPr lang="en-GB" dirty="0" smtClean="0"/>
+              <a:t>								</a:t>
+            </a:r>
+            <a:r>
+              <a:rPr lang="en-GB" dirty="0"/>
+              <a:t> </a:t>
+            </a:r>
+            <a:endParaRPr lang="en-GB" dirty="0" smtClean="0"/>
+          </a:p>
+          <a:p>
+            <a:r>
+              <a:rPr lang="en-GB" dirty="0" smtClean="0"/>
+              <a:t>    								</a:t>
+            </a:r>
+            <a:endParaRPr lang="en-GB" dirty="0" smtClean="0"/>
+          </a:p>
+          <a:p>
+            <a:r>
+              <a:rPr lang="en-GB" dirty="0" smtClean="0"/>
+              <a:t>                                       				</a:t>
+            </a:r>
+            <a:endParaRPr lang="en-GB" dirty="0"/>
+          </a:p>
+        </p:txBody>
+      </p:sp>
+      <p:sp>
+        <p:nvSpPr>
+          <p:cNvPr id="5" name="Slide Number Placeholder 4">
             <a:extLst>
               <a:ext uri="{FF2B5EF4-FFF2-40B4-BE49-F238E27FC236}">
-                <a16:creationId xmlns:a16="http://schemas.microsoft.com/office/drawing/2014/main" id="{E143B824-C7FA-8427-0A8B-E8B5D7787B83}"/>
+                <a16:creationId xmlns:a16="http://schemas.microsoft.com/office/drawing/2014/main" id="{6B584311-58F1-BD4D-8FED-50D72C3DED34}"/>
               </a:ext>
             </a:extLst>
           </p:cNvPr>
@@ -5293,148 +5413,10 @@
           </a:p>
         </p:txBody>
       </p:sp>
-      <p:sp>
-        <p:nvSpPr>
-          <p:cNvPr id="6" name="TextBox 5">
-            <a:extLst>
-              <a:ext uri="{FF2B5EF4-FFF2-40B4-BE49-F238E27FC236}">
-                <a16:creationId xmlns:a16="http://schemas.microsoft.com/office/drawing/2014/main" id="{6DD9461E-8553-F8C3-E23F-FB71330E931F}"/>
-              </a:ext>
-            </a:extLst>
-          </p:cNvPr>
-          <p:cNvSpPr txBox="1"/>
-          <p:nvPr/>
-        </p:nvSpPr>
-        <p:spPr>
-          <a:xfrm>
-            <a:off x="801759" y="974929"/>
-            <a:ext cx="10437439" cy="4524315"/>
-          </a:xfrm>
-          <a:prstGeom prst="rect">
-            <a:avLst/>
-          </a:prstGeom>
-          <a:noFill/>
-        </p:spPr>
-        <p:txBody>
-          <a:bodyPr wrap="square" rtlCol="0">
-            <a:spAutoFit/>
-          </a:bodyPr>
-          <a:lstStyle/>
-          <a:p>
-            <a:r>
-              <a:rPr lang="en-GB" dirty="0"/>
-              <a:t>You have 3 minutes to present – be ready to share your screen, </a:t>
-            </a:r>
-            <a:r>
-              <a:rPr lang="en-GB" b="1" dirty="0"/>
-              <a:t>practice first</a:t>
-            </a:r>
-            <a:r>
-              <a:rPr lang="en-GB" dirty="0"/>
-              <a:t>. We can only offer you one opportunity to present.  Present your slides in “Slide Show” mode. Presentations will take place during the module Tutorial slots (see Announcements for links to join the Tutorials via Teams).</a:t>
-            </a:r>
-          </a:p>
-          <a:p>
-            <a:endParaRPr lang="en-GB" dirty="0"/>
-          </a:p>
-          <a:p>
-            <a:r>
-              <a:rPr lang="en-GB" dirty="0"/>
-              <a:t>The next few slides give you all the alternatives for how to present your Visualizations. You will select only </a:t>
-            </a:r>
-            <a:r>
-              <a:rPr lang="en-GB" b="1" dirty="0"/>
-              <a:t>one </a:t>
-            </a:r>
-            <a:r>
-              <a:rPr lang="en-GB" dirty="0"/>
-              <a:t>as fits your RQ. Before presenting DELETE all text (and instructions) that you do not use (including this slide).  You can then enlarge your selection, so it is clearly visible on the slide.</a:t>
-            </a:r>
-          </a:p>
-          <a:p>
-            <a:endParaRPr lang="en-GB" dirty="0"/>
-          </a:p>
-          <a:p>
-            <a:r>
-              <a:rPr lang="en-GB" dirty="0"/>
-              <a:t>Appointment slots will appear on Canvas soon (calendar-7com1079-24).  Sign up early.  When space runs out, we cannot issue any further slots for this week.  If you do not turn up for your slot you will </a:t>
-            </a:r>
-            <a:r>
-              <a:rPr lang="en-GB" i="1" dirty="0"/>
-              <a:t>not</a:t>
-            </a:r>
-            <a:r>
-              <a:rPr lang="en-GB" dirty="0"/>
-              <a:t> be given another opportunity. Ideally, all the group members should attend but select one person to present. DO NOT SIGN UP unless once of your group can attend and present. You will not be graded on this.</a:t>
-            </a:r>
-          </a:p>
-          <a:p>
-            <a:endParaRPr lang="en-GB" dirty="0"/>
-          </a:p>
-          <a:p>
-            <a:r>
-              <a:rPr lang="en-GB" dirty="0"/>
-              <a:t>We look forward to giving you feedback.  If your group is not presenting, still attend the tutorial as the feedback will help you too.</a:t>
-            </a:r>
-          </a:p>
-        </p:txBody>
-      </p:sp>
-      <p:sp>
-        <p:nvSpPr>
-          <p:cNvPr id="3" name="TextBox 2">
-            <a:extLst>
-              <a:ext uri="{FF2B5EF4-FFF2-40B4-BE49-F238E27FC236}">
-                <a16:creationId xmlns:a16="http://schemas.microsoft.com/office/drawing/2014/main" id="{D6C5DB9A-CB20-AA49-378E-33B58D8775BE}"/>
-              </a:ext>
-            </a:extLst>
-          </p:cNvPr>
-          <p:cNvSpPr txBox="1"/>
-          <p:nvPr/>
-        </p:nvSpPr>
-        <p:spPr>
-          <a:xfrm>
-            <a:off x="4037611" y="5300020"/>
-            <a:ext cx="6973317" cy="1200329"/>
-          </a:xfrm>
-          <a:prstGeom prst="rect">
-            <a:avLst/>
-          </a:prstGeom>
-          <a:noFill/>
-        </p:spPr>
-        <p:txBody>
-          <a:bodyPr wrap="square" rtlCol="0">
-            <a:spAutoFit/>
-          </a:bodyPr>
-          <a:lstStyle/>
-          <a:p>
-            <a:r>
-              <a:rPr lang="en-GB" i="1" dirty="0"/>
-              <a:t>At this point we assume you are using your allocated datasets (see RQ coursework spec).  Any changes to the </a:t>
-            </a:r>
-            <a:r>
-              <a:rPr lang="en-GB" i="1" dirty="0" err="1"/>
-              <a:t>Kaggle.Data.world</a:t>
-            </a:r>
-            <a:r>
-              <a:rPr lang="en-GB" i="1" dirty="0"/>
-              <a:t> csv/</a:t>
-            </a:r>
-            <a:r>
-              <a:rPr lang="en-GB" i="1" dirty="0" err="1"/>
-              <a:t>xlxs</a:t>
-            </a:r>
-            <a:r>
-              <a:rPr lang="en-GB" i="1" dirty="0"/>
-              <a:t> file you make such as merges, grouping, or size reduction must be done via an R script, not manually, not in excel.</a:t>
-            </a:r>
-            <a:endParaRPr lang="en-GB" dirty="0"/>
-          </a:p>
-        </p:txBody>
-      </p:sp>
     </p:spTree>
     <p:extLst>
       <p:ext uri="{BB962C8B-B14F-4D97-AF65-F5344CB8AC3E}">
-        <p14:creationId xmlns:p14="http://schemas.microsoft.com/office/powerpoint/2010/main" val="384748354"/>
+        <p14:creationId xmlns:p14="http://schemas.microsoft.com/office/powerpoint/2010/main" val="4148532546"/>
       </p:ext>
     </p:extLst>
   </p:cSld>
@@ -5463,7 +5445,1634 @@
       </p:grpSpPr>
       <p:sp>
         <p:nvSpPr>
-          <p:cNvPr id="104" name="CustomShape 1"/>
+          <p:cNvPr id="135" name="TextShape 1"/>
+          <p:cNvSpPr txBox="1"/>
+          <p:nvPr/>
+        </p:nvSpPr>
+        <p:spPr>
+          <a:xfrm>
+            <a:off x="965160" y="790920"/>
+            <a:ext cx="7176600" cy="230400"/>
+          </a:xfrm>
+          <a:prstGeom prst="rect">
+            <a:avLst/>
+          </a:prstGeom>
+          <a:noFill/>
+          <a:ln>
+            <a:noFill/>
+          </a:ln>
+        </p:spPr>
+        <p:txBody>
+          <a:bodyPr lIns="0" tIns="0" rIns="0" bIns="0">
+            <a:noAutofit/>
+          </a:bodyPr>
+          <a:lstStyle/>
+          <a:p>
+            <a:pPr>
+              <a:lnSpc>
+                <a:spcPct val="100000"/>
+              </a:lnSpc>
+            </a:pPr>
+            <a:r>
+              <a:rPr lang="en-GB" sz="1500" b="0" strike="noStrike" spc="-1">
+                <a:solidFill>
+                  <a:srgbClr val="B3B9B9"/>
+                </a:solidFill>
+                <a:latin typeface="Arial"/>
+              </a:rPr>
+              <a:t>PRE 7COM1079-2022  Student Group No:  ?????</a:t>
+            </a:r>
+            <a:endParaRPr lang="en-US" sz="1500" b="0" strike="noStrike" spc="-1">
+              <a:latin typeface="Times New Roman"/>
+            </a:endParaRPr>
+          </a:p>
+        </p:txBody>
+      </p:sp>
+      <p:sp>
+        <p:nvSpPr>
+          <p:cNvPr id="136" name="TextShape 2"/>
+          <p:cNvSpPr txBox="1"/>
+          <p:nvPr/>
+        </p:nvSpPr>
+        <p:spPr>
+          <a:xfrm>
+            <a:off x="10616400" y="790920"/>
+            <a:ext cx="622440" cy="230400"/>
+          </a:xfrm>
+          <a:prstGeom prst="rect">
+            <a:avLst/>
+          </a:prstGeom>
+          <a:noFill/>
+          <a:ln>
+            <a:noFill/>
+          </a:ln>
+        </p:spPr>
+        <p:txBody>
+          <a:bodyPr lIns="0" tIns="0" rIns="0" bIns="0">
+            <a:noAutofit/>
+          </a:bodyPr>
+          <a:lstStyle/>
+          <a:p>
+            <a:pPr algn="r">
+              <a:lnSpc>
+                <a:spcPct val="100000"/>
+              </a:lnSpc>
+            </a:pPr>
+            <a:fld id="{ADC5D68A-648F-4923-B6A1-749DE04AEFFA}" type="slidenum">
+              <a:rPr lang="en-GB" sz="1500" b="1" strike="noStrike" spc="-1">
+                <a:solidFill>
+                  <a:srgbClr val="B3B9B9"/>
+                </a:solidFill>
+                <a:latin typeface="Arial"/>
+              </a:rPr>
+              <a:t>10</a:t>
+            </a:fld>
+            <a:endParaRPr lang="en-US" sz="1500" b="0" strike="noStrike" spc="-1">
+              <a:latin typeface="Times New Roman"/>
+            </a:endParaRPr>
+          </a:p>
+        </p:txBody>
+      </p:sp>
+      <p:sp>
+        <p:nvSpPr>
+          <p:cNvPr id="137" name="TextShape 3"/>
+          <p:cNvSpPr txBox="1"/>
+          <p:nvPr/>
+        </p:nvSpPr>
+        <p:spPr>
+          <a:xfrm>
+            <a:off x="952919" y="385588"/>
+            <a:ext cx="10815527" cy="667800"/>
+          </a:xfrm>
+          <a:prstGeom prst="rect">
+            <a:avLst/>
+          </a:prstGeom>
+          <a:solidFill>
+            <a:srgbClr val="FFFFFF"/>
+          </a:solidFill>
+          <a:ln>
+            <a:noFill/>
+          </a:ln>
+        </p:spPr>
+        <p:txBody>
+          <a:bodyPr lIns="0" tIns="0" rIns="0" bIns="0">
+            <a:noAutofit/>
+          </a:bodyPr>
+          <a:lstStyle/>
+          <a:p>
+            <a:pPr>
+              <a:lnSpc>
+                <a:spcPct val="100000"/>
+              </a:lnSpc>
+              <a:spcAft>
+                <a:spcPts val="992"/>
+              </a:spcAft>
+              <a:tabLst>
+                <a:tab pos="0" algn="l"/>
+              </a:tabLst>
+            </a:pPr>
+            <a:r>
+              <a:rPr lang="en-GB" sz="3600" b="1" strike="noStrike" spc="-100" dirty="0">
+                <a:solidFill>
+                  <a:srgbClr val="203232"/>
+                </a:solidFill>
+                <a:latin typeface="Arial"/>
+              </a:rPr>
+              <a:t>R Script and Results  (For ALL types of test) – The Analysis</a:t>
+            </a:r>
+            <a:endParaRPr lang="en-US" sz="3600" b="1" strike="noStrike" spc="-1" dirty="0">
+              <a:latin typeface="Arial"/>
+            </a:endParaRPr>
+          </a:p>
+          <a:p>
+            <a:pPr>
+              <a:lnSpc>
+                <a:spcPct val="100000"/>
+              </a:lnSpc>
+              <a:spcAft>
+                <a:spcPts val="992"/>
+              </a:spcAft>
+              <a:tabLst>
+                <a:tab pos="0" algn="l"/>
+              </a:tabLst>
+            </a:pPr>
+            <a:endParaRPr lang="en-US" sz="2400" b="0" strike="noStrike" spc="-1" dirty="0">
+              <a:latin typeface="Arial"/>
+            </a:endParaRPr>
+          </a:p>
+        </p:txBody>
+      </p:sp>
+      <p:sp>
+        <p:nvSpPr>
+          <p:cNvPr id="2" name="TextBox 1">
+            <a:extLst>
+              <a:ext uri="{FF2B5EF4-FFF2-40B4-BE49-F238E27FC236}">
+                <a16:creationId xmlns:a16="http://schemas.microsoft.com/office/drawing/2014/main" id="{58BC67A1-346D-734F-321E-2098D1481674}"/>
+              </a:ext>
+            </a:extLst>
+          </p:cNvPr>
+          <p:cNvSpPr txBox="1"/>
+          <p:nvPr/>
+        </p:nvSpPr>
+        <p:spPr>
+          <a:xfrm>
+            <a:off x="701458" y="1671663"/>
+            <a:ext cx="11066988" cy="4524315"/>
+          </a:xfrm>
+          <a:prstGeom prst="rect">
+            <a:avLst/>
+          </a:prstGeom>
+          <a:solidFill>
+            <a:schemeClr val="bg1"/>
+          </a:solidFill>
+        </p:spPr>
+        <p:txBody>
+          <a:bodyPr wrap="square" rtlCol="0">
+            <a:spAutoFit/>
+          </a:bodyPr>
+          <a:lstStyle/>
+          <a:p>
+            <a:pPr marL="285750" indent="-285750">
+              <a:buFont typeface="Arial" panose="020B0604020202020204" pitchFamily="34" charset="0"/>
+              <a:buChar char="•"/>
+            </a:pPr>
+            <a:r>
+              <a:rPr lang="en-US" sz="3600" b="0" strike="noStrike" spc="-202" dirty="0">
+                <a:solidFill>
+                  <a:srgbClr val="203232"/>
+                </a:solidFill>
+                <a:latin typeface="Arial"/>
+              </a:rPr>
+              <a:t>Include a snippet of the R code you use to </a:t>
+            </a:r>
+            <a:r>
+              <a:rPr lang="en-US" sz="3600" b="0" strike="noStrike" spc="-202">
+                <a:solidFill>
+                  <a:srgbClr val="203232"/>
+                </a:solidFill>
+                <a:latin typeface="Arial"/>
+              </a:rPr>
+              <a:t>calculate your </a:t>
+            </a:r>
+            <a:r>
+              <a:rPr lang="en-US" sz="3600" b="0" strike="noStrike" spc="-202" dirty="0">
+                <a:solidFill>
+                  <a:srgbClr val="203232"/>
+                </a:solidFill>
+                <a:latin typeface="Arial"/>
+              </a:rPr>
+              <a:t>test statistic.</a:t>
+            </a:r>
+          </a:p>
+          <a:p>
+            <a:pPr marL="285750" indent="-285750">
+              <a:buFont typeface="Arial" panose="020B0604020202020204" pitchFamily="34" charset="0"/>
+              <a:buChar char="•"/>
+            </a:pPr>
+            <a:r>
+              <a:rPr lang="en-US" sz="3600" b="0" strike="noStrike" spc="-202" dirty="0">
+                <a:solidFill>
+                  <a:srgbClr val="203232"/>
+                </a:solidFill>
+                <a:latin typeface="Arial"/>
+              </a:rPr>
+              <a:t>Give the value of the test statistic. </a:t>
+            </a:r>
+          </a:p>
+          <a:p>
+            <a:pPr marL="285750" indent="-285750">
+              <a:buFont typeface="Arial" panose="020B0604020202020204" pitchFamily="34" charset="0"/>
+              <a:buChar char="•"/>
+            </a:pPr>
+            <a:r>
+              <a:rPr lang="en-US" sz="3600" b="0" strike="noStrike" spc="-202" dirty="0">
+                <a:solidFill>
+                  <a:srgbClr val="203232"/>
+                </a:solidFill>
+                <a:latin typeface="Arial"/>
+              </a:rPr>
+              <a:t>Tell us the p-value.  Is it &gt; or &lt; 0.05?</a:t>
+            </a:r>
+          </a:p>
+          <a:p>
+            <a:pPr marL="285750" indent="-285750">
+              <a:buFont typeface="Arial" panose="020B0604020202020204" pitchFamily="34" charset="0"/>
+              <a:buChar char="•"/>
+            </a:pPr>
+            <a:r>
+              <a:rPr lang="en-US" sz="3600" b="0" strike="noStrike" spc="-202" dirty="0">
+                <a:solidFill>
+                  <a:srgbClr val="203232"/>
+                </a:solidFill>
+                <a:latin typeface="Arial"/>
+              </a:rPr>
+              <a:t> Is the result significant?</a:t>
+            </a:r>
+          </a:p>
+          <a:p>
+            <a:pPr marL="285750" indent="-285750">
+              <a:buFont typeface="Arial" panose="020B0604020202020204" pitchFamily="34" charset="0"/>
+              <a:buChar char="•"/>
+            </a:pPr>
+            <a:r>
+              <a:rPr lang="en-US" sz="3600" b="0" strike="noStrike" spc="-202" dirty="0">
+                <a:solidFill>
+                  <a:srgbClr val="203232"/>
+                </a:solidFill>
+                <a:latin typeface="Arial"/>
+              </a:rPr>
+              <a:t>Do you accept or reject the null hypothesis?</a:t>
+            </a:r>
+          </a:p>
+          <a:p>
+            <a:pPr marL="285750" indent="-285750">
+              <a:buFont typeface="Arial" panose="020B0604020202020204" pitchFamily="34" charset="0"/>
+              <a:buChar char="•"/>
+            </a:pPr>
+            <a:r>
+              <a:rPr lang="en-US" sz="3600" spc="-202" dirty="0">
+                <a:solidFill>
+                  <a:srgbClr val="203232"/>
+                </a:solidFill>
+                <a:latin typeface="Arial"/>
+              </a:rPr>
+              <a:t>What does the result actually mean in the wider context of learning something useful / answering your RQ?</a:t>
+            </a:r>
+            <a:endParaRPr lang="en-GB" sz="3600" dirty="0"/>
+          </a:p>
+        </p:txBody>
+      </p:sp>
+    </p:spTree>
+  </p:cSld>
+  <p:clrMapOvr>
+    <a:masterClrMapping/>
+  </p:clrMapOvr>
+</p:sld>
+</file>
+
+<file path=ppt/slides/slide2.xml><?xml version="1.0" encoding="utf-8"?>
+<p:sld xmlns:a="http://schemas.openxmlformats.org/drawingml/2006/main" xmlns:r="http://schemas.openxmlformats.org/officeDocument/2006/relationships" xmlns:p="http://schemas.openxmlformats.org/presentationml/2006/main">
+  <p:cSld>
+    <p:spTree>
+      <p:nvGrpSpPr>
+        <p:cNvPr id="1" name=""/>
+        <p:cNvGrpSpPr/>
+        <p:nvPr/>
+      </p:nvGrpSpPr>
+      <p:grpSpPr>
+        <a:xfrm>
+          <a:off x="0" y="0"/>
+          <a:ext cx="0" cy="0"/>
+          <a:chOff x="0" y="0"/>
+          <a:chExt cx="0" cy="0"/>
+        </a:xfrm>
+      </p:grpSpPr>
+      <p:sp>
+        <p:nvSpPr>
+          <p:cNvPr id="2" name="Subtitle 1">
+            <a:extLst>
+              <a:ext uri="{FF2B5EF4-FFF2-40B4-BE49-F238E27FC236}">
+                <a16:creationId xmlns:a16="http://schemas.microsoft.com/office/drawing/2014/main" id="{E31262B9-84B0-C1A5-543C-8FA0F2459C07}"/>
+              </a:ext>
+            </a:extLst>
+          </p:cNvPr>
+          <p:cNvSpPr>
+            <a:spLocks noGrp="1"/>
+          </p:cNvSpPr>
+          <p:nvPr>
+            <p:ph type="subTitle" idx="1"/>
+          </p:nvPr>
+        </p:nvSpPr>
+        <p:spPr>
+          <a:xfrm>
+            <a:off x="965289" y="1715611"/>
+            <a:ext cx="9433441" cy="360000"/>
+          </a:xfrm>
+        </p:spPr>
+        <p:txBody>
+          <a:bodyPr/>
+          <a:lstStyle/>
+          <a:p>
+            <a:r>
+              <a:rPr lang="en-GB" dirty="0" smtClean="0"/>
+              <a:t>Is there a difference in Mean rating of apps between free and paid apps</a:t>
+            </a:r>
+            <a:endParaRPr lang="en-GB" dirty="0"/>
+          </a:p>
+        </p:txBody>
+      </p:sp>
+      <p:sp>
+        <p:nvSpPr>
+          <p:cNvPr id="3" name="Footer Placeholder 2">
+            <a:extLst>
+              <a:ext uri="{FF2B5EF4-FFF2-40B4-BE49-F238E27FC236}">
+                <a16:creationId xmlns:a16="http://schemas.microsoft.com/office/drawing/2014/main" id="{AA8750A5-C5AD-CEC8-7CD5-C4412264CC71}"/>
+              </a:ext>
+            </a:extLst>
+          </p:cNvPr>
+          <p:cNvSpPr>
+            <a:spLocks noGrp="1"/>
+          </p:cNvSpPr>
+          <p:nvPr>
+            <p:ph type="ftr" sz="quarter" idx="11"/>
+          </p:nvPr>
+        </p:nvSpPr>
+        <p:spPr/>
+        <p:txBody>
+          <a:bodyPr/>
+          <a:lstStyle/>
+          <a:p>
+            <a:r>
+              <a:rPr lang="en-GB" sz="1800" b="1" i="1" dirty="0" smtClean="0"/>
+              <a:t>Research question: </a:t>
+            </a:r>
+            <a:endParaRPr lang="en-GB" sz="1800" b="1" i="1" dirty="0"/>
+          </a:p>
+        </p:txBody>
+      </p:sp>
+      <p:sp>
+        <p:nvSpPr>
+          <p:cNvPr id="4" name="Slide Number Placeholder 3">
+            <a:extLst>
+              <a:ext uri="{FF2B5EF4-FFF2-40B4-BE49-F238E27FC236}">
+                <a16:creationId xmlns:a16="http://schemas.microsoft.com/office/drawing/2014/main" id="{2B0B5058-8385-6382-3B48-5ADE78EDFDAD}"/>
+              </a:ext>
+            </a:extLst>
+          </p:cNvPr>
+          <p:cNvSpPr>
+            <a:spLocks noGrp="1"/>
+          </p:cNvSpPr>
+          <p:nvPr>
+            <p:ph type="sldNum" sz="quarter" idx="12"/>
+          </p:nvPr>
+        </p:nvSpPr>
+        <p:spPr/>
+        <p:txBody>
+          <a:bodyPr/>
+          <a:lstStyle/>
+          <a:p>
+            <a:fld id="{E4D355CA-84B7-41B1-B164-8BB439CC7C6B}" type="slidenum">
+              <a:rPr lang="en-GB" smtClean="0"/>
+              <a:pPr/>
+              <a:t>2</a:t>
+            </a:fld>
+            <a:endParaRPr lang="en-GB" dirty="0"/>
+          </a:p>
+        </p:txBody>
+      </p:sp>
+      <p:sp>
+        <p:nvSpPr>
+          <p:cNvPr id="5" name="Title 4">
+            <a:extLst>
+              <a:ext uri="{FF2B5EF4-FFF2-40B4-BE49-F238E27FC236}">
+                <a16:creationId xmlns:a16="http://schemas.microsoft.com/office/drawing/2014/main" id="{A5F0AC96-5BAE-FDAC-4EAC-17779A2B0645}"/>
+              </a:ext>
+            </a:extLst>
+          </p:cNvPr>
+          <p:cNvSpPr>
+            <a:spLocks noGrp="1"/>
+          </p:cNvSpPr>
+          <p:nvPr>
+            <p:ph type="ctrTitle"/>
+          </p:nvPr>
+        </p:nvSpPr>
+        <p:spPr>
+          <a:xfrm>
+            <a:off x="942201" y="1715611"/>
+            <a:ext cx="10683742" cy="2359086"/>
+          </a:xfrm>
+        </p:spPr>
+        <p:txBody>
+          <a:bodyPr>
+            <a:noAutofit/>
+          </a:bodyPr>
+          <a:lstStyle/>
+          <a:p>
+            <a:pPr>
+              <a:lnSpc>
+                <a:spcPts val="6000"/>
+              </a:lnSpc>
+            </a:pPr>
+            <a:r>
+              <a:rPr lang="en-US" sz="3000" dirty="0" smtClean="0">
+                <a:solidFill>
+                  <a:srgbClr val="FF0000"/>
+                </a:solidFill>
+              </a:rPr>
+              <a:t>.</a:t>
+            </a:r>
+            <a:endParaRPr lang="en-GB" sz="3000" dirty="0">
+              <a:solidFill>
+                <a:srgbClr val="FF0000"/>
+              </a:solidFill>
+            </a:endParaRPr>
+          </a:p>
+        </p:txBody>
+      </p:sp>
+    </p:spTree>
+    <p:extLst>
+      <p:ext uri="{BB962C8B-B14F-4D97-AF65-F5344CB8AC3E}">
+        <p14:creationId xmlns:p14="http://schemas.microsoft.com/office/powerpoint/2010/main" val="2339144795"/>
+      </p:ext>
+    </p:extLst>
+  </p:cSld>
+  <p:clrMapOvr>
+    <a:masterClrMapping/>
+  </p:clrMapOvr>
+</p:sld>
+</file>
+
+<file path=ppt/slides/slide3.xml><?xml version="1.0" encoding="utf-8"?>
+<p:sld xmlns:a="http://schemas.openxmlformats.org/drawingml/2006/main" xmlns:r="http://schemas.openxmlformats.org/officeDocument/2006/relationships" xmlns:p="http://schemas.openxmlformats.org/presentationml/2006/main">
+  <p:cSld>
+    <p:spTree>
+      <p:nvGrpSpPr>
+        <p:cNvPr id="1" name=""/>
+        <p:cNvGrpSpPr/>
+        <p:nvPr/>
+      </p:nvGrpSpPr>
+      <p:grpSpPr>
+        <a:xfrm>
+          <a:off x="0" y="0"/>
+          <a:ext cx="0" cy="0"/>
+          <a:chOff x="0" y="0"/>
+          <a:chExt cx="0" cy="0"/>
+        </a:xfrm>
+      </p:grpSpPr>
+      <p:sp>
+        <p:nvSpPr>
+          <p:cNvPr id="2" name="Subtitle 1">
+            <a:extLst>
+              <a:ext uri="{FF2B5EF4-FFF2-40B4-BE49-F238E27FC236}">
+                <a16:creationId xmlns:a16="http://schemas.microsoft.com/office/drawing/2014/main" id="{7D9D8228-727F-1E46-B5AD-91D158B8255E}"/>
+              </a:ext>
+            </a:extLst>
+          </p:cNvPr>
+          <p:cNvSpPr>
+            <a:spLocks noGrp="1"/>
+          </p:cNvSpPr>
+          <p:nvPr>
+            <p:ph type="subTitle" idx="1"/>
+          </p:nvPr>
+        </p:nvSpPr>
+        <p:spPr>
+          <a:xfrm>
+            <a:off x="965288" y="1080637"/>
+            <a:ext cx="10110240" cy="588024"/>
+          </a:xfrm>
+        </p:spPr>
+        <p:txBody>
+          <a:bodyPr/>
+          <a:lstStyle/>
+          <a:p>
+            <a:r>
+              <a:rPr lang="en-US" sz="2400" b="0" dirty="0">
+                <a:latin typeface="Calibri" panose="020F0502020204030204" pitchFamily="34" charset="0"/>
+                <a:cs typeface="Calibri" panose="020F0502020204030204" pitchFamily="34" charset="0"/>
+              </a:rPr>
+              <a:t>We are using the dataset</a:t>
+            </a:r>
+            <a:r>
+              <a:rPr lang="en-US" sz="2400" b="0" dirty="0">
+                <a:solidFill>
+                  <a:srgbClr val="FF0000"/>
+                </a:solidFill>
+                <a:latin typeface="Calibri" panose="020F0502020204030204" pitchFamily="34" charset="0"/>
+                <a:cs typeface="Calibri" panose="020F0502020204030204" pitchFamily="34" charset="0"/>
+              </a:rPr>
+              <a:t>   </a:t>
+            </a:r>
+            <a:r>
+              <a:rPr lang="en-US" sz="2400" b="0" dirty="0" smtClean="0">
+                <a:solidFill>
+                  <a:srgbClr val="FF0000"/>
+                </a:solidFill>
+                <a:latin typeface="Calibri" panose="020F0502020204030204" pitchFamily="34" charset="0"/>
+                <a:cs typeface="Calibri" panose="020F0502020204030204" pitchFamily="34" charset="0"/>
+              </a:rPr>
+              <a:t>DS333 and  Googleplaystore.csv</a:t>
+            </a:r>
+            <a:r>
+              <a:rPr lang="en-US" sz="2400" b="0" dirty="0" smtClean="0">
+                <a:solidFill>
+                  <a:schemeClr val="tx1"/>
+                </a:solidFill>
+                <a:latin typeface="Calibri" panose="020F0502020204030204" pitchFamily="34" charset="0"/>
+                <a:cs typeface="Calibri" panose="020F0502020204030204" pitchFamily="34" charset="0"/>
+              </a:rPr>
+              <a:t> </a:t>
+            </a:r>
+            <a:r>
+              <a:rPr lang="en-US" sz="2400" b="0" dirty="0">
+                <a:solidFill>
+                  <a:schemeClr val="tx1"/>
+                </a:solidFill>
+                <a:latin typeface="Calibri" panose="020F0502020204030204" pitchFamily="34" charset="0"/>
+                <a:cs typeface="Calibri" panose="020F0502020204030204" pitchFamily="34" charset="0"/>
+              </a:rPr>
+              <a:t>to answer our Research Question  </a:t>
+            </a:r>
+            <a:r>
+              <a:rPr lang="en-US" sz="2400" b="0" dirty="0">
+                <a:solidFill>
+                  <a:srgbClr val="FF0000"/>
+                </a:solidFill>
+                <a:latin typeface="Calibri" panose="020F0502020204030204" pitchFamily="34" charset="0"/>
+                <a:cs typeface="Calibri" panose="020F0502020204030204" pitchFamily="34" charset="0"/>
+              </a:rPr>
+              <a:t>“ </a:t>
+            </a:r>
+            <a:r>
+              <a:rPr lang="en-US" sz="2400" b="0" dirty="0" smtClean="0">
+                <a:solidFill>
+                  <a:srgbClr val="FF0000"/>
+                </a:solidFill>
+                <a:latin typeface="Calibri" panose="020F0502020204030204" pitchFamily="34" charset="0"/>
+                <a:cs typeface="Calibri" panose="020F0502020204030204" pitchFamily="34" charset="0"/>
+              </a:rPr>
+              <a:t>Is there a difference in mean ratings of apps between paid and free apps”</a:t>
+            </a:r>
+            <a:endParaRPr lang="en-US" sz="2400" baseline="30000" dirty="0">
+              <a:solidFill>
+                <a:schemeClr val="tx1"/>
+              </a:solidFill>
+              <a:latin typeface="Calibri" panose="020F0502020204030204" pitchFamily="34" charset="0"/>
+              <a:cs typeface="Calibri" panose="020F0502020204030204" pitchFamily="34" charset="0"/>
+            </a:endParaRPr>
+          </a:p>
+          <a:p>
+            <a:r>
+              <a:rPr lang="en-US" sz="2400" b="0" dirty="0">
+                <a:solidFill>
+                  <a:srgbClr val="FF0000"/>
+                </a:solidFill>
+                <a:latin typeface="Calibri" panose="020F0502020204030204" pitchFamily="34" charset="0"/>
+                <a:cs typeface="Calibri" panose="020F0502020204030204" pitchFamily="34" charset="0"/>
+              </a:rPr>
+              <a:t/>
+            </a:r>
+            <a:br>
+              <a:rPr lang="en-US" sz="2400" b="0" dirty="0">
+                <a:solidFill>
+                  <a:srgbClr val="FF0000"/>
+                </a:solidFill>
+                <a:latin typeface="Calibri" panose="020F0502020204030204" pitchFamily="34" charset="0"/>
+                <a:cs typeface="Calibri" panose="020F0502020204030204" pitchFamily="34" charset="0"/>
+              </a:rPr>
+            </a:br>
+            <a:endParaRPr lang="en-US" sz="2400" dirty="0">
+              <a:solidFill>
+                <a:schemeClr val="tx1"/>
+              </a:solidFill>
+              <a:latin typeface="Calibri" panose="020F0502020204030204" pitchFamily="34" charset="0"/>
+              <a:cs typeface="Calibri" panose="020F0502020204030204" pitchFamily="34" charset="0"/>
+            </a:endParaRPr>
+          </a:p>
+        </p:txBody>
+      </p:sp>
+      <p:sp>
+        <p:nvSpPr>
+          <p:cNvPr id="3" name="Footer Placeholder 2">
+            <a:extLst>
+              <a:ext uri="{FF2B5EF4-FFF2-40B4-BE49-F238E27FC236}">
+                <a16:creationId xmlns:a16="http://schemas.microsoft.com/office/drawing/2014/main" id="{00EBC183-8AA5-EC44-9987-D65F5C1892A1}"/>
+              </a:ext>
+            </a:extLst>
+          </p:cNvPr>
+          <p:cNvSpPr>
+            <a:spLocks noGrp="1"/>
+          </p:cNvSpPr>
+          <p:nvPr>
+            <p:ph type="ftr" sz="quarter" idx="11"/>
+          </p:nvPr>
+        </p:nvSpPr>
+        <p:spPr>
+          <a:xfrm>
+            <a:off x="965288" y="791022"/>
+            <a:ext cx="9129687" cy="230832"/>
+          </a:xfrm>
+        </p:spPr>
+        <p:txBody>
+          <a:bodyPr/>
+          <a:lstStyle/>
+          <a:p>
+            <a:r>
+              <a:rPr lang="en-GB" dirty="0"/>
+              <a:t>7COM1079-2024  Student Group No: </a:t>
+            </a:r>
+            <a:r>
+              <a:rPr lang="en-GB" dirty="0" smtClean="0"/>
+              <a:t>A143A           </a:t>
+            </a:r>
+            <a:r>
+              <a:rPr lang="en-GB" dirty="0"/>
+              <a:t>Names of Student Group Attendees: </a:t>
+            </a:r>
+          </a:p>
+        </p:txBody>
+      </p:sp>
+      <p:sp>
+        <p:nvSpPr>
+          <p:cNvPr id="4" name="Slide Number Placeholder 3">
+            <a:extLst>
+              <a:ext uri="{FF2B5EF4-FFF2-40B4-BE49-F238E27FC236}">
+                <a16:creationId xmlns:a16="http://schemas.microsoft.com/office/drawing/2014/main" id="{CC9D9611-42EE-7840-81EE-DD6B1A99CD7B}"/>
+              </a:ext>
+            </a:extLst>
+          </p:cNvPr>
+          <p:cNvSpPr>
+            <a:spLocks noGrp="1"/>
+          </p:cNvSpPr>
+          <p:nvPr>
+            <p:ph type="sldNum" sz="quarter" idx="12"/>
+          </p:nvPr>
+        </p:nvSpPr>
+        <p:spPr/>
+        <p:txBody>
+          <a:bodyPr/>
+          <a:lstStyle/>
+          <a:p>
+            <a:fld id="{E4D355CA-84B7-41B1-B164-8BB439CC7C6B}" type="slidenum">
+              <a:rPr lang="en-GB" smtClean="0"/>
+              <a:pPr/>
+              <a:t>3</a:t>
+            </a:fld>
+            <a:endParaRPr lang="en-GB" dirty="0"/>
+          </a:p>
+        </p:txBody>
+      </p:sp>
+      <p:sp>
+        <p:nvSpPr>
+          <p:cNvPr id="17" name="TextBox 16">
+            <a:extLst>
+              <a:ext uri="{FF2B5EF4-FFF2-40B4-BE49-F238E27FC236}">
+                <a16:creationId xmlns:a16="http://schemas.microsoft.com/office/drawing/2014/main" id="{02FDD890-F323-BC39-8E76-43B2265D0104}"/>
+              </a:ext>
+            </a:extLst>
+          </p:cNvPr>
+          <p:cNvSpPr txBox="1"/>
+          <p:nvPr/>
+        </p:nvSpPr>
+        <p:spPr>
+          <a:xfrm>
+            <a:off x="3368352" y="5530901"/>
+            <a:ext cx="8823648" cy="830997"/>
+          </a:xfrm>
+          <a:prstGeom prst="rect">
+            <a:avLst/>
+          </a:prstGeom>
+          <a:noFill/>
+        </p:spPr>
+        <p:txBody>
+          <a:bodyPr wrap="square" rtlCol="0">
+            <a:spAutoFit/>
+          </a:bodyPr>
+          <a:lstStyle/>
+          <a:p>
+            <a:r>
+              <a:rPr lang="en-GB" sz="2400" dirty="0" smtClean="0">
+                <a:solidFill>
+                  <a:srgbClr val="FF0000"/>
+                </a:solidFill>
+              </a:rPr>
+              <a:t>“</a:t>
+            </a:r>
+            <a:r>
+              <a:rPr lang="en-GB" sz="2400" dirty="0">
+                <a:solidFill>
+                  <a:srgbClr val="FF0000"/>
+                </a:solidFill>
+              </a:rPr>
+              <a:t>T</a:t>
+            </a:r>
+            <a:r>
+              <a:rPr lang="en-GB" sz="2400" dirty="0" smtClean="0">
+                <a:solidFill>
+                  <a:srgbClr val="FF0000"/>
+                </a:solidFill>
+              </a:rPr>
+              <a:t>he </a:t>
+            </a:r>
+            <a:r>
+              <a:rPr lang="en-GB" sz="2400" dirty="0">
+                <a:solidFill>
+                  <a:srgbClr val="FF0000"/>
+                </a:solidFill>
+              </a:rPr>
+              <a:t>dataset has </a:t>
+            </a:r>
+            <a:r>
+              <a:rPr lang="en-GB" sz="2400" dirty="0" smtClean="0">
+                <a:solidFill>
+                  <a:srgbClr val="FF0000"/>
+                </a:solidFill>
+              </a:rPr>
+              <a:t>10840 </a:t>
+            </a:r>
+            <a:r>
+              <a:rPr lang="en-GB" sz="2400" dirty="0">
+                <a:solidFill>
+                  <a:srgbClr val="FF0000"/>
+                </a:solidFill>
+              </a:rPr>
+              <a:t>rows and the variables we use are </a:t>
+            </a:r>
+            <a:r>
+              <a:rPr lang="en-GB" sz="2400" b="1" dirty="0" smtClean="0">
+                <a:solidFill>
+                  <a:srgbClr val="FF0000"/>
+                </a:solidFill>
+              </a:rPr>
+              <a:t>Rating </a:t>
+            </a:r>
+            <a:r>
+              <a:rPr lang="en-GB" sz="2400" dirty="0">
+                <a:solidFill>
+                  <a:srgbClr val="FF0000"/>
+                </a:solidFill>
+              </a:rPr>
+              <a:t>(dependent variable</a:t>
+            </a:r>
+            <a:r>
+              <a:rPr lang="en-GB" sz="2400" baseline="30000" dirty="0">
+                <a:solidFill>
+                  <a:srgbClr val="FF0000"/>
+                </a:solidFill>
+              </a:rPr>
+              <a:t>3</a:t>
+            </a:r>
+            <a:r>
+              <a:rPr lang="en-GB" sz="2400" dirty="0">
+                <a:solidFill>
+                  <a:srgbClr val="FF0000"/>
+                </a:solidFill>
+              </a:rPr>
+              <a:t>) and </a:t>
+            </a:r>
+            <a:r>
+              <a:rPr lang="en-GB" sz="2400" b="1" dirty="0" smtClean="0">
+                <a:solidFill>
+                  <a:srgbClr val="FF0000"/>
+                </a:solidFill>
+              </a:rPr>
+              <a:t>Type</a:t>
+            </a:r>
+            <a:r>
+              <a:rPr lang="en-GB" sz="2400" dirty="0" smtClean="0">
+                <a:solidFill>
+                  <a:srgbClr val="FF0000"/>
+                </a:solidFill>
+              </a:rPr>
+              <a:t> </a:t>
+            </a:r>
+            <a:r>
+              <a:rPr lang="en-GB" sz="2400" dirty="0">
+                <a:solidFill>
+                  <a:srgbClr val="FF0000"/>
+                </a:solidFill>
+              </a:rPr>
+              <a:t>(independent variable</a:t>
+            </a:r>
+            <a:r>
+              <a:rPr lang="en-GB" sz="2400" baseline="30000" dirty="0">
+                <a:solidFill>
+                  <a:srgbClr val="FF0000"/>
+                </a:solidFill>
+              </a:rPr>
+              <a:t>4</a:t>
+            </a:r>
+            <a:r>
+              <a:rPr lang="en-GB" sz="2400" dirty="0">
+                <a:solidFill>
+                  <a:srgbClr val="FF0000"/>
+                </a:solidFill>
+              </a:rPr>
+              <a:t>).</a:t>
+            </a:r>
+          </a:p>
+        </p:txBody>
+      </p:sp>
+      <mc:AlternateContent xmlns:mc="http://schemas.openxmlformats.org/markup-compatibility/2006" xmlns:p14="http://schemas.microsoft.com/office/powerpoint/2010/main">
+        <mc:Choice Requires="p14">
+          <p:contentPart p14:bwMode="auto" r:id="rId3">
+            <p14:nvContentPartPr>
+              <p14:cNvPr id="26" name="Ink 25">
+                <a:extLst>
+                  <a:ext uri="{FF2B5EF4-FFF2-40B4-BE49-F238E27FC236}">
+                    <a16:creationId xmlns:a16="http://schemas.microsoft.com/office/drawing/2014/main" id="{F4A00DAC-98CC-1D9A-E4A4-B99AD3FBA824}"/>
+                  </a:ext>
+                </a:extLst>
+              </p14:cNvPr>
+              <p14:cNvContentPartPr/>
+              <p14:nvPr/>
+            </p14:nvContentPartPr>
+            <p14:xfrm>
+              <a:off x="11548041" y="2705494"/>
+              <a:ext cx="360" cy="360"/>
+            </p14:xfrm>
+          </p:contentPart>
+        </mc:Choice>
+        <mc:Fallback xmlns="">
+          <p:pic>
+            <p:nvPicPr>
+              <p:cNvPr id="26" name="Ink 25">
+                <a:extLst>
+                  <a:ext uri="{FF2B5EF4-FFF2-40B4-BE49-F238E27FC236}">
+                    <a16:creationId xmlns:a16="http://schemas.microsoft.com/office/drawing/2014/main" id="{F4A00DAC-98CC-1D9A-E4A4-B99AD3FBA824}"/>
+                  </a:ext>
+                </a:extLst>
+              </p:cNvPr>
+              <p:cNvPicPr/>
+              <p:nvPr/>
+            </p:nvPicPr>
+            <p:blipFill>
+              <a:blip r:embed="rId4"/>
+              <a:stretch>
+                <a:fillRect/>
+              </a:stretch>
+            </p:blipFill>
+            <p:spPr>
+              <a:xfrm>
+                <a:off x="11530041" y="2687494"/>
+                <a:ext cx="36000" cy="36000"/>
+              </a:xfrm>
+              <a:prstGeom prst="rect">
+                <a:avLst/>
+              </a:prstGeom>
+            </p:spPr>
+          </p:pic>
+        </mc:Fallback>
+      </mc:AlternateContent>
+      <p:cxnSp>
+        <p:nvCxnSpPr>
+          <p:cNvPr id="30" name="Straight Arrow Connector 29">
+            <a:extLst>
+              <a:ext uri="{FF2B5EF4-FFF2-40B4-BE49-F238E27FC236}">
+                <a16:creationId xmlns:a16="http://schemas.microsoft.com/office/drawing/2014/main" id="{A174ADF1-9076-4B41-8EBE-E2A8E1BB8369}"/>
+              </a:ext>
+            </a:extLst>
+          </p:cNvPr>
+          <p:cNvCxnSpPr/>
+          <p:nvPr/>
+        </p:nvCxnSpPr>
+        <p:spPr>
+          <a:xfrm>
+            <a:off x="5268160" y="3958225"/>
+            <a:ext cx="631599" cy="0"/>
+          </a:xfrm>
+          <a:prstGeom prst="straightConnector1">
+            <a:avLst/>
+          </a:prstGeom>
+          <a:ln w="38100" cap="flat" cmpd="sng" algn="ctr">
+            <a:solidFill>
+              <a:schemeClr val="dk1"/>
+            </a:solidFill>
+            <a:prstDash val="solid"/>
+            <a:round/>
+            <a:headEnd type="none" w="med" len="med"/>
+            <a:tailEnd type="arrow" w="med" len="med"/>
+          </a:ln>
+        </p:spPr>
+        <p:style>
+          <a:lnRef idx="0">
+            <a:scrgbClr r="0" g="0" b="0"/>
+          </a:lnRef>
+          <a:fillRef idx="0">
+            <a:scrgbClr r="0" g="0" b="0"/>
+          </a:fillRef>
+          <a:effectRef idx="0">
+            <a:scrgbClr r="0" g="0" b="0"/>
+          </a:effectRef>
+          <a:fontRef idx="minor">
+            <a:schemeClr val="tx1"/>
+          </a:fontRef>
+        </p:style>
+      </p:cxnSp>
+      <p:pic>
+        <p:nvPicPr>
+          <p:cNvPr id="10" name="Picture 9">
+            <a:extLst>
+              <a:ext uri="{FF2B5EF4-FFF2-40B4-BE49-F238E27FC236}">
+                <a16:creationId xmlns:a16="http://schemas.microsoft.com/office/drawing/2014/main" id="{D233C944-D63C-72B3-AC94-B405A0C975A4}"/>
+              </a:ext>
+            </a:extLst>
+          </p:cNvPr>
+          <p:cNvPicPr>
+            <a:picLocks noChangeAspect="1"/>
+          </p:cNvPicPr>
+          <p:nvPr/>
+        </p:nvPicPr>
+        <p:blipFill>
+          <a:blip r:embed="rId5">
+            <a:extLst>
+              <a:ext uri="{28A0092B-C50C-407E-A947-70E740481C1C}">
+                <a14:useLocalDpi xmlns:a14="http://schemas.microsoft.com/office/drawing/2010/main" val="0"/>
+              </a:ext>
+            </a:extLst>
+          </a:blip>
+          <a:stretch>
+            <a:fillRect/>
+          </a:stretch>
+        </p:blipFill>
+        <p:spPr>
+          <a:xfrm>
+            <a:off x="822236" y="1791388"/>
+            <a:ext cx="9523445" cy="3616786"/>
+          </a:xfrm>
+          <a:prstGeom prst="rect">
+            <a:avLst/>
+          </a:prstGeom>
+        </p:spPr>
+      </p:pic>
+    </p:spTree>
+    <p:extLst>
+      <p:ext uri="{BB962C8B-B14F-4D97-AF65-F5344CB8AC3E}">
+        <p14:creationId xmlns:p14="http://schemas.microsoft.com/office/powerpoint/2010/main" val="1718004908"/>
+      </p:ext>
+    </p:extLst>
+  </p:cSld>
+  <p:clrMapOvr>
+    <a:masterClrMapping/>
+  </p:clrMapOvr>
+</p:sld>
+</file>
+
+<file path=ppt/slides/slide4.xml><?xml version="1.0" encoding="utf-8"?>
+<p:sld xmlns:a="http://schemas.openxmlformats.org/drawingml/2006/main" xmlns:r="http://schemas.openxmlformats.org/officeDocument/2006/relationships" xmlns:p="http://schemas.openxmlformats.org/presentationml/2006/main">
+  <p:cSld>
+    <p:spTree>
+      <p:nvGrpSpPr>
+        <p:cNvPr id="1" name=""/>
+        <p:cNvGrpSpPr/>
+        <p:nvPr/>
+      </p:nvGrpSpPr>
+      <p:grpSpPr>
+        <a:xfrm>
+          <a:off x="0" y="0"/>
+          <a:ext cx="0" cy="0"/>
+          <a:chOff x="0" y="0"/>
+          <a:chExt cx="0" cy="0"/>
+        </a:xfrm>
+      </p:grpSpPr>
+      <p:sp>
+        <p:nvSpPr>
+          <p:cNvPr id="3" name="Footer Placeholder 2">
+            <a:extLst>
+              <a:ext uri="{FF2B5EF4-FFF2-40B4-BE49-F238E27FC236}">
+                <a16:creationId xmlns:a16="http://schemas.microsoft.com/office/drawing/2014/main" id="{3C4D431B-7665-75B0-2D73-5BD588DCB766}"/>
+              </a:ext>
+            </a:extLst>
+          </p:cNvPr>
+          <p:cNvSpPr>
+            <a:spLocks noGrp="1"/>
+          </p:cNvSpPr>
+          <p:nvPr>
+            <p:ph type="ftr" sz="quarter" idx="11"/>
+          </p:nvPr>
+        </p:nvSpPr>
+        <p:spPr/>
+        <p:txBody>
+          <a:bodyPr/>
+          <a:lstStyle/>
+          <a:p>
+            <a:r>
+              <a:rPr lang="en-GB" dirty="0"/>
+              <a:t>PRE 7COM1079-2022  Student Group No:  ?????</a:t>
+            </a:r>
+          </a:p>
+        </p:txBody>
+      </p:sp>
+      <p:sp>
+        <p:nvSpPr>
+          <p:cNvPr id="4" name="Slide Number Placeholder 3">
+            <a:extLst>
+              <a:ext uri="{FF2B5EF4-FFF2-40B4-BE49-F238E27FC236}">
+                <a16:creationId xmlns:a16="http://schemas.microsoft.com/office/drawing/2014/main" id="{1625FA15-B17F-387B-E383-5505647ABB89}"/>
+              </a:ext>
+            </a:extLst>
+          </p:cNvPr>
+          <p:cNvSpPr>
+            <a:spLocks noGrp="1"/>
+          </p:cNvSpPr>
+          <p:nvPr>
+            <p:ph type="sldNum" sz="quarter" idx="12"/>
+          </p:nvPr>
+        </p:nvSpPr>
+        <p:spPr/>
+        <p:txBody>
+          <a:bodyPr/>
+          <a:lstStyle/>
+          <a:p>
+            <a:fld id="{E4D355CA-84B7-41B1-B164-8BB439CC7C6B}" type="slidenum">
+              <a:rPr lang="en-GB" smtClean="0"/>
+              <a:pPr/>
+              <a:t>4</a:t>
+            </a:fld>
+            <a:endParaRPr lang="en-GB" dirty="0"/>
+          </a:p>
+        </p:txBody>
+      </p:sp>
+      <p:sp>
+        <p:nvSpPr>
+          <p:cNvPr id="7" name="TextBox 6">
+            <a:extLst>
+              <a:ext uri="{FF2B5EF4-FFF2-40B4-BE49-F238E27FC236}">
+                <a16:creationId xmlns:a16="http://schemas.microsoft.com/office/drawing/2014/main" id="{F7FEA660-7B39-BC91-3B96-7298CCF66DE1}"/>
+              </a:ext>
+            </a:extLst>
+          </p:cNvPr>
+          <p:cNvSpPr txBox="1"/>
+          <p:nvPr/>
+        </p:nvSpPr>
+        <p:spPr>
+          <a:xfrm>
+            <a:off x="751960" y="6066978"/>
+            <a:ext cx="11440040" cy="646331"/>
+          </a:xfrm>
+          <a:prstGeom prst="rect">
+            <a:avLst/>
+          </a:prstGeom>
+          <a:solidFill>
+            <a:schemeClr val="bg1">
+              <a:lumMod val="95000"/>
+            </a:schemeClr>
+          </a:solidFill>
+        </p:spPr>
+        <p:txBody>
+          <a:bodyPr wrap="square" rtlCol="0">
+            <a:spAutoFit/>
+          </a:bodyPr>
+          <a:lstStyle/>
+          <a:p>
+            <a:r>
+              <a:rPr lang="en-IE" sz="1800" b="1" dirty="0">
+                <a:effectLst/>
+                <a:latin typeface="Calibri" panose="020F0502020204030204" pitchFamily="34" charset="0"/>
+                <a:ea typeface="Calibri" panose="020F0502020204030204" pitchFamily="34" charset="0"/>
+                <a:cs typeface="Times New Roman" panose="02020603050405020304" pitchFamily="18" charset="0"/>
+              </a:rPr>
+              <a:t>Comparison of </a:t>
+            </a:r>
+            <a:r>
+              <a:rPr lang="en-IE" sz="1800" b="1" dirty="0" smtClean="0">
+                <a:effectLst/>
+                <a:latin typeface="Calibri" panose="020F0502020204030204" pitchFamily="34" charset="0"/>
+                <a:ea typeface="Calibri" panose="020F0502020204030204" pitchFamily="34" charset="0"/>
+                <a:cs typeface="Times New Roman" panose="02020603050405020304" pitchFamily="18" charset="0"/>
+              </a:rPr>
+              <a:t>means</a:t>
+            </a:r>
+            <a:r>
+              <a:rPr lang="en-IE" sz="1800" dirty="0" smtClean="0">
+                <a:effectLst/>
+                <a:latin typeface="Calibri" panose="020F0502020204030204" pitchFamily="34" charset="0"/>
+                <a:ea typeface="Calibri" panose="020F0502020204030204" pitchFamily="34" charset="0"/>
+                <a:cs typeface="Times New Roman" panose="02020603050405020304" pitchFamily="18" charset="0"/>
+              </a:rPr>
+              <a:t> </a:t>
+            </a:r>
+            <a:r>
+              <a:rPr lang="en-IE" sz="1800" dirty="0">
+                <a:effectLst/>
+                <a:latin typeface="Calibri" panose="020F0502020204030204" pitchFamily="34" charset="0"/>
+                <a:ea typeface="Calibri" panose="020F0502020204030204" pitchFamily="34" charset="0"/>
+                <a:cs typeface="Times New Roman" panose="02020603050405020304" pitchFamily="18" charset="0"/>
+              </a:rPr>
+              <a:t>analyses the difference between the mean (or median) value of a characteristic shared by members of two (or more) different populations.</a:t>
+            </a:r>
+            <a:endParaRPr lang="en-GB" dirty="0"/>
+          </a:p>
+        </p:txBody>
+      </p:sp>
+      <p:sp>
+        <p:nvSpPr>
+          <p:cNvPr id="8" name="Subtitle 7">
+            <a:extLst>
+              <a:ext uri="{FF2B5EF4-FFF2-40B4-BE49-F238E27FC236}">
+                <a16:creationId xmlns:a16="http://schemas.microsoft.com/office/drawing/2014/main" id="{08296624-D625-8A51-63F8-EC461F283B3B}"/>
+              </a:ext>
+            </a:extLst>
+          </p:cNvPr>
+          <p:cNvSpPr>
+            <a:spLocks noGrp="1"/>
+          </p:cNvSpPr>
+          <p:nvPr>
+            <p:ph type="subTitle" idx="1"/>
+          </p:nvPr>
+        </p:nvSpPr>
+        <p:spPr>
+          <a:xfrm>
+            <a:off x="965289" y="353630"/>
+            <a:ext cx="10273911" cy="668224"/>
+          </a:xfrm>
+          <a:solidFill>
+            <a:schemeClr val="bg2"/>
+          </a:solidFill>
+        </p:spPr>
+        <p:txBody>
+          <a:bodyPr/>
+          <a:lstStyle/>
+          <a:p>
+            <a:pPr>
+              <a:lnSpc>
+                <a:spcPct val="100000"/>
+              </a:lnSpc>
+            </a:pPr>
+            <a:r>
+              <a:rPr lang="en-GB" dirty="0" smtClean="0"/>
+              <a:t>Comparison </a:t>
+            </a:r>
+            <a:r>
+              <a:rPr lang="en-GB" dirty="0"/>
+              <a:t>of </a:t>
+            </a:r>
+            <a:r>
+              <a:rPr lang="en-GB" dirty="0" smtClean="0"/>
+              <a:t>means: Boxplot</a:t>
+            </a:r>
+            <a:endParaRPr lang="en-GB" i="1" dirty="0"/>
+          </a:p>
+        </p:txBody>
+      </p:sp>
+      <p:pic>
+        <p:nvPicPr>
+          <p:cNvPr id="5" name="Picture 4"/>
+          <p:cNvPicPr>
+            <a:picLocks noChangeAspect="1"/>
+          </p:cNvPicPr>
+          <p:nvPr/>
+        </p:nvPicPr>
+        <p:blipFill>
+          <a:blip r:embed="rId3">
+            <a:extLst>
+              <a:ext uri="{28A0092B-C50C-407E-A947-70E740481C1C}">
+                <a14:useLocalDpi xmlns:a14="http://schemas.microsoft.com/office/drawing/2010/main" val="0"/>
+              </a:ext>
+            </a:extLst>
+          </a:blip>
+          <a:stretch>
+            <a:fillRect/>
+          </a:stretch>
+        </p:blipFill>
+        <p:spPr>
+          <a:xfrm>
+            <a:off x="3331029" y="1091682"/>
+            <a:ext cx="7480540" cy="4768844"/>
+          </a:xfrm>
+          <a:prstGeom prst="rect">
+            <a:avLst/>
+          </a:prstGeom>
+        </p:spPr>
+      </p:pic>
+    </p:spTree>
+    <p:extLst>
+      <p:ext uri="{BB962C8B-B14F-4D97-AF65-F5344CB8AC3E}">
+        <p14:creationId xmlns:p14="http://schemas.microsoft.com/office/powerpoint/2010/main" val="2723358785"/>
+      </p:ext>
+    </p:extLst>
+  </p:cSld>
+  <p:clrMapOvr>
+    <a:masterClrMapping/>
+  </p:clrMapOvr>
+</p:sld>
+</file>
+
+<file path=ppt/slides/slide5.xml><?xml version="1.0" encoding="utf-8"?>
+<p:sld xmlns:a="http://schemas.openxmlformats.org/drawingml/2006/main" xmlns:r="http://schemas.openxmlformats.org/officeDocument/2006/relationships" xmlns:p="http://schemas.openxmlformats.org/presentationml/2006/main">
+  <p:cSld>
+    <p:spTree>
+      <p:nvGrpSpPr>
+        <p:cNvPr id="1" name=""/>
+        <p:cNvGrpSpPr/>
+        <p:nvPr/>
+      </p:nvGrpSpPr>
+      <p:grpSpPr>
+        <a:xfrm>
+          <a:off x="0" y="0"/>
+          <a:ext cx="0" cy="0"/>
+          <a:chOff x="0" y="0"/>
+          <a:chExt cx="0" cy="0"/>
+        </a:xfrm>
+      </p:grpSpPr>
+      <p:sp>
+        <p:nvSpPr>
+          <p:cNvPr id="3" name="Footer Placeholder 2">
+            <a:extLst>
+              <a:ext uri="{FF2B5EF4-FFF2-40B4-BE49-F238E27FC236}">
+                <a16:creationId xmlns:a16="http://schemas.microsoft.com/office/drawing/2014/main" id="{3C4D431B-7665-75B0-2D73-5BD588DCB766}"/>
+              </a:ext>
+            </a:extLst>
+          </p:cNvPr>
+          <p:cNvSpPr>
+            <a:spLocks noGrp="1"/>
+          </p:cNvSpPr>
+          <p:nvPr>
+            <p:ph type="ftr" sz="quarter" idx="11"/>
+          </p:nvPr>
+        </p:nvSpPr>
+        <p:spPr/>
+        <p:txBody>
+          <a:bodyPr/>
+          <a:lstStyle/>
+          <a:p>
+            <a:r>
+              <a:rPr lang="en-GB" dirty="0"/>
+              <a:t>PRE 7COM1079-2022  Student Group No:  ?????</a:t>
+            </a:r>
+          </a:p>
+        </p:txBody>
+      </p:sp>
+      <p:sp>
+        <p:nvSpPr>
+          <p:cNvPr id="4" name="Slide Number Placeholder 3">
+            <a:extLst>
+              <a:ext uri="{FF2B5EF4-FFF2-40B4-BE49-F238E27FC236}">
+                <a16:creationId xmlns:a16="http://schemas.microsoft.com/office/drawing/2014/main" id="{1625FA15-B17F-387B-E383-5505647ABB89}"/>
+              </a:ext>
+            </a:extLst>
+          </p:cNvPr>
+          <p:cNvSpPr>
+            <a:spLocks noGrp="1"/>
+          </p:cNvSpPr>
+          <p:nvPr>
+            <p:ph type="sldNum" sz="quarter" idx="12"/>
+          </p:nvPr>
+        </p:nvSpPr>
+        <p:spPr/>
+        <p:txBody>
+          <a:bodyPr/>
+          <a:lstStyle/>
+          <a:p>
+            <a:fld id="{E4D355CA-84B7-41B1-B164-8BB439CC7C6B}" type="slidenum">
+              <a:rPr lang="en-GB" smtClean="0"/>
+              <a:pPr/>
+              <a:t>5</a:t>
+            </a:fld>
+            <a:endParaRPr lang="en-GB" dirty="0"/>
+          </a:p>
+        </p:txBody>
+      </p:sp>
+      <p:sp>
+        <p:nvSpPr>
+          <p:cNvPr id="8" name="Subtitle 7">
+            <a:extLst>
+              <a:ext uri="{FF2B5EF4-FFF2-40B4-BE49-F238E27FC236}">
+                <a16:creationId xmlns:a16="http://schemas.microsoft.com/office/drawing/2014/main" id="{08296624-D625-8A51-63F8-EC461F283B3B}"/>
+              </a:ext>
+            </a:extLst>
+          </p:cNvPr>
+          <p:cNvSpPr>
+            <a:spLocks noGrp="1"/>
+          </p:cNvSpPr>
+          <p:nvPr>
+            <p:ph type="subTitle" idx="1"/>
+          </p:nvPr>
+        </p:nvSpPr>
+        <p:spPr>
+          <a:xfrm>
+            <a:off x="965289" y="561648"/>
+            <a:ext cx="10273911" cy="668224"/>
+          </a:xfrm>
+          <a:solidFill>
+            <a:schemeClr val="bg2"/>
+          </a:solidFill>
+        </p:spPr>
+        <p:txBody>
+          <a:bodyPr/>
+          <a:lstStyle/>
+          <a:p>
+            <a:pPr>
+              <a:lnSpc>
+                <a:spcPct val="100000"/>
+              </a:lnSpc>
+            </a:pPr>
+            <a:r>
+              <a:rPr lang="en-GB" dirty="0" smtClean="0"/>
+              <a:t>Comparison </a:t>
+            </a:r>
+            <a:r>
+              <a:rPr lang="en-GB" dirty="0"/>
+              <a:t>of </a:t>
+            </a:r>
+            <a:r>
+              <a:rPr lang="en-GB" dirty="0" smtClean="0"/>
+              <a:t>Means: Histogram plot</a:t>
+            </a:r>
+            <a:endParaRPr lang="en-GB" b="0" i="1" dirty="0"/>
+          </a:p>
+        </p:txBody>
+      </p:sp>
+      <p:pic>
+        <p:nvPicPr>
+          <p:cNvPr id="9" name="Picture 8"/>
+          <p:cNvPicPr>
+            <a:picLocks noChangeAspect="1"/>
+          </p:cNvPicPr>
+          <p:nvPr/>
+        </p:nvPicPr>
+        <p:blipFill>
+          <a:blip r:embed="rId3">
+            <a:extLst>
+              <a:ext uri="{28A0092B-C50C-407E-A947-70E740481C1C}">
+                <a14:useLocalDpi xmlns:a14="http://schemas.microsoft.com/office/drawing/2010/main" val="0"/>
+              </a:ext>
+            </a:extLst>
+          </a:blip>
+          <a:stretch>
+            <a:fillRect/>
+          </a:stretch>
+        </p:blipFill>
+        <p:spPr>
+          <a:xfrm>
+            <a:off x="3405673" y="1180993"/>
+            <a:ext cx="7408507" cy="4722924"/>
+          </a:xfrm>
+          <a:prstGeom prst="rect">
+            <a:avLst/>
+          </a:prstGeom>
+        </p:spPr>
+      </p:pic>
+      <p:sp>
+        <p:nvSpPr>
+          <p:cNvPr id="2" name="Rectangle 1"/>
+          <p:cNvSpPr/>
+          <p:nvPr/>
+        </p:nvSpPr>
+        <p:spPr>
+          <a:xfrm>
+            <a:off x="799322" y="6061597"/>
+            <a:ext cx="11392677" cy="646331"/>
+          </a:xfrm>
+          <a:prstGeom prst="rect">
+            <a:avLst/>
+          </a:prstGeom>
+        </p:spPr>
+        <p:txBody>
+          <a:bodyPr wrap="square">
+            <a:spAutoFit/>
+          </a:bodyPr>
+          <a:lstStyle/>
+          <a:p>
+            <a:r>
+              <a:rPr lang="en-IE" b="1" dirty="0">
+                <a:latin typeface="Calibri" panose="020F0502020204030204" pitchFamily="34" charset="0"/>
+                <a:ea typeface="Calibri" panose="020F0502020204030204" pitchFamily="34" charset="0"/>
+                <a:cs typeface="Times New Roman" panose="02020603050405020304" pitchFamily="18" charset="0"/>
+              </a:rPr>
+              <a:t>Comparison of means</a:t>
+            </a:r>
+            <a:r>
+              <a:rPr lang="en-IE" dirty="0">
+                <a:latin typeface="Calibri" panose="020F0502020204030204" pitchFamily="34" charset="0"/>
+                <a:ea typeface="Calibri" panose="020F0502020204030204" pitchFamily="34" charset="0"/>
+                <a:cs typeface="Times New Roman" panose="02020603050405020304" pitchFamily="18" charset="0"/>
+              </a:rPr>
+              <a:t> analyses the difference between the mean (or median) value of a characteristic shared by members of two (or more) different populations.</a:t>
+            </a:r>
+            <a:endParaRPr lang="en-GB" dirty="0"/>
+          </a:p>
+        </p:txBody>
+      </p:sp>
+    </p:spTree>
+    <p:extLst>
+      <p:ext uri="{BB962C8B-B14F-4D97-AF65-F5344CB8AC3E}">
+        <p14:creationId xmlns:p14="http://schemas.microsoft.com/office/powerpoint/2010/main" val="3608140810"/>
+      </p:ext>
+    </p:extLst>
+  </p:cSld>
+  <p:clrMapOvr>
+    <a:masterClrMapping/>
+  </p:clrMapOvr>
+</p:sld>
+</file>
+
+<file path=ppt/slides/slide6.xml><?xml version="1.0" encoding="utf-8"?>
+<p:sld xmlns:a="http://schemas.openxmlformats.org/drawingml/2006/main" xmlns:r="http://schemas.openxmlformats.org/officeDocument/2006/relationships" xmlns:p="http://schemas.openxmlformats.org/presentationml/2006/main">
+  <p:cSld>
+    <p:spTree>
+      <p:nvGrpSpPr>
+        <p:cNvPr id="1" name=""/>
+        <p:cNvGrpSpPr/>
+        <p:nvPr/>
+      </p:nvGrpSpPr>
+      <p:grpSpPr>
+        <a:xfrm>
+          <a:off x="0" y="0"/>
+          <a:ext cx="0" cy="0"/>
+          <a:chOff x="0" y="0"/>
+          <a:chExt cx="0" cy="0"/>
+        </a:xfrm>
+      </p:grpSpPr>
+      <p:sp>
+        <p:nvSpPr>
+          <p:cNvPr id="2" name="Subtitle 1">
+            <a:extLst>
+              <a:ext uri="{FF2B5EF4-FFF2-40B4-BE49-F238E27FC236}">
+                <a16:creationId xmlns:a16="http://schemas.microsoft.com/office/drawing/2014/main" id="{A3BCDAA3-A3AD-A880-5E9C-0E1ABBC0A463}"/>
+              </a:ext>
+            </a:extLst>
+          </p:cNvPr>
+          <p:cNvSpPr>
+            <a:spLocks noGrp="1"/>
+          </p:cNvSpPr>
+          <p:nvPr>
+            <p:ph type="subTitle" idx="1"/>
+          </p:nvPr>
+        </p:nvSpPr>
+        <p:spPr>
+          <a:xfrm>
+            <a:off x="954000" y="1698171"/>
+            <a:ext cx="10285200" cy="551829"/>
+          </a:xfrm>
+        </p:spPr>
+        <p:txBody>
+          <a:bodyPr/>
+          <a:lstStyle/>
+          <a:p>
+            <a:r>
+              <a:rPr lang="en-US" dirty="0"/>
+              <a:t>Part 2: Analysis (building on your Visualizations)</a:t>
+            </a:r>
+            <a:endParaRPr lang="en-GB" dirty="0"/>
+          </a:p>
+        </p:txBody>
+      </p:sp>
+      <p:sp>
+        <p:nvSpPr>
+          <p:cNvPr id="3" name="Footer Placeholder 2">
+            <a:extLst>
+              <a:ext uri="{FF2B5EF4-FFF2-40B4-BE49-F238E27FC236}">
+                <a16:creationId xmlns:a16="http://schemas.microsoft.com/office/drawing/2014/main" id="{0287CE03-B588-8643-02BA-1E1B72567176}"/>
+              </a:ext>
+            </a:extLst>
+          </p:cNvPr>
+          <p:cNvSpPr>
+            <a:spLocks noGrp="1"/>
+          </p:cNvSpPr>
+          <p:nvPr>
+            <p:ph type="ftr" sz="quarter" idx="11"/>
+          </p:nvPr>
+        </p:nvSpPr>
+        <p:spPr/>
+        <p:txBody>
+          <a:bodyPr/>
+          <a:lstStyle/>
+          <a:p>
+            <a:r>
+              <a:rPr lang="en-GB"/>
+              <a:t>PRESENTATION TITLE (ADD VIA INSERT, HEADER &amp; FOOTER)</a:t>
+            </a:r>
+            <a:endParaRPr lang="en-GB" dirty="0"/>
+          </a:p>
+        </p:txBody>
+      </p:sp>
+      <p:sp>
+        <p:nvSpPr>
+          <p:cNvPr id="4" name="Slide Number Placeholder 3">
+            <a:extLst>
+              <a:ext uri="{FF2B5EF4-FFF2-40B4-BE49-F238E27FC236}">
+                <a16:creationId xmlns:a16="http://schemas.microsoft.com/office/drawing/2014/main" id="{953BD585-11D8-30FD-4A30-9F1639F0D149}"/>
+              </a:ext>
+            </a:extLst>
+          </p:cNvPr>
+          <p:cNvSpPr>
+            <a:spLocks noGrp="1"/>
+          </p:cNvSpPr>
+          <p:nvPr>
+            <p:ph type="sldNum" sz="quarter" idx="12"/>
+          </p:nvPr>
+        </p:nvSpPr>
+        <p:spPr/>
+        <p:txBody>
+          <a:bodyPr/>
+          <a:lstStyle/>
+          <a:p>
+            <a:fld id="{E4D355CA-84B7-41B1-B164-8BB439CC7C6B}" type="slidenum">
+              <a:rPr lang="en-GB" smtClean="0"/>
+              <a:pPr/>
+              <a:t>6</a:t>
+            </a:fld>
+            <a:endParaRPr lang="en-GB" dirty="0"/>
+          </a:p>
+        </p:txBody>
+      </p:sp>
+      <p:sp>
+        <p:nvSpPr>
+          <p:cNvPr id="5" name="Title 4">
+            <a:extLst>
+              <a:ext uri="{FF2B5EF4-FFF2-40B4-BE49-F238E27FC236}">
+                <a16:creationId xmlns:a16="http://schemas.microsoft.com/office/drawing/2014/main" id="{54177ABE-27C8-AEF5-9AE6-21E6BE179092}"/>
+              </a:ext>
+            </a:extLst>
+          </p:cNvPr>
+          <p:cNvSpPr>
+            <a:spLocks noGrp="1"/>
+          </p:cNvSpPr>
+          <p:nvPr>
+            <p:ph type="ctrTitle"/>
+          </p:nvPr>
+        </p:nvSpPr>
+        <p:spPr/>
+        <p:txBody>
+          <a:bodyPr>
+            <a:normAutofit/>
+          </a:bodyPr>
+          <a:lstStyle/>
+          <a:p>
+            <a:pPr>
+              <a:lnSpc>
+                <a:spcPts val="4000"/>
+              </a:lnSpc>
+            </a:pPr>
+            <a:r>
+              <a:rPr lang="en-US" sz="3600" dirty="0">
+                <a:solidFill>
+                  <a:srgbClr val="FF0000"/>
+                </a:solidFill>
+              </a:rPr>
+              <a:t>Only attempt this Analysis part of the demo if you have completed your Visualization(s). Otherwise end your demo after the Visualization for feedback.</a:t>
+            </a:r>
+            <a:endParaRPr lang="en-GB" sz="3600" dirty="0">
+              <a:solidFill>
+                <a:srgbClr val="FF0000"/>
+              </a:solidFill>
+            </a:endParaRPr>
+          </a:p>
+        </p:txBody>
+      </p:sp>
+    </p:spTree>
+    <p:extLst>
+      <p:ext uri="{BB962C8B-B14F-4D97-AF65-F5344CB8AC3E}">
+        <p14:creationId xmlns:p14="http://schemas.microsoft.com/office/powerpoint/2010/main" val="1771321156"/>
+      </p:ext>
+    </p:extLst>
+  </p:cSld>
+  <p:clrMapOvr>
+    <a:masterClrMapping/>
+  </p:clrMapOvr>
+</p:sld>
+</file>
+
+<file path=ppt/slides/slide7.xml><?xml version="1.0" encoding="utf-8"?>
+<p:sld xmlns:a="http://schemas.openxmlformats.org/drawingml/2006/main" xmlns:r="http://schemas.openxmlformats.org/officeDocument/2006/relationships" xmlns:p="http://schemas.openxmlformats.org/presentationml/2006/main">
+  <p:cSld>
+    <p:spTree>
+      <p:nvGrpSpPr>
+        <p:cNvPr id="1" name=""/>
+        <p:cNvGrpSpPr/>
+        <p:nvPr/>
+      </p:nvGrpSpPr>
+      <p:grpSpPr>
+        <a:xfrm>
+          <a:off x="0" y="0"/>
+          <a:ext cx="0" cy="0"/>
+          <a:chOff x="0" y="0"/>
+          <a:chExt cx="0" cy="0"/>
+        </a:xfrm>
+      </p:grpSpPr>
+      <p:sp>
+        <p:nvSpPr>
+          <p:cNvPr id="115" name="CustomShape 1"/>
           <p:cNvSpPr/>
           <p:nvPr/>
         </p:nvSpPr>
@@ -5506,7 +7115,7 @@
       </p:sp>
       <p:sp>
         <p:nvSpPr>
-          <p:cNvPr id="105" name="CustomShape 2"/>
+          <p:cNvPr id="116" name="CustomShape 2"/>
           <p:cNvSpPr/>
           <p:nvPr/>
         </p:nvSpPr>
@@ -5559,7 +7168,7 @@
       </p:sp>
       <p:sp>
         <p:nvSpPr>
-          <p:cNvPr id="106" name="CustomShape 3"/>
+          <p:cNvPr id="117" name="CustomShape 3"/>
           <p:cNvSpPr/>
           <p:nvPr/>
         </p:nvSpPr>
@@ -5614,7 +7223,7 @@
       </p:sp>
       <p:sp>
         <p:nvSpPr>
-          <p:cNvPr id="107" name="CustomShape 4"/>
+          <p:cNvPr id="118" name="CustomShape 4"/>
           <p:cNvSpPr/>
           <p:nvPr/>
         </p:nvSpPr>
@@ -5669,7 +7278,7 @@
       </p:sp>
       <p:sp>
         <p:nvSpPr>
-          <p:cNvPr id="108" name="TextShape 5"/>
+          <p:cNvPr id="119" name="TextShape 5"/>
           <p:cNvSpPr txBox="1"/>
           <p:nvPr/>
         </p:nvSpPr>
@@ -5706,7 +7315,13 @@
               </a:rPr>
               <a:t> </a:t>
             </a:r>
+            <a:r>
+              <a:t/>
+            </a:r>
             <a:br/>
+            <a:r>
+              <a:t/>
+            </a:r>
             <a:br/>
             <a:endParaRPr lang="en-US" sz="2400" b="0" strike="noStrike" spc="-1">
               <a:solidFill>
@@ -5719,14 +7334,14 @@
       </p:sp>
       <p:sp>
         <p:nvSpPr>
-          <p:cNvPr id="109" name="TextShape 6"/>
+          <p:cNvPr id="120" name="TextShape 6"/>
           <p:cNvSpPr txBox="1"/>
           <p:nvPr/>
         </p:nvSpPr>
         <p:spPr>
           <a:xfrm>
-            <a:off x="7354080" y="203882"/>
-            <a:ext cx="4705437" cy="1158840"/>
+            <a:off x="8217720" y="343800"/>
+            <a:ext cx="3386160" cy="1158840"/>
           </a:xfrm>
           <a:prstGeom prst="rect">
             <a:avLst/>
@@ -5754,15 +7369,15 @@
               </a:tabLst>
             </a:pPr>
             <a:r>
-              <a:rPr lang="en-GB" sz="3000" b="1" strike="noStrike" spc="-100" dirty="0">
+              <a:rPr lang="en-GB" sz="3200" b="0" strike="noStrike" spc="-100">
                 <a:solidFill>
                   <a:srgbClr val="FFFFFF"/>
                 </a:solidFill>
                 <a:latin typeface="Arial"/>
               </a:rPr>
-              <a:t>Our RQ asks about Differences in means/ medians </a:t>
-            </a:r>
-            <a:endParaRPr lang="en-US" sz="3000" b="1" strike="noStrike" spc="-1" dirty="0">
+              <a:t>Our RQ asks about Correlation</a:t>
+            </a:r>
+            <a:endParaRPr lang="en-US" sz="3200" b="0" strike="noStrike" spc="-1">
               <a:latin typeface="Arial"/>
             </a:endParaRPr>
           </a:p>
@@ -5770,7 +7385,7 @@
       </p:sp>
       <p:sp>
         <p:nvSpPr>
-          <p:cNvPr id="110" name="TextShape 7"/>
+          <p:cNvPr id="121" name="TextShape 7"/>
           <p:cNvSpPr txBox="1"/>
           <p:nvPr/>
         </p:nvSpPr>
@@ -5801,14 +7416,14 @@
                 <a:spcPts val="601"/>
               </a:spcAft>
             </a:pPr>
-            <a:fld id="{29CEFF96-2F62-4B45-8A43-FC60A0A96C7C}" type="slidenum">
+            <a:fld id="{3AD1EC97-2E3A-4B5A-93B5-9F892C3DC423}" type="slidenum">
               <a:rPr lang="en-US" sz="1100" b="1" strike="noStrike" spc="-1">
                 <a:solidFill>
                   <a:srgbClr val="7DABAB"/>
                 </a:solidFill>
                 <a:latin typeface="Arial"/>
               </a:rPr>
-              <a:t>10</a:t>
+              <a:t>7</a:t>
             </a:fld>
             <a:endParaRPr lang="en-US" sz="1100" b="0" strike="noStrike" spc="-1">
               <a:latin typeface="Times New Roman"/>
@@ -5818,7 +7433,7 @@
       </p:sp>
       <p:sp>
         <p:nvSpPr>
-          <p:cNvPr id="111" name="CustomShape 8"/>
+          <p:cNvPr id="122" name="CustomShape 8"/>
           <p:cNvSpPr/>
           <p:nvPr/>
         </p:nvSpPr>
@@ -5859,7 +7474,7 @@
               </a:lnSpc>
             </a:pPr>
             <a:r>
-              <a:rPr lang="en-GB" sz="2400" b="0" strike="noStrike" spc="-1" dirty="0">
+              <a:rPr lang="en-GB" sz="2400" b="0" strike="noStrike" spc="-1">
                 <a:solidFill>
                   <a:srgbClr val="FFFFFF"/>
                 </a:solidFill>
@@ -5868,7 +7483,7 @@
               <a:t>Here is a </a:t>
             </a:r>
             <a:r>
-              <a:rPr lang="en-GB" sz="2400" b="1" strike="noStrike" spc="-1" dirty="0">
+              <a:rPr lang="en-GB" sz="2400" b="1" strike="noStrike" spc="-1">
                 <a:solidFill>
                   <a:srgbClr val="FFFFFF"/>
                 </a:solidFill>
@@ -5877,16 +7492,16 @@
               <a:t>Histogram </a:t>
             </a:r>
             <a:r>
-              <a:rPr lang="en-GB" sz="2400" b="0" strike="noStrike" spc="-1" dirty="0">
+              <a:rPr lang="en-GB" sz="2400" b="0" strike="noStrike" spc="-1">
                 <a:solidFill>
                   <a:srgbClr val="FFFFFF"/>
                 </a:solidFill>
                 <a:latin typeface="Arial"/>
               </a:rPr>
-              <a:t>showing the frequencies of our dependent variable to include the normal curve overlay (shown in blue)</a:t>
-            </a:r>
-            <a:r>
-              <a:rPr lang="en-GB" sz="1800" b="0" strike="noStrike" spc="-1" dirty="0">
+              <a:t>showing the frequencies of our dependent variable to include the normal curve overlay</a:t>
+            </a:r>
+            <a:r>
+              <a:rPr lang="en-GB" sz="1800" b="0" strike="noStrike" spc="-1">
                 <a:solidFill>
                   <a:srgbClr val="203232"/>
                 </a:solidFill>
@@ -5894,7 +7509,7 @@
               </a:rPr>
               <a:t>.</a:t>
             </a:r>
-            <a:endParaRPr lang="en-US" sz="1800" b="0" strike="noStrike" spc="-1" dirty="0">
+            <a:endParaRPr lang="en-US" sz="1800" b="0" strike="noStrike" spc="-1">
               <a:latin typeface="Arial"/>
             </a:endParaRPr>
           </a:p>
@@ -5902,14 +7517,14 @@
       </p:sp>
       <p:sp>
         <p:nvSpPr>
-          <p:cNvPr id="112" name="CustomShape 9"/>
+          <p:cNvPr id="123" name="CustomShape 9"/>
           <p:cNvSpPr/>
           <p:nvPr/>
         </p:nvSpPr>
         <p:spPr>
           <a:xfrm>
-            <a:off x="290880" y="1627560"/>
-            <a:ext cx="10865160" cy="4886280"/>
+            <a:off x="182880" y="1645920"/>
+            <a:ext cx="11722680" cy="5046840"/>
           </a:xfrm>
           <a:prstGeom prst="roundRect">
             <a:avLst>
@@ -5950,7 +7565,7 @@
               </a:lnSpc>
             </a:pPr>
             <a:r>
-              <a:rPr lang="en-GB" sz="1800" b="0" strike="noStrike" spc="-1" dirty="0">
+              <a:rPr lang="en-GB" sz="1800" b="0" strike="noStrike" spc="-1">
                 <a:solidFill>
                   <a:srgbClr val="000000"/>
                 </a:solidFill>
@@ -5958,7 +7573,7 @@
               </a:rPr>
               <a:t>For example:</a:t>
             </a:r>
-            <a:endParaRPr lang="en-US" sz="1800" b="0" strike="noStrike" spc="-1" dirty="0">
+            <a:endParaRPr lang="en-US" sz="1800" b="0" strike="noStrike" spc="-1">
               <a:latin typeface="Arial"/>
             </a:endParaRPr>
           </a:p>
@@ -5968,7 +7583,7 @@
                 <a:spcPct val="100000"/>
               </a:lnSpc>
             </a:pPr>
-            <a:endParaRPr lang="en-US" sz="1800" b="0" strike="noStrike" spc="-1" dirty="0">
+            <a:endParaRPr lang="en-US" sz="1800" b="0" strike="noStrike" spc="-1">
               <a:latin typeface="Arial"/>
             </a:endParaRPr>
           </a:p>
@@ -5978,7 +7593,7 @@
                 <a:spcPct val="100000"/>
               </a:lnSpc>
             </a:pPr>
-            <a:endParaRPr lang="en-US" sz="1800" b="0" strike="noStrike" spc="-1" dirty="0">
+            <a:endParaRPr lang="en-US" sz="1800" b="0" strike="noStrike" spc="-1">
               <a:latin typeface="Arial"/>
             </a:endParaRPr>
           </a:p>
@@ -5988,7 +7603,7 @@
                 <a:spcPct val="100000"/>
               </a:lnSpc>
             </a:pPr>
-            <a:endParaRPr lang="en-US" sz="1800" b="0" strike="noStrike" spc="-1" dirty="0">
+            <a:endParaRPr lang="en-US" sz="1800" b="0" strike="noStrike" spc="-1">
               <a:latin typeface="Arial"/>
             </a:endParaRPr>
           </a:p>
@@ -5998,7 +7613,7 @@
                 <a:spcPct val="100000"/>
               </a:lnSpc>
             </a:pPr>
-            <a:endParaRPr lang="en-US" sz="1800" b="0" strike="noStrike" spc="-1" dirty="0">
+            <a:endParaRPr lang="en-US" sz="1800" b="0" strike="noStrike" spc="-1">
               <a:latin typeface="Arial"/>
             </a:endParaRPr>
           </a:p>
@@ -6008,7 +7623,7 @@
                 <a:spcPct val="100000"/>
               </a:lnSpc>
             </a:pPr>
-            <a:endParaRPr lang="en-US" sz="1800" b="0" strike="noStrike" spc="-1" dirty="0">
+            <a:endParaRPr lang="en-US" sz="1800" b="0" strike="noStrike" spc="-1">
               <a:latin typeface="Arial"/>
             </a:endParaRPr>
           </a:p>
@@ -6018,7 +7633,7 @@
                 <a:spcPct val="100000"/>
               </a:lnSpc>
             </a:pPr>
-            <a:endParaRPr lang="en-US" sz="1800" b="0" strike="noStrike" spc="-1" dirty="0">
+            <a:endParaRPr lang="en-US" sz="1800" b="0" strike="noStrike" spc="-1">
               <a:latin typeface="Arial"/>
             </a:endParaRPr>
           </a:p>
@@ -6028,7 +7643,7 @@
                 <a:spcPct val="100000"/>
               </a:lnSpc>
             </a:pPr>
-            <a:endParaRPr lang="en-US" sz="1800" b="0" strike="noStrike" spc="-1" dirty="0">
+            <a:endParaRPr lang="en-US" sz="1800" b="0" strike="noStrike" spc="-1">
               <a:latin typeface="Arial"/>
             </a:endParaRPr>
           </a:p>
@@ -6038,7 +7653,7 @@
                 <a:spcPct val="100000"/>
               </a:lnSpc>
             </a:pPr>
-            <a:endParaRPr lang="en-US" sz="1800" b="0" strike="noStrike" spc="-1" dirty="0">
+            <a:endParaRPr lang="en-US" sz="1800" b="0" strike="noStrike" spc="-1">
               <a:latin typeface="Arial"/>
             </a:endParaRPr>
           </a:p>
@@ -6048,7 +7663,7 @@
                 <a:spcPct val="100000"/>
               </a:lnSpc>
             </a:pPr>
-            <a:endParaRPr lang="en-US" sz="1800" b="0" strike="noStrike" spc="-1" dirty="0">
+            <a:endParaRPr lang="en-US" sz="1800" b="0" strike="noStrike" spc="-1">
               <a:latin typeface="Arial"/>
             </a:endParaRPr>
           </a:p>
@@ -6058,7 +7673,7 @@
                 <a:spcPct val="100000"/>
               </a:lnSpc>
             </a:pPr>
-            <a:endParaRPr lang="en-US" sz="1800" b="0" strike="noStrike" spc="-1" dirty="0">
+            <a:endParaRPr lang="en-US" sz="1800" b="0" strike="noStrike" spc="-1">
               <a:latin typeface="Arial"/>
             </a:endParaRPr>
           </a:p>
@@ -6068,7 +7683,7 @@
                 <a:spcPct val="100000"/>
               </a:lnSpc>
             </a:pPr>
-            <a:endParaRPr lang="en-US" sz="1800" b="0" strike="noStrike" spc="-1" dirty="0">
+            <a:endParaRPr lang="en-US" sz="1800" b="0" strike="noStrike" spc="-1">
               <a:latin typeface="Arial"/>
             </a:endParaRPr>
           </a:p>
@@ -6078,7 +7693,7 @@
                 <a:spcPct val="100000"/>
               </a:lnSpc>
             </a:pPr>
-            <a:endParaRPr lang="en-US" sz="1800" b="0" strike="noStrike" spc="-1" dirty="0">
+            <a:endParaRPr lang="en-US" sz="1800" b="0" strike="noStrike" spc="-1">
               <a:latin typeface="Arial"/>
             </a:endParaRPr>
           </a:p>
@@ -6088,7 +7703,7 @@
                 <a:spcPct val="100000"/>
               </a:lnSpc>
             </a:pPr>
-            <a:endParaRPr lang="en-US" sz="1800" b="0" strike="noStrike" spc="-1" dirty="0">
+            <a:endParaRPr lang="en-US" sz="1800" b="0" strike="noStrike" spc="-1">
               <a:latin typeface="Arial"/>
             </a:endParaRPr>
           </a:p>
@@ -6098,7 +7713,7 @@
                 <a:spcPct val="100000"/>
               </a:lnSpc>
             </a:pPr>
-            <a:endParaRPr lang="en-US" sz="1800" b="0" strike="noStrike" spc="-1" dirty="0">
+            <a:endParaRPr lang="en-US" sz="1800" b="0" strike="noStrike" spc="-1">
               <a:latin typeface="Arial"/>
             </a:endParaRPr>
           </a:p>
@@ -6108,7 +7723,7 @@
                 <a:spcPct val="100000"/>
               </a:lnSpc>
             </a:pPr>
-            <a:endParaRPr lang="en-US" sz="1800" b="0" strike="noStrike" spc="-1" dirty="0">
+            <a:endParaRPr lang="en-US" sz="1800" b="0" strike="noStrike" spc="-1">
               <a:latin typeface="Arial"/>
             </a:endParaRPr>
           </a:p>
@@ -6116,14 +7731,14 @@
       </p:sp>
       <p:sp>
         <p:nvSpPr>
-          <p:cNvPr id="113" name="CustomShape 10"/>
+          <p:cNvPr id="124" name="CustomShape 10"/>
           <p:cNvSpPr/>
           <p:nvPr/>
         </p:nvSpPr>
         <p:spPr>
           <a:xfrm>
-            <a:off x="6403680" y="1917361"/>
-            <a:ext cx="4475760" cy="4522861"/>
+            <a:off x="6412680" y="2012760"/>
+            <a:ext cx="5057640" cy="4205160"/>
           </a:xfrm>
           <a:prstGeom prst="rect">
             <a:avLst/>
@@ -6146,7 +7761,7 @@
           <a:fontRef idx="minor"/>
         </p:style>
         <p:txBody>
-          <a:bodyPr wrap="square" lIns="90000" tIns="45000" rIns="90000" bIns="45000">
+          <a:bodyPr lIns="90000" tIns="45000" rIns="90000" bIns="45000">
             <a:spAutoFit/>
           </a:bodyPr>
           <a:lstStyle/>
@@ -6157,7 +7772,7 @@
               </a:lnSpc>
             </a:pPr>
             <a:r>
-              <a:rPr lang="en-GB" sz="1800" b="0" strike="noStrike" spc="-1" dirty="0">
+              <a:rPr lang="en-GB" sz="1800" b="0" strike="noStrike" spc="-1">
                 <a:solidFill>
                   <a:srgbClr val="203232"/>
                 </a:solidFill>
@@ -6165,6 +7780,9 @@
               </a:rPr>
               <a:t>Choose one:</a:t>
             </a:r>
+            <a:endParaRPr lang="en-US" sz="1800" b="0" strike="noStrike" spc="-1">
+              <a:latin typeface="Arial"/>
+            </a:endParaRPr>
           </a:p>
           <a:p>
             <a:pPr>
@@ -6172,7 +7790,25 @@
                 <a:spcPct val="100000"/>
               </a:lnSpc>
             </a:pPr>
-            <a:endParaRPr lang="en-US" sz="1800" b="0" strike="noStrike" spc="-1" dirty="0">
+            <a:r>
+              <a:rPr lang="en-GB" sz="1800" b="0" strike="noStrike" spc="-1">
+                <a:solidFill>
+                  <a:srgbClr val="203232"/>
+                </a:solidFill>
+                <a:latin typeface="Arial"/>
+              </a:rPr>
+              <a:t>1. The blue normal curve overlay follows the contours of the underlying data, so for our analysis we will use a parametric test for correlation:  </a:t>
+            </a:r>
+            <a:r>
+              <a:rPr lang="en-GB" sz="1800" b="0" strike="noStrike" spc="-1">
+                <a:solidFill>
+                  <a:srgbClr val="0073CF"/>
+                </a:solidFill>
+                <a:latin typeface="Arial"/>
+              </a:rPr>
+              <a:t>Pearson’s r</a:t>
+            </a:r>
+            <a:endParaRPr lang="en-US" sz="1800" b="0" strike="noStrike" spc="-1">
               <a:latin typeface="Arial"/>
             </a:endParaRPr>
           </a:p>
@@ -6183,53 +7819,7 @@
               </a:lnSpc>
             </a:pPr>
             <a:r>
-              <a:rPr lang="en-GB" sz="1800" b="0" strike="noStrike" spc="-1" dirty="0">
-                <a:solidFill>
-                  <a:srgbClr val="203232"/>
-                </a:solidFill>
-                <a:latin typeface="Arial"/>
-              </a:rPr>
-              <a:t>1. The normal curve overlay </a:t>
-            </a:r>
-            <a:r>
-              <a:rPr lang="en-GB" sz="1800" b="1" i="1" strike="noStrike" spc="-1" dirty="0">
-                <a:solidFill>
-                  <a:srgbClr val="203232"/>
-                </a:solidFill>
-                <a:latin typeface="Arial"/>
-              </a:rPr>
-              <a:t>follows</a:t>
-            </a:r>
-            <a:r>
-              <a:rPr lang="en-GB" sz="1800" b="0" strike="noStrike" spc="-1" dirty="0">
-                <a:solidFill>
-                  <a:srgbClr val="203232"/>
-                </a:solidFill>
-                <a:latin typeface="Arial"/>
-              </a:rPr>
-              <a:t> the contours of the underlying data, so we use the parametric test</a:t>
-            </a:r>
-            <a:r>
-              <a:rPr lang="en-GB" sz="1800" b="0" strike="noStrike" spc="-1" dirty="0">
-                <a:solidFill>
-                  <a:srgbClr val="0073CF"/>
-                </a:solidFill>
-                <a:latin typeface="Arial"/>
-              </a:rPr>
-              <a:t>: t-test.</a:t>
-            </a:r>
-            <a:endParaRPr lang="en-US" sz="1800" b="0" strike="noStrike" spc="-1" dirty="0">
-              <a:latin typeface="Arial"/>
-            </a:endParaRPr>
-          </a:p>
-          <a:p>
-            <a:pPr>
-              <a:lnSpc>
-                <a:spcPct val="100000"/>
-              </a:lnSpc>
-            </a:pPr>
-            <a:r>
-              <a:rPr lang="en-GB" sz="1800" b="0" strike="noStrike" spc="-1" dirty="0">
+              <a:rPr lang="en-GB" sz="1800" b="0" strike="noStrike" spc="-1">
                 <a:solidFill>
                   <a:srgbClr val="0073CF"/>
                 </a:solidFill>
@@ -6237,7 +7827,7 @@
               </a:rPr>
               <a:t>OR</a:t>
             </a:r>
-            <a:endParaRPr lang="en-US" sz="1800" b="0" strike="noStrike" spc="-1" dirty="0">
+            <a:endParaRPr lang="en-US" sz="1800" b="0" strike="noStrike" spc="-1">
               <a:latin typeface="Arial"/>
             </a:endParaRPr>
           </a:p>
@@ -6248,60 +7838,60 @@
               </a:lnSpc>
             </a:pPr>
             <a:r>
-              <a:rPr lang="en-GB" sz="1800" b="0" strike="noStrike" spc="-1" dirty="0">
+              <a:rPr lang="en-GB" sz="1800" b="0" strike="noStrike" spc="-1">
                 <a:solidFill>
                   <a:srgbClr val="203232"/>
                 </a:solidFill>
                 <a:latin typeface="Arial"/>
               </a:rPr>
-              <a:t>2. The normal curve overlay </a:t>
-            </a:r>
-            <a:r>
-              <a:rPr lang="en-GB" sz="1800" b="1" i="1" strike="noStrike" spc="-1" dirty="0">
+              <a:t>The normal curve overlay </a:t>
+            </a:r>
+            <a:r>
+              <a:rPr lang="en-GB" sz="1800" b="1" strike="noStrike" spc="-1">
                 <a:solidFill>
                   <a:srgbClr val="203232"/>
                 </a:solidFill>
                 <a:latin typeface="Arial"/>
               </a:rPr>
-              <a:t>does not follow</a:t>
-            </a:r>
-            <a:r>
-              <a:rPr lang="en-GB" sz="1800" b="0" strike="noStrike" spc="-1" dirty="0">
+              <a:t>does not follow </a:t>
+            </a:r>
+            <a:r>
+              <a:rPr lang="en-GB" sz="1800" b="0" strike="noStrike" spc="-1">
                 <a:solidFill>
                   <a:srgbClr val="203232"/>
                 </a:solidFill>
                 <a:latin typeface="Arial"/>
               </a:rPr>
-              <a:t> the shape of the underlying data, so we use the non-parametric test that does not assume normality: </a:t>
-            </a:r>
-            <a:r>
-              <a:rPr lang="en-GB" sz="1800" b="0" strike="noStrike" spc="-1" dirty="0">
+              <a:t>the shape of the underlying data, so for our analysis we  use the non-parametric test for correlation that does not assume normality: </a:t>
+            </a:r>
+            <a:r>
+              <a:rPr lang="en-GB" sz="1800" b="0" strike="noStrike" spc="-1">
                 <a:solidFill>
                   <a:srgbClr val="0073CF"/>
                 </a:solidFill>
                 <a:latin typeface="Arial"/>
               </a:rPr>
-              <a:t>Wilcoxon</a:t>
-            </a:r>
-            <a:r>
-              <a:rPr lang="en-GB" sz="1800" b="0" strike="noStrike" spc="-1" dirty="0">
+              <a:t>Spearman’s Rho </a:t>
+            </a:r>
+            <a:r>
+              <a:rPr lang="en-GB" sz="1800" b="0" strike="noStrike" spc="-1">
                 <a:solidFill>
                   <a:srgbClr val="203232"/>
                 </a:solidFill>
                 <a:latin typeface="Arial"/>
               </a:rPr>
-              <a:t> also known as the </a:t>
-            </a:r>
-            <a:r>
-              <a:rPr lang="en-GB" sz="1800" b="0" strike="noStrike" spc="-1" dirty="0">
+              <a:t>or </a:t>
+            </a:r>
+            <a:r>
+              <a:rPr lang="en-GB" sz="1800" b="0" strike="noStrike" spc="-1">
                 <a:solidFill>
                   <a:srgbClr val="0073CF"/>
                 </a:solidFill>
                 <a:latin typeface="Arial"/>
               </a:rPr>
-              <a:t>Mann Whitney U Test.</a:t>
-            </a:r>
-            <a:endParaRPr lang="en-US" sz="1800" b="0" strike="noStrike" spc="-1" dirty="0">
+              <a:t>Kendal’s Tau</a:t>
+            </a:r>
+            <a:endParaRPr lang="en-US" sz="1800" b="0" strike="noStrike" spc="-1">
               <a:latin typeface="Arial"/>
             </a:endParaRPr>
           </a:p>
@@ -6311,7 +7901,7 @@
                 <a:spcPct val="100000"/>
               </a:lnSpc>
             </a:pPr>
-            <a:endParaRPr lang="en-US" sz="1800" b="0" strike="noStrike" spc="-1" dirty="0">
+            <a:endParaRPr lang="en-US" sz="1800" b="0" strike="noStrike" spc="-1">
               <a:latin typeface="Arial"/>
             </a:endParaRPr>
           </a:p>
@@ -6322,7 +7912,7 @@
               </a:lnSpc>
             </a:pPr>
             <a:r>
-              <a:rPr lang="en-GB" sz="1800" b="0" strike="noStrike" spc="-1" dirty="0">
+              <a:rPr lang="en-GB" sz="1800" b="0" strike="noStrike" spc="-1">
                 <a:solidFill>
                   <a:srgbClr val="0073CF"/>
                 </a:solidFill>
@@ -6330,36 +7920,26 @@
               </a:rPr>
               <a:t>The example here is borderline, in terms of shape, so when in doubt choose the non-parametric equivalent.</a:t>
             </a:r>
-            <a:endParaRPr lang="en-US" sz="1800" b="0" strike="noStrike" spc="-1" dirty="0">
+            <a:endParaRPr lang="en-US" sz="1800" b="0" strike="noStrike" spc="-1">
               <a:latin typeface="Arial"/>
             </a:endParaRPr>
           </a:p>
-          <a:p>
-            <a:pPr>
-              <a:lnSpc>
-                <a:spcPct val="100000"/>
-              </a:lnSpc>
-            </a:pPr>
-            <a:endParaRPr lang="en-US" sz="1800" b="0" strike="noStrike" spc="-1" dirty="0">
-              <a:latin typeface="Arial"/>
-            </a:endParaRPr>
-          </a:p>
         </p:txBody>
       </p:sp>
       <p:pic>
         <p:nvPicPr>
-          <p:cNvPr id="114" name="Picture 20" descr="Chart, histogram&#10;&#10;Description automatically generated"/>
+          <p:cNvPr id="125" name="Picture 5" descr="Chart, histogram&#10;&#10;Description automatically generated"/>
           <p:cNvPicPr/>
           <p:nvPr/>
         </p:nvPicPr>
         <p:blipFill>
-          <a:blip r:embed="rId2"/>
+          <a:blip r:embed="rId3"/>
           <a:stretch/>
         </p:blipFill>
         <p:spPr>
           <a:xfrm>
-            <a:off x="1312560" y="1731961"/>
-            <a:ext cx="4800240" cy="4800240"/>
+            <a:off x="885960" y="1685879"/>
+            <a:ext cx="5057640" cy="5057640"/>
           </a:xfrm>
           <a:prstGeom prst="rect">
             <a:avLst/>
@@ -6377,7 +7957,7 @@
 </p:sld>
 </file>
 
-<file path=ppt/slides/slide11.xml><?xml version="1.0" encoding="utf-8"?>
+<file path=ppt/slides/slide8.xml><?xml version="1.0" encoding="utf-8"?>
 <p:sld xmlns:a="http://schemas.openxmlformats.org/drawingml/2006/main" xmlns:r="http://schemas.openxmlformats.org/officeDocument/2006/relationships" xmlns:p="http://schemas.openxmlformats.org/presentationml/2006/main">
   <p:cSld>
     <p:spTree>
@@ -6396,7 +7976,7 @@
       </p:grpSpPr>
       <p:sp>
         <p:nvSpPr>
-          <p:cNvPr id="126" name="CustomShape 1"/>
+          <p:cNvPr id="104" name="CustomShape 1"/>
           <p:cNvSpPr/>
           <p:nvPr/>
         </p:nvSpPr>
@@ -6439,7 +8019,7 @@
       </p:sp>
       <p:sp>
         <p:nvSpPr>
-          <p:cNvPr id="127" name="CustomShape 2"/>
+          <p:cNvPr id="105" name="CustomShape 2"/>
           <p:cNvSpPr/>
           <p:nvPr/>
         </p:nvSpPr>
@@ -6492,7 +8072,7 @@
       </p:sp>
       <p:sp>
         <p:nvSpPr>
-          <p:cNvPr id="128" name="CustomShape 3"/>
+          <p:cNvPr id="106" name="CustomShape 3"/>
           <p:cNvSpPr/>
           <p:nvPr/>
         </p:nvSpPr>
@@ -6547,7 +8127,7 @@
       </p:sp>
       <p:sp>
         <p:nvSpPr>
-          <p:cNvPr id="129" name="CustomShape 4"/>
+          <p:cNvPr id="107" name="CustomShape 4"/>
           <p:cNvSpPr/>
           <p:nvPr/>
         </p:nvSpPr>
@@ -6602,6 +8182,945 @@
       </p:sp>
       <p:sp>
         <p:nvSpPr>
+          <p:cNvPr id="108" name="TextShape 5"/>
+          <p:cNvSpPr txBox="1"/>
+          <p:nvPr/>
+        </p:nvSpPr>
+        <p:spPr>
+          <a:xfrm>
+            <a:off x="290880" y="158400"/>
+            <a:ext cx="7063200" cy="1158840"/>
+          </a:xfrm>
+          <a:prstGeom prst="rect">
+            <a:avLst/>
+          </a:prstGeom>
+          <a:noFill/>
+          <a:ln>
+            <a:noFill/>
+          </a:ln>
+        </p:spPr>
+        <p:txBody>
+          <a:bodyPr anchor="ctr">
+            <a:normAutofit/>
+          </a:bodyPr>
+          <a:lstStyle/>
+          <a:p>
+            <a:pPr>
+              <a:lnSpc>
+                <a:spcPct val="90000"/>
+              </a:lnSpc>
+            </a:pPr>
+            <a:r>
+              <a:rPr lang="en-US" sz="2400" b="0" strike="noStrike" spc="-202">
+                <a:solidFill>
+                  <a:srgbClr val="FFFFFF"/>
+                </a:solidFill>
+                <a:latin typeface="Arial"/>
+              </a:rPr>
+              <a:t> </a:t>
+            </a:r>
+            <a:r>
+              <a:t/>
+            </a:r>
+            <a:br/>
+            <a:r>
+              <a:t/>
+            </a:r>
+            <a:br/>
+            <a:endParaRPr lang="en-US" sz="2400" b="0" strike="noStrike" spc="-1">
+              <a:solidFill>
+                <a:srgbClr val="203232"/>
+              </a:solidFill>
+              <a:latin typeface="Arial"/>
+            </a:endParaRPr>
+          </a:p>
+        </p:txBody>
+      </p:sp>
+      <p:sp>
+        <p:nvSpPr>
+          <p:cNvPr id="109" name="TextShape 6"/>
+          <p:cNvSpPr txBox="1"/>
+          <p:nvPr/>
+        </p:nvSpPr>
+        <p:spPr>
+          <a:xfrm>
+            <a:off x="7354080" y="203882"/>
+            <a:ext cx="4705437" cy="1158840"/>
+          </a:xfrm>
+          <a:prstGeom prst="rect">
+            <a:avLst/>
+          </a:prstGeom>
+          <a:noFill/>
+          <a:ln>
+            <a:noFill/>
+          </a:ln>
+        </p:spPr>
+        <p:txBody>
+          <a:bodyPr anchor="ctr">
+            <a:noAutofit/>
+          </a:bodyPr>
+          <a:lstStyle/>
+          <a:p>
+            <a:pPr>
+              <a:lnSpc>
+                <a:spcPts val="2880"/>
+              </a:lnSpc>
+              <a:spcAft>
+                <a:spcPts val="992"/>
+              </a:spcAft>
+              <a:tabLst>
+                <a:tab pos="0" algn="l"/>
+              </a:tabLst>
+            </a:pPr>
+            <a:r>
+              <a:rPr lang="en-GB" sz="3000" b="1" strike="noStrike" spc="-100" dirty="0">
+                <a:solidFill>
+                  <a:srgbClr val="FFFFFF"/>
+                </a:solidFill>
+                <a:latin typeface="Arial"/>
+              </a:rPr>
+              <a:t>Our RQ asks about Differences in means/ medians </a:t>
+            </a:r>
+            <a:endParaRPr lang="en-US" sz="3000" b="1" strike="noStrike" spc="-1" dirty="0">
+              <a:latin typeface="Arial"/>
+            </a:endParaRPr>
+          </a:p>
+        </p:txBody>
+      </p:sp>
+      <p:sp>
+        <p:nvSpPr>
+          <p:cNvPr id="110" name="TextShape 7"/>
+          <p:cNvSpPr txBox="1"/>
+          <p:nvPr/>
+        </p:nvSpPr>
+        <p:spPr>
+          <a:xfrm>
+            <a:off x="11704320" y="6455520"/>
+            <a:ext cx="447840" cy="364680"/>
+          </a:xfrm>
+          <a:prstGeom prst="rect">
+            <a:avLst/>
+          </a:prstGeom>
+          <a:noFill/>
+          <a:ln>
+            <a:noFill/>
+          </a:ln>
+        </p:spPr>
+        <p:txBody>
+          <a:bodyPr anchor="ctr">
+            <a:normAutofit/>
+          </a:bodyPr>
+          <a:lstStyle/>
+          <a:p>
+            <a:pPr algn="r">
+              <a:lnSpc>
+                <a:spcPct val="100000"/>
+              </a:lnSpc>
+              <a:spcAft>
+                <a:spcPts val="601"/>
+              </a:spcAft>
+            </a:pPr>
+            <a:fld id="{29CEFF96-2F62-4B45-8A43-FC60A0A96C7C}" type="slidenum">
+              <a:rPr lang="en-US" sz="1100" b="1" strike="noStrike" spc="-1">
+                <a:solidFill>
+                  <a:srgbClr val="7DABAB"/>
+                </a:solidFill>
+                <a:latin typeface="Arial"/>
+              </a:rPr>
+              <a:t>8</a:t>
+            </a:fld>
+            <a:endParaRPr lang="en-US" sz="1100" b="0" strike="noStrike" spc="-1">
+              <a:latin typeface="Times New Roman"/>
+            </a:endParaRPr>
+          </a:p>
+        </p:txBody>
+      </p:sp>
+      <p:sp>
+        <p:nvSpPr>
+          <p:cNvPr id="111" name="CustomShape 8"/>
+          <p:cNvSpPr/>
+          <p:nvPr/>
+        </p:nvSpPr>
+        <p:spPr>
+          <a:xfrm>
+            <a:off x="366120" y="197640"/>
+            <a:ext cx="6988320" cy="1187640"/>
+          </a:xfrm>
+          <a:prstGeom prst="rect">
+            <a:avLst/>
+          </a:prstGeom>
+          <a:noFill/>
+          <a:ln>
+            <a:noFill/>
+          </a:ln>
+        </p:spPr>
+        <p:style>
+          <a:lnRef idx="0">
+            <a:scrgbClr r="0" g="0" b="0"/>
+          </a:lnRef>
+          <a:fillRef idx="0">
+            <a:scrgbClr r="0" g="0" b="0"/>
+          </a:fillRef>
+          <a:effectRef idx="0">
+            <a:scrgbClr r="0" g="0" b="0"/>
+          </a:effectRef>
+          <a:fontRef idx="minor"/>
+        </p:style>
+        <p:txBody>
+          <a:bodyPr lIns="90000" tIns="45000" rIns="90000" bIns="45000">
+            <a:spAutoFit/>
+          </a:bodyPr>
+          <a:lstStyle/>
+          <a:p>
+            <a:pPr>
+              <a:lnSpc>
+                <a:spcPct val="100000"/>
+              </a:lnSpc>
+            </a:pPr>
+            <a:r>
+              <a:rPr lang="en-GB" sz="2400" b="0" strike="noStrike" spc="-1" dirty="0">
+                <a:solidFill>
+                  <a:srgbClr val="FFFFFF"/>
+                </a:solidFill>
+                <a:latin typeface="Arial"/>
+              </a:rPr>
+              <a:t>Here is a </a:t>
+            </a:r>
+            <a:r>
+              <a:rPr lang="en-GB" sz="2400" b="1" strike="noStrike" spc="-1" dirty="0">
+                <a:solidFill>
+                  <a:srgbClr val="FFFFFF"/>
+                </a:solidFill>
+                <a:latin typeface="Arial"/>
+              </a:rPr>
+              <a:t>Histogram </a:t>
+            </a:r>
+            <a:r>
+              <a:rPr lang="en-GB" sz="2400" b="0" strike="noStrike" spc="-1" dirty="0">
+                <a:solidFill>
+                  <a:srgbClr val="FFFFFF"/>
+                </a:solidFill>
+                <a:latin typeface="Arial"/>
+              </a:rPr>
+              <a:t>showing the frequencies of our dependent variable to include the normal curve overlay (shown in blue)</a:t>
+            </a:r>
+            <a:r>
+              <a:rPr lang="en-GB" sz="1800" b="0" strike="noStrike" spc="-1" dirty="0">
+                <a:solidFill>
+                  <a:srgbClr val="203232"/>
+                </a:solidFill>
+                <a:latin typeface="Arial"/>
+              </a:rPr>
+              <a:t>.</a:t>
+            </a:r>
+            <a:endParaRPr lang="en-US" sz="1800" b="0" strike="noStrike" spc="-1" dirty="0">
+              <a:latin typeface="Arial"/>
+            </a:endParaRPr>
+          </a:p>
+        </p:txBody>
+      </p:sp>
+      <p:sp>
+        <p:nvSpPr>
+          <p:cNvPr id="112" name="CustomShape 9"/>
+          <p:cNvSpPr/>
+          <p:nvPr/>
+        </p:nvSpPr>
+        <p:spPr>
+          <a:xfrm>
+            <a:off x="290880" y="1627560"/>
+            <a:ext cx="10865160" cy="4886280"/>
+          </a:xfrm>
+          <a:prstGeom prst="roundRect">
+            <a:avLst>
+              <a:gd name="adj" fmla="val 16667"/>
+            </a:avLst>
+          </a:prstGeom>
+          <a:solidFill>
+            <a:schemeClr val="accent1">
+              <a:lumMod val="20000"/>
+              <a:lumOff val="80000"/>
+            </a:schemeClr>
+          </a:solidFill>
+          <a:ln/>
+        </p:spPr>
+        <p:style>
+          <a:lnRef idx="2">
+            <a:schemeClr val="accent1">
+              <a:shade val="50000"/>
+            </a:schemeClr>
+          </a:lnRef>
+          <a:fillRef idx="1">
+            <a:schemeClr val="accent1"/>
+          </a:fillRef>
+          <a:effectRef idx="0">
+            <a:schemeClr val="accent1"/>
+          </a:effectRef>
+          <a:fontRef idx="minor"/>
+        </p:style>
+        <p:txBody>
+          <a:bodyPr lIns="90000" tIns="45000" rIns="90000" bIns="45000" anchor="ctr">
+            <a:noAutofit/>
+          </a:bodyPr>
+          <a:lstStyle/>
+          <a:p>
+            <a:pPr>
+              <a:lnSpc>
+                <a:spcPct val="100000"/>
+              </a:lnSpc>
+            </a:pPr>
+            <a:r>
+              <a:rPr lang="en-GB" sz="1800" b="0" strike="noStrike" spc="-1" dirty="0">
+                <a:solidFill>
+                  <a:srgbClr val="000000"/>
+                </a:solidFill>
+                <a:latin typeface="Arial"/>
+              </a:rPr>
+              <a:t>For example:</a:t>
+            </a:r>
+            <a:endParaRPr lang="en-US" sz="1800" b="0" strike="noStrike" spc="-1" dirty="0">
+              <a:latin typeface="Arial"/>
+            </a:endParaRPr>
+          </a:p>
+          <a:p>
+            <a:pPr>
+              <a:lnSpc>
+                <a:spcPct val="100000"/>
+              </a:lnSpc>
+            </a:pPr>
+            <a:endParaRPr lang="en-US" sz="1800" b="0" strike="noStrike" spc="-1" dirty="0">
+              <a:latin typeface="Arial"/>
+            </a:endParaRPr>
+          </a:p>
+          <a:p>
+            <a:pPr>
+              <a:lnSpc>
+                <a:spcPct val="100000"/>
+              </a:lnSpc>
+            </a:pPr>
+            <a:endParaRPr lang="en-US" sz="1800" b="0" strike="noStrike" spc="-1" dirty="0">
+              <a:latin typeface="Arial"/>
+            </a:endParaRPr>
+          </a:p>
+          <a:p>
+            <a:pPr>
+              <a:lnSpc>
+                <a:spcPct val="100000"/>
+              </a:lnSpc>
+            </a:pPr>
+            <a:endParaRPr lang="en-US" sz="1800" b="0" strike="noStrike" spc="-1" dirty="0">
+              <a:latin typeface="Arial"/>
+            </a:endParaRPr>
+          </a:p>
+          <a:p>
+            <a:pPr>
+              <a:lnSpc>
+                <a:spcPct val="100000"/>
+              </a:lnSpc>
+            </a:pPr>
+            <a:endParaRPr lang="en-US" sz="1800" b="0" strike="noStrike" spc="-1" dirty="0">
+              <a:latin typeface="Arial"/>
+            </a:endParaRPr>
+          </a:p>
+          <a:p>
+            <a:pPr>
+              <a:lnSpc>
+                <a:spcPct val="100000"/>
+              </a:lnSpc>
+            </a:pPr>
+            <a:endParaRPr lang="en-US" sz="1800" b="0" strike="noStrike" spc="-1" dirty="0">
+              <a:latin typeface="Arial"/>
+            </a:endParaRPr>
+          </a:p>
+          <a:p>
+            <a:pPr>
+              <a:lnSpc>
+                <a:spcPct val="100000"/>
+              </a:lnSpc>
+            </a:pPr>
+            <a:endParaRPr lang="en-US" sz="1800" b="0" strike="noStrike" spc="-1" dirty="0">
+              <a:latin typeface="Arial"/>
+            </a:endParaRPr>
+          </a:p>
+          <a:p>
+            <a:pPr>
+              <a:lnSpc>
+                <a:spcPct val="100000"/>
+              </a:lnSpc>
+            </a:pPr>
+            <a:endParaRPr lang="en-US" sz="1800" b="0" strike="noStrike" spc="-1" dirty="0">
+              <a:latin typeface="Arial"/>
+            </a:endParaRPr>
+          </a:p>
+          <a:p>
+            <a:pPr>
+              <a:lnSpc>
+                <a:spcPct val="100000"/>
+              </a:lnSpc>
+            </a:pPr>
+            <a:endParaRPr lang="en-US" sz="1800" b="0" strike="noStrike" spc="-1" dirty="0">
+              <a:latin typeface="Arial"/>
+            </a:endParaRPr>
+          </a:p>
+          <a:p>
+            <a:pPr>
+              <a:lnSpc>
+                <a:spcPct val="100000"/>
+              </a:lnSpc>
+            </a:pPr>
+            <a:endParaRPr lang="en-US" sz="1800" b="0" strike="noStrike" spc="-1" dirty="0">
+              <a:latin typeface="Arial"/>
+            </a:endParaRPr>
+          </a:p>
+          <a:p>
+            <a:pPr>
+              <a:lnSpc>
+                <a:spcPct val="100000"/>
+              </a:lnSpc>
+            </a:pPr>
+            <a:endParaRPr lang="en-US" sz="1800" b="0" strike="noStrike" spc="-1" dirty="0">
+              <a:latin typeface="Arial"/>
+            </a:endParaRPr>
+          </a:p>
+          <a:p>
+            <a:pPr>
+              <a:lnSpc>
+                <a:spcPct val="100000"/>
+              </a:lnSpc>
+            </a:pPr>
+            <a:endParaRPr lang="en-US" sz="1800" b="0" strike="noStrike" spc="-1" dirty="0">
+              <a:latin typeface="Arial"/>
+            </a:endParaRPr>
+          </a:p>
+          <a:p>
+            <a:pPr>
+              <a:lnSpc>
+                <a:spcPct val="100000"/>
+              </a:lnSpc>
+            </a:pPr>
+            <a:endParaRPr lang="en-US" sz="1800" b="0" strike="noStrike" spc="-1" dirty="0">
+              <a:latin typeface="Arial"/>
+            </a:endParaRPr>
+          </a:p>
+          <a:p>
+            <a:pPr>
+              <a:lnSpc>
+                <a:spcPct val="100000"/>
+              </a:lnSpc>
+            </a:pPr>
+            <a:endParaRPr lang="en-US" sz="1800" b="0" strike="noStrike" spc="-1" dirty="0">
+              <a:latin typeface="Arial"/>
+            </a:endParaRPr>
+          </a:p>
+          <a:p>
+            <a:pPr>
+              <a:lnSpc>
+                <a:spcPct val="100000"/>
+              </a:lnSpc>
+            </a:pPr>
+            <a:endParaRPr lang="en-US" sz="1800" b="0" strike="noStrike" spc="-1" dirty="0">
+              <a:latin typeface="Arial"/>
+            </a:endParaRPr>
+          </a:p>
+          <a:p>
+            <a:pPr>
+              <a:lnSpc>
+                <a:spcPct val="100000"/>
+              </a:lnSpc>
+            </a:pPr>
+            <a:endParaRPr lang="en-US" sz="1800" b="0" strike="noStrike" spc="-1" dirty="0">
+              <a:latin typeface="Arial"/>
+            </a:endParaRPr>
+          </a:p>
+        </p:txBody>
+      </p:sp>
+      <p:sp>
+        <p:nvSpPr>
+          <p:cNvPr id="113" name="CustomShape 10"/>
+          <p:cNvSpPr/>
+          <p:nvPr/>
+        </p:nvSpPr>
+        <p:spPr>
+          <a:xfrm>
+            <a:off x="6403680" y="1917361"/>
+            <a:ext cx="4475760" cy="4522861"/>
+          </a:xfrm>
+          <a:prstGeom prst="rect">
+            <a:avLst/>
+          </a:prstGeom>
+          <a:noFill/>
+          <a:ln>
+            <a:noFill/>
+          </a:ln>
+        </p:spPr>
+        <p:style>
+          <a:lnRef idx="0">
+            <a:scrgbClr r="0" g="0" b="0"/>
+          </a:lnRef>
+          <a:fillRef idx="0">
+            <a:scrgbClr r="0" g="0" b="0"/>
+          </a:fillRef>
+          <a:effectRef idx="0">
+            <a:scrgbClr r="0" g="0" b="0"/>
+          </a:effectRef>
+          <a:fontRef idx="minor"/>
+        </p:style>
+        <p:txBody>
+          <a:bodyPr wrap="square" lIns="90000" tIns="45000" rIns="90000" bIns="45000">
+            <a:spAutoFit/>
+          </a:bodyPr>
+          <a:lstStyle/>
+          <a:p>
+            <a:pPr>
+              <a:lnSpc>
+                <a:spcPct val="100000"/>
+              </a:lnSpc>
+            </a:pPr>
+            <a:r>
+              <a:rPr lang="en-GB" sz="1800" b="0" strike="noStrike" spc="-1" dirty="0">
+                <a:solidFill>
+                  <a:srgbClr val="203232"/>
+                </a:solidFill>
+                <a:latin typeface="Arial"/>
+              </a:rPr>
+              <a:t>Choose one:</a:t>
+            </a:r>
+          </a:p>
+          <a:p>
+            <a:pPr>
+              <a:lnSpc>
+                <a:spcPct val="100000"/>
+              </a:lnSpc>
+            </a:pPr>
+            <a:endParaRPr lang="en-US" sz="1800" b="0" strike="noStrike" spc="-1" dirty="0">
+              <a:latin typeface="Arial"/>
+            </a:endParaRPr>
+          </a:p>
+          <a:p>
+            <a:pPr>
+              <a:lnSpc>
+                <a:spcPct val="100000"/>
+              </a:lnSpc>
+            </a:pPr>
+            <a:r>
+              <a:rPr lang="en-GB" sz="1800" b="0" strike="noStrike" spc="-1" dirty="0">
+                <a:solidFill>
+                  <a:srgbClr val="203232"/>
+                </a:solidFill>
+                <a:latin typeface="Arial"/>
+              </a:rPr>
+              <a:t>1. The normal curve overlay </a:t>
+            </a:r>
+            <a:r>
+              <a:rPr lang="en-GB" sz="1800" b="1" i="1" strike="noStrike" spc="-1" dirty="0">
+                <a:solidFill>
+                  <a:srgbClr val="203232"/>
+                </a:solidFill>
+                <a:latin typeface="Arial"/>
+              </a:rPr>
+              <a:t>follows</a:t>
+            </a:r>
+            <a:r>
+              <a:rPr lang="en-GB" sz="1800" b="0" strike="noStrike" spc="-1" dirty="0">
+                <a:solidFill>
+                  <a:srgbClr val="203232"/>
+                </a:solidFill>
+                <a:latin typeface="Arial"/>
+              </a:rPr>
+              <a:t> the contours of the underlying data, so we use the parametric test</a:t>
+            </a:r>
+            <a:r>
+              <a:rPr lang="en-GB" sz="1800" b="0" strike="noStrike" spc="-1" dirty="0">
+                <a:solidFill>
+                  <a:srgbClr val="0073CF"/>
+                </a:solidFill>
+                <a:latin typeface="Arial"/>
+              </a:rPr>
+              <a:t>: t-test.</a:t>
+            </a:r>
+            <a:endParaRPr lang="en-US" sz="1800" b="0" strike="noStrike" spc="-1" dirty="0">
+              <a:latin typeface="Arial"/>
+            </a:endParaRPr>
+          </a:p>
+          <a:p>
+            <a:pPr>
+              <a:lnSpc>
+                <a:spcPct val="100000"/>
+              </a:lnSpc>
+            </a:pPr>
+            <a:r>
+              <a:rPr lang="en-GB" sz="1800" b="0" strike="noStrike" spc="-1" dirty="0">
+                <a:solidFill>
+                  <a:srgbClr val="0073CF"/>
+                </a:solidFill>
+                <a:latin typeface="Arial"/>
+              </a:rPr>
+              <a:t>OR</a:t>
+            </a:r>
+            <a:endParaRPr lang="en-US" sz="1800" b="0" strike="noStrike" spc="-1" dirty="0">
+              <a:latin typeface="Arial"/>
+            </a:endParaRPr>
+          </a:p>
+          <a:p>
+            <a:pPr>
+              <a:lnSpc>
+                <a:spcPct val="100000"/>
+              </a:lnSpc>
+            </a:pPr>
+            <a:r>
+              <a:rPr lang="en-GB" sz="1800" b="0" strike="noStrike" spc="-1" dirty="0">
+                <a:solidFill>
+                  <a:srgbClr val="203232"/>
+                </a:solidFill>
+                <a:latin typeface="Arial"/>
+              </a:rPr>
+              <a:t>2. The normal curve overlay </a:t>
+            </a:r>
+            <a:r>
+              <a:rPr lang="en-GB" sz="1800" b="1" i="1" strike="noStrike" spc="-1" dirty="0">
+                <a:solidFill>
+                  <a:srgbClr val="203232"/>
+                </a:solidFill>
+                <a:latin typeface="Arial"/>
+              </a:rPr>
+              <a:t>does not follow</a:t>
+            </a:r>
+            <a:r>
+              <a:rPr lang="en-GB" sz="1800" b="0" strike="noStrike" spc="-1" dirty="0">
+                <a:solidFill>
+                  <a:srgbClr val="203232"/>
+                </a:solidFill>
+                <a:latin typeface="Arial"/>
+              </a:rPr>
+              <a:t> the shape of the underlying data, so we use the non-parametric test that does not assume normality: </a:t>
+            </a:r>
+            <a:r>
+              <a:rPr lang="en-GB" sz="1800" b="0" strike="noStrike" spc="-1" dirty="0">
+                <a:solidFill>
+                  <a:srgbClr val="0073CF"/>
+                </a:solidFill>
+                <a:latin typeface="Arial"/>
+              </a:rPr>
+              <a:t>Wilcoxon</a:t>
+            </a:r>
+            <a:r>
+              <a:rPr lang="en-GB" sz="1800" b="0" strike="noStrike" spc="-1" dirty="0">
+                <a:solidFill>
+                  <a:srgbClr val="203232"/>
+                </a:solidFill>
+                <a:latin typeface="Arial"/>
+              </a:rPr>
+              <a:t> also known as the </a:t>
+            </a:r>
+            <a:r>
+              <a:rPr lang="en-GB" sz="1800" b="0" strike="noStrike" spc="-1" dirty="0">
+                <a:solidFill>
+                  <a:srgbClr val="0073CF"/>
+                </a:solidFill>
+                <a:latin typeface="Arial"/>
+              </a:rPr>
+              <a:t>Mann Whitney U Test.</a:t>
+            </a:r>
+            <a:endParaRPr lang="en-US" sz="1800" b="0" strike="noStrike" spc="-1" dirty="0">
+              <a:latin typeface="Arial"/>
+            </a:endParaRPr>
+          </a:p>
+          <a:p>
+            <a:pPr>
+              <a:lnSpc>
+                <a:spcPct val="100000"/>
+              </a:lnSpc>
+            </a:pPr>
+            <a:endParaRPr lang="en-US" sz="1800" b="0" strike="noStrike" spc="-1" dirty="0">
+              <a:latin typeface="Arial"/>
+            </a:endParaRPr>
+          </a:p>
+          <a:p>
+            <a:pPr>
+              <a:lnSpc>
+                <a:spcPct val="100000"/>
+              </a:lnSpc>
+            </a:pPr>
+            <a:r>
+              <a:rPr lang="en-GB" sz="1800" b="0" strike="noStrike" spc="-1" dirty="0">
+                <a:solidFill>
+                  <a:srgbClr val="0073CF"/>
+                </a:solidFill>
+                <a:latin typeface="Arial"/>
+              </a:rPr>
+              <a:t>The example here is borderline, in terms of shape, so when in doubt choose the non-parametric equivalent.</a:t>
+            </a:r>
+            <a:endParaRPr lang="en-US" sz="1800" b="0" strike="noStrike" spc="-1" dirty="0">
+              <a:latin typeface="Arial"/>
+            </a:endParaRPr>
+          </a:p>
+          <a:p>
+            <a:pPr>
+              <a:lnSpc>
+                <a:spcPct val="100000"/>
+              </a:lnSpc>
+            </a:pPr>
+            <a:endParaRPr lang="en-US" sz="1800" b="0" strike="noStrike" spc="-1" dirty="0">
+              <a:latin typeface="Arial"/>
+            </a:endParaRPr>
+          </a:p>
+        </p:txBody>
+      </p:sp>
+      <p:pic>
+        <p:nvPicPr>
+          <p:cNvPr id="114" name="Picture 20" descr="Chart, histogram&#10;&#10;Description automatically generated"/>
+          <p:cNvPicPr/>
+          <p:nvPr/>
+        </p:nvPicPr>
+        <p:blipFill>
+          <a:blip r:embed="rId2"/>
+          <a:stretch/>
+        </p:blipFill>
+        <p:spPr>
+          <a:xfrm>
+            <a:off x="1312560" y="1731961"/>
+            <a:ext cx="4800240" cy="4800240"/>
+          </a:xfrm>
+          <a:prstGeom prst="rect">
+            <a:avLst/>
+          </a:prstGeom>
+          <a:ln>
+            <a:noFill/>
+          </a:ln>
+        </p:spPr>
+      </p:pic>
+    </p:spTree>
+  </p:cSld>
+  <p:clrMapOvr>
+    <a:masterClrMapping/>
+  </p:clrMapOvr>
+</p:sld>
+</file>
+
+<file path=ppt/slides/slide9.xml><?xml version="1.0" encoding="utf-8"?>
+<p:sld xmlns:a="http://schemas.openxmlformats.org/drawingml/2006/main" xmlns:r="http://schemas.openxmlformats.org/officeDocument/2006/relationships" xmlns:p="http://schemas.openxmlformats.org/presentationml/2006/main">
+  <p:cSld>
+    <p:spTree>
+      <p:nvGrpSpPr>
+        <p:cNvPr id="1" name=""/>
+        <p:cNvGrpSpPr/>
+        <p:nvPr/>
+      </p:nvGrpSpPr>
+      <p:grpSpPr>
+        <a:xfrm>
+          <a:off x="0" y="0"/>
+          <a:ext cx="0" cy="0"/>
+          <a:chOff x="0" y="0"/>
+          <a:chExt cx="0" cy="0"/>
+        </a:xfrm>
+      </p:grpSpPr>
+      <p:sp>
+        <p:nvSpPr>
+          <p:cNvPr id="126" name="CustomShape 1"/>
+          <p:cNvSpPr/>
+          <p:nvPr/>
+        </p:nvSpPr>
+        <p:spPr>
+          <a:xfrm>
+            <a:off x="0" y="0"/>
+            <a:ext cx="12191760" cy="6857640"/>
+          </a:xfrm>
+          <a:prstGeom prst="rect">
+            <a:avLst/>
+          </a:prstGeom>
+          <a:solidFill>
+            <a:schemeClr val="bg1"/>
+          </a:solidFill>
+          <a:ln>
+            <a:noFill/>
+          </a:ln>
+        </p:spPr>
+        <p:style>
+          <a:lnRef idx="2">
+            <a:schemeClr val="accent1">
+              <a:shade val="50000"/>
+            </a:schemeClr>
+          </a:lnRef>
+          <a:fillRef idx="1">
+            <a:schemeClr val="accent1"/>
+          </a:fillRef>
+          <a:effectRef idx="0">
+            <a:schemeClr val="accent1"/>
+          </a:effectRef>
+          <a:fontRef idx="minor"/>
+        </p:style>
+        <p:txBody>
+          <a:bodyPr/>
+          <a:lstStyle/>
+          <a:p>
+            <a:endParaRPr lang="en-GB"/>
+          </a:p>
+        </p:txBody>
+      </p:sp>
+      <p:sp>
+        <p:nvSpPr>
+          <p:cNvPr id="127" name="CustomShape 2"/>
+          <p:cNvSpPr/>
+          <p:nvPr/>
+        </p:nvSpPr>
+        <p:spPr>
+          <a:xfrm rot="10800000" flipH="1">
+            <a:off x="360" y="360"/>
+            <a:ext cx="12191760" cy="1575720"/>
+          </a:xfrm>
+          <a:prstGeom prst="rect">
+            <a:avLst/>
+          </a:prstGeom>
+          <a:gradFill rotWithShape="0">
+            <a:gsLst>
+              <a:gs pos="0">
+                <a:srgbClr val="000000">
+                  <a:alpha val="96078"/>
+                </a:srgbClr>
+              </a:gs>
+              <a:gs pos="100000">
+                <a:srgbClr val="77418E"/>
+              </a:gs>
+            </a:gsLst>
+            <a:lin ang="15600000"/>
+          </a:gradFill>
+          <a:ln>
+            <a:noFill/>
+          </a:ln>
+        </p:spPr>
+        <p:style>
+          <a:lnRef idx="2">
+            <a:schemeClr val="accent1">
+              <a:shade val="50000"/>
+            </a:schemeClr>
+          </a:lnRef>
+          <a:fillRef idx="1">
+            <a:schemeClr val="accent1"/>
+          </a:fillRef>
+          <a:effectRef idx="0">
+            <a:schemeClr val="accent1"/>
+          </a:effectRef>
+          <a:fontRef idx="minor"/>
+        </p:style>
+        <p:txBody>
+          <a:bodyPr/>
+          <a:lstStyle/>
+          <a:p>
+            <a:endParaRPr lang="en-GB"/>
+          </a:p>
+        </p:txBody>
+      </p:sp>
+      <p:sp>
+        <p:nvSpPr>
+          <p:cNvPr id="128" name="CustomShape 3"/>
+          <p:cNvSpPr/>
+          <p:nvPr/>
+        </p:nvSpPr>
+        <p:spPr>
+          <a:xfrm>
+            <a:off x="0" y="0"/>
+            <a:ext cx="8128440" cy="1575000"/>
+          </a:xfrm>
+          <a:prstGeom prst="rect">
+            <a:avLst/>
+          </a:prstGeom>
+          <a:gradFill rotWithShape="0">
+            <a:gsLst>
+              <a:gs pos="26000">
+                <a:srgbClr val="C49FD3">
+                  <a:alpha val="0"/>
+                </a:srgbClr>
+              </a:gs>
+              <a:gs pos="100000">
+                <a:srgbClr val="9C5FB5">
+                  <a:alpha val="41176"/>
+                </a:srgbClr>
+              </a:gs>
+            </a:gsLst>
+            <a:lin ang="19200000"/>
+          </a:gradFill>
+          <a:ln>
+            <a:noFill/>
+          </a:ln>
+        </p:spPr>
+        <p:style>
+          <a:lnRef idx="2">
+            <a:schemeClr val="accent1">
+              <a:shade val="50000"/>
+            </a:schemeClr>
+          </a:lnRef>
+          <a:fillRef idx="1">
+            <a:schemeClr val="accent1"/>
+          </a:fillRef>
+          <a:effectRef idx="0">
+            <a:schemeClr val="accent1"/>
+          </a:effectRef>
+          <a:fontRef idx="minor"/>
+        </p:style>
+        <p:txBody>
+          <a:bodyPr/>
+          <a:lstStyle/>
+          <a:p>
+            <a:endParaRPr lang="en-GB"/>
+          </a:p>
+        </p:txBody>
+      </p:sp>
+      <p:sp>
+        <p:nvSpPr>
+          <p:cNvPr id="129" name="CustomShape 4"/>
+          <p:cNvSpPr/>
+          <p:nvPr/>
+        </p:nvSpPr>
+        <p:spPr>
+          <a:xfrm flipH="1">
+            <a:off x="0" y="0"/>
+            <a:ext cx="12191760" cy="1573920"/>
+          </a:xfrm>
+          <a:prstGeom prst="rect">
+            <a:avLst/>
+          </a:prstGeom>
+          <a:gradFill rotWithShape="0">
+            <a:gsLst>
+              <a:gs pos="22000">
+                <a:srgbClr val="9C5FB5">
+                  <a:alpha val="15294"/>
+                </a:srgbClr>
+              </a:gs>
+              <a:gs pos="100000">
+                <a:srgbClr val="000000">
+                  <a:alpha val="63137"/>
+                </a:srgbClr>
+              </a:gs>
+            </a:gsLst>
+            <a:lin ang="6000000"/>
+          </a:gradFill>
+          <a:ln>
+            <a:noFill/>
+          </a:ln>
+        </p:spPr>
+        <p:style>
+          <a:lnRef idx="2">
+            <a:schemeClr val="accent1">
+              <a:shade val="50000"/>
+            </a:schemeClr>
+          </a:lnRef>
+          <a:fillRef idx="1">
+            <a:schemeClr val="accent1"/>
+          </a:fillRef>
+          <a:effectRef idx="0">
+            <a:schemeClr val="accent1"/>
+          </a:effectRef>
+          <a:fontRef idx="minor"/>
+        </p:style>
+        <p:txBody>
+          <a:bodyPr/>
+          <a:lstStyle/>
+          <a:p>
+            <a:endParaRPr lang="en-GB"/>
+          </a:p>
+        </p:txBody>
+      </p:sp>
+      <p:sp>
+        <p:nvSpPr>
           <p:cNvPr id="130" name="TextShape 5"/>
           <p:cNvSpPr txBox="1"/>
           <p:nvPr/>
@@ -6654,6 +9173,10 @@
                 <a:latin typeface="Arial"/>
               </a:rPr>
               <a:t>For example:</a:t>
+            </a:r>
+            <a:r>
+              <a:rPr dirty="0"/>
+              <a:t/>
             </a:r>
             <a:br>
               <a:rPr dirty="0"/>
@@ -6761,7 +9284,7 @@
                 </a:solidFill>
                 <a:latin typeface="Arial"/>
               </a:rPr>
-              <a:t>11</a:t>
+              <a:t>9</a:t>
             </a:fld>
             <a:endParaRPr lang="en-US" sz="1100" b="0" strike="noStrike" spc="-1">
               <a:latin typeface="Times New Roman"/>
@@ -9581,4676 +12104,6 @@
           </a:p>
         </p:txBody>
       </p:sp>
-    </p:spTree>
-  </p:cSld>
-  <p:clrMapOvr>
-    <a:masterClrMapping/>
-  </p:clrMapOvr>
-</p:sld>
-</file>
-
-<file path=ppt/slides/slide12.xml><?xml version="1.0" encoding="utf-8"?>
-<p:sld xmlns:a="http://schemas.openxmlformats.org/drawingml/2006/main" xmlns:r="http://schemas.openxmlformats.org/officeDocument/2006/relationships" xmlns:p="http://schemas.openxmlformats.org/presentationml/2006/main">
-  <p:cSld>
-    <p:spTree>
-      <p:nvGrpSpPr>
-        <p:cNvPr id="1" name=""/>
-        <p:cNvGrpSpPr/>
-        <p:nvPr/>
-      </p:nvGrpSpPr>
-      <p:grpSpPr>
-        <a:xfrm>
-          <a:off x="0" y="0"/>
-          <a:ext cx="0" cy="0"/>
-          <a:chOff x="0" y="0"/>
-          <a:chExt cx="0" cy="0"/>
-        </a:xfrm>
-      </p:grpSpPr>
-      <p:sp>
-        <p:nvSpPr>
-          <p:cNvPr id="135" name="TextShape 1"/>
-          <p:cNvSpPr txBox="1"/>
-          <p:nvPr/>
-        </p:nvSpPr>
-        <p:spPr>
-          <a:xfrm>
-            <a:off x="965160" y="790920"/>
-            <a:ext cx="7176600" cy="230400"/>
-          </a:xfrm>
-          <a:prstGeom prst="rect">
-            <a:avLst/>
-          </a:prstGeom>
-          <a:noFill/>
-          <a:ln>
-            <a:noFill/>
-          </a:ln>
-        </p:spPr>
-        <p:txBody>
-          <a:bodyPr lIns="0" tIns="0" rIns="0" bIns="0">
-            <a:noAutofit/>
-          </a:bodyPr>
-          <a:lstStyle/>
-          <a:p>
-            <a:pPr>
-              <a:lnSpc>
-                <a:spcPct val="100000"/>
-              </a:lnSpc>
-            </a:pPr>
-            <a:r>
-              <a:rPr lang="en-GB" sz="1500" b="0" strike="noStrike" spc="-1">
-                <a:solidFill>
-                  <a:srgbClr val="B3B9B9"/>
-                </a:solidFill>
-                <a:latin typeface="Arial"/>
-              </a:rPr>
-              <a:t>PRE 7COM1079-2022  Student Group No:  ?????</a:t>
-            </a:r>
-            <a:endParaRPr lang="en-US" sz="1500" b="0" strike="noStrike" spc="-1">
-              <a:latin typeface="Times New Roman"/>
-            </a:endParaRPr>
-          </a:p>
-        </p:txBody>
-      </p:sp>
-      <p:sp>
-        <p:nvSpPr>
-          <p:cNvPr id="136" name="TextShape 2"/>
-          <p:cNvSpPr txBox="1"/>
-          <p:nvPr/>
-        </p:nvSpPr>
-        <p:spPr>
-          <a:xfrm>
-            <a:off x="10616400" y="790920"/>
-            <a:ext cx="622440" cy="230400"/>
-          </a:xfrm>
-          <a:prstGeom prst="rect">
-            <a:avLst/>
-          </a:prstGeom>
-          <a:noFill/>
-          <a:ln>
-            <a:noFill/>
-          </a:ln>
-        </p:spPr>
-        <p:txBody>
-          <a:bodyPr lIns="0" tIns="0" rIns="0" bIns="0">
-            <a:noAutofit/>
-          </a:bodyPr>
-          <a:lstStyle/>
-          <a:p>
-            <a:pPr algn="r">
-              <a:lnSpc>
-                <a:spcPct val="100000"/>
-              </a:lnSpc>
-            </a:pPr>
-            <a:fld id="{ADC5D68A-648F-4923-B6A1-749DE04AEFFA}" type="slidenum">
-              <a:rPr lang="en-GB" sz="1500" b="1" strike="noStrike" spc="-1">
-                <a:solidFill>
-                  <a:srgbClr val="B3B9B9"/>
-                </a:solidFill>
-                <a:latin typeface="Arial"/>
-              </a:rPr>
-              <a:t>12</a:t>
-            </a:fld>
-            <a:endParaRPr lang="en-US" sz="1500" b="0" strike="noStrike" spc="-1">
-              <a:latin typeface="Times New Roman"/>
-            </a:endParaRPr>
-          </a:p>
-        </p:txBody>
-      </p:sp>
-      <p:sp>
-        <p:nvSpPr>
-          <p:cNvPr id="137" name="TextShape 3"/>
-          <p:cNvSpPr txBox="1"/>
-          <p:nvPr/>
-        </p:nvSpPr>
-        <p:spPr>
-          <a:xfrm>
-            <a:off x="952919" y="385588"/>
-            <a:ext cx="10815527" cy="667800"/>
-          </a:xfrm>
-          <a:prstGeom prst="rect">
-            <a:avLst/>
-          </a:prstGeom>
-          <a:solidFill>
-            <a:srgbClr val="FFFFFF"/>
-          </a:solidFill>
-          <a:ln>
-            <a:noFill/>
-          </a:ln>
-        </p:spPr>
-        <p:txBody>
-          <a:bodyPr lIns="0" tIns="0" rIns="0" bIns="0">
-            <a:noAutofit/>
-          </a:bodyPr>
-          <a:lstStyle/>
-          <a:p>
-            <a:pPr>
-              <a:lnSpc>
-                <a:spcPct val="100000"/>
-              </a:lnSpc>
-              <a:spcAft>
-                <a:spcPts val="992"/>
-              </a:spcAft>
-              <a:tabLst>
-                <a:tab pos="0" algn="l"/>
-              </a:tabLst>
-            </a:pPr>
-            <a:r>
-              <a:rPr lang="en-GB" sz="3600" b="1" strike="noStrike" spc="-100" dirty="0">
-                <a:solidFill>
-                  <a:srgbClr val="203232"/>
-                </a:solidFill>
-                <a:latin typeface="Arial"/>
-              </a:rPr>
-              <a:t>R Script and Results  (For ALL types of test) – The Analysis</a:t>
-            </a:r>
-            <a:endParaRPr lang="en-US" sz="3600" b="1" strike="noStrike" spc="-1" dirty="0">
-              <a:latin typeface="Arial"/>
-            </a:endParaRPr>
-          </a:p>
-          <a:p>
-            <a:pPr>
-              <a:lnSpc>
-                <a:spcPct val="100000"/>
-              </a:lnSpc>
-              <a:spcAft>
-                <a:spcPts val="992"/>
-              </a:spcAft>
-              <a:tabLst>
-                <a:tab pos="0" algn="l"/>
-              </a:tabLst>
-            </a:pPr>
-            <a:endParaRPr lang="en-US" sz="2400" b="0" strike="noStrike" spc="-1" dirty="0">
-              <a:latin typeface="Arial"/>
-            </a:endParaRPr>
-          </a:p>
-        </p:txBody>
-      </p:sp>
-      <p:sp>
-        <p:nvSpPr>
-          <p:cNvPr id="2" name="TextBox 1">
-            <a:extLst>
-              <a:ext uri="{FF2B5EF4-FFF2-40B4-BE49-F238E27FC236}">
-                <a16:creationId xmlns:a16="http://schemas.microsoft.com/office/drawing/2014/main" id="{58BC67A1-346D-734F-321E-2098D1481674}"/>
-              </a:ext>
-            </a:extLst>
-          </p:cNvPr>
-          <p:cNvSpPr txBox="1"/>
-          <p:nvPr/>
-        </p:nvSpPr>
-        <p:spPr>
-          <a:xfrm>
-            <a:off x="701458" y="1671663"/>
-            <a:ext cx="11066988" cy="4524315"/>
-          </a:xfrm>
-          <a:prstGeom prst="rect">
-            <a:avLst/>
-          </a:prstGeom>
-          <a:solidFill>
-            <a:schemeClr val="bg1"/>
-          </a:solidFill>
-        </p:spPr>
-        <p:txBody>
-          <a:bodyPr wrap="square" rtlCol="0">
-            <a:spAutoFit/>
-          </a:bodyPr>
-          <a:lstStyle/>
-          <a:p>
-            <a:pPr marL="285750" indent="-285750">
-              <a:buFont typeface="Arial" panose="020B0604020202020204" pitchFamily="34" charset="0"/>
-              <a:buChar char="•"/>
-            </a:pPr>
-            <a:r>
-              <a:rPr lang="en-US" sz="3600" b="0" strike="noStrike" spc="-202" dirty="0">
-                <a:solidFill>
-                  <a:srgbClr val="203232"/>
-                </a:solidFill>
-                <a:latin typeface="Arial"/>
-              </a:rPr>
-              <a:t>Include a snippet of the R code you use to </a:t>
-            </a:r>
-            <a:r>
-              <a:rPr lang="en-US" sz="3600" b="0" strike="noStrike" spc="-202">
-                <a:solidFill>
-                  <a:srgbClr val="203232"/>
-                </a:solidFill>
-                <a:latin typeface="Arial"/>
-              </a:rPr>
-              <a:t>calculate your </a:t>
-            </a:r>
-            <a:r>
-              <a:rPr lang="en-US" sz="3600" b="0" strike="noStrike" spc="-202" dirty="0">
-                <a:solidFill>
-                  <a:srgbClr val="203232"/>
-                </a:solidFill>
-                <a:latin typeface="Arial"/>
-              </a:rPr>
-              <a:t>test statistic.</a:t>
-            </a:r>
-          </a:p>
-          <a:p>
-            <a:pPr marL="285750" indent="-285750">
-              <a:buFont typeface="Arial" panose="020B0604020202020204" pitchFamily="34" charset="0"/>
-              <a:buChar char="•"/>
-            </a:pPr>
-            <a:r>
-              <a:rPr lang="en-US" sz="3600" b="0" strike="noStrike" spc="-202" dirty="0">
-                <a:solidFill>
-                  <a:srgbClr val="203232"/>
-                </a:solidFill>
-                <a:latin typeface="Arial"/>
-              </a:rPr>
-              <a:t>Give the value of the test statistic. </a:t>
-            </a:r>
-          </a:p>
-          <a:p>
-            <a:pPr marL="285750" indent="-285750">
-              <a:buFont typeface="Arial" panose="020B0604020202020204" pitchFamily="34" charset="0"/>
-              <a:buChar char="•"/>
-            </a:pPr>
-            <a:r>
-              <a:rPr lang="en-US" sz="3600" b="0" strike="noStrike" spc="-202" dirty="0">
-                <a:solidFill>
-                  <a:srgbClr val="203232"/>
-                </a:solidFill>
-                <a:latin typeface="Arial"/>
-              </a:rPr>
-              <a:t>Tell us the p-value.  Is it &gt; or &lt; 0.05?</a:t>
-            </a:r>
-          </a:p>
-          <a:p>
-            <a:pPr marL="285750" indent="-285750">
-              <a:buFont typeface="Arial" panose="020B0604020202020204" pitchFamily="34" charset="0"/>
-              <a:buChar char="•"/>
-            </a:pPr>
-            <a:r>
-              <a:rPr lang="en-US" sz="3600" b="0" strike="noStrike" spc="-202" dirty="0">
-                <a:solidFill>
-                  <a:srgbClr val="203232"/>
-                </a:solidFill>
-                <a:latin typeface="Arial"/>
-              </a:rPr>
-              <a:t> Is the result significant?</a:t>
-            </a:r>
-          </a:p>
-          <a:p>
-            <a:pPr marL="285750" indent="-285750">
-              <a:buFont typeface="Arial" panose="020B0604020202020204" pitchFamily="34" charset="0"/>
-              <a:buChar char="•"/>
-            </a:pPr>
-            <a:r>
-              <a:rPr lang="en-US" sz="3600" b="0" strike="noStrike" spc="-202" dirty="0">
-                <a:solidFill>
-                  <a:srgbClr val="203232"/>
-                </a:solidFill>
-                <a:latin typeface="Arial"/>
-              </a:rPr>
-              <a:t>Do you accept or reject the null hypothesis?</a:t>
-            </a:r>
-          </a:p>
-          <a:p>
-            <a:pPr marL="285750" indent="-285750">
-              <a:buFont typeface="Arial" panose="020B0604020202020204" pitchFamily="34" charset="0"/>
-              <a:buChar char="•"/>
-            </a:pPr>
-            <a:r>
-              <a:rPr lang="en-US" sz="3600" spc="-202" dirty="0">
-                <a:solidFill>
-                  <a:srgbClr val="203232"/>
-                </a:solidFill>
-                <a:latin typeface="Arial"/>
-              </a:rPr>
-              <a:t>What does the result actually mean in the wider context of learning something useful / answering your RQ?</a:t>
-            </a:r>
-            <a:endParaRPr lang="en-GB" sz="3600" dirty="0"/>
-          </a:p>
-        </p:txBody>
-      </p:sp>
-    </p:spTree>
-  </p:cSld>
-  <p:clrMapOvr>
-    <a:masterClrMapping/>
-  </p:clrMapOvr>
-</p:sld>
-</file>
-
-<file path=ppt/slides/slide2.xml><?xml version="1.0" encoding="utf-8"?>
-<p:sld xmlns:a="http://schemas.openxmlformats.org/drawingml/2006/main" xmlns:r="http://schemas.openxmlformats.org/officeDocument/2006/relationships" xmlns:p="http://schemas.openxmlformats.org/presentationml/2006/main">
-  <p:cSld>
-    <p:bg>
-      <p:bgPr>
-        <a:blipFill dpi="0" rotWithShape="1">
-          <a:blip r:embed="rId2">
-            <a:lum/>
-          </a:blip>
-          <a:srcRect/>
-          <a:stretch>
-            <a:fillRect/>
-          </a:stretch>
-        </a:blipFill>
-        <a:effectLst/>
-      </p:bgPr>
-    </p:bg>
-    <p:spTree>
-      <p:nvGrpSpPr>
-        <p:cNvPr id="1" name=""/>
-        <p:cNvGrpSpPr/>
-        <p:nvPr/>
-      </p:nvGrpSpPr>
-      <p:grpSpPr>
-        <a:xfrm>
-          <a:off x="0" y="0"/>
-          <a:ext cx="0" cy="0"/>
-          <a:chOff x="0" y="0"/>
-          <a:chExt cx="0" cy="0"/>
-        </a:xfrm>
-      </p:grpSpPr>
-      <p:sp>
-        <p:nvSpPr>
-          <p:cNvPr id="2" name="Title 1">
-            <a:extLst>
-              <a:ext uri="{FF2B5EF4-FFF2-40B4-BE49-F238E27FC236}">
-                <a16:creationId xmlns:a16="http://schemas.microsoft.com/office/drawing/2014/main" id="{3440AEE4-CC66-FE42-B0C3-2CC7AFD37D1C}"/>
-              </a:ext>
-            </a:extLst>
-          </p:cNvPr>
-          <p:cNvSpPr>
-            <a:spLocks noGrp="1"/>
-          </p:cNvSpPr>
-          <p:nvPr>
-            <p:ph type="ctrTitle"/>
-          </p:nvPr>
-        </p:nvSpPr>
-        <p:spPr/>
-        <p:txBody>
-          <a:bodyPr>
-            <a:normAutofit fontScale="90000"/>
-          </a:bodyPr>
-          <a:lstStyle/>
-          <a:p>
-            <a:r>
-              <a:rPr lang="en-US" dirty="0"/>
-              <a:t>Visualization and Analysis – </a:t>
-            </a:r>
-            <a:br>
-              <a:rPr lang="en-US" dirty="0"/>
-            </a:br>
-            <a:r>
-              <a:rPr lang="en-US" sz="4000" dirty="0"/>
-              <a:t>Tutorial Presentation for Feedback</a:t>
-            </a:r>
-            <a:br>
-              <a:rPr lang="en-US" sz="4000" dirty="0"/>
-            </a:br>
-            <a:r>
-              <a:rPr lang="en-US" sz="2200" dirty="0"/>
-              <a:t>Date: </a:t>
-            </a:r>
-            <a:br>
-              <a:rPr lang="en-US" sz="8000" dirty="0"/>
-            </a:br>
-            <a:endParaRPr lang="en-US" dirty="0"/>
-          </a:p>
-        </p:txBody>
-      </p:sp>
-      <p:sp>
-        <p:nvSpPr>
-          <p:cNvPr id="3" name="Subtitle 2">
-            <a:extLst>
-              <a:ext uri="{FF2B5EF4-FFF2-40B4-BE49-F238E27FC236}">
-                <a16:creationId xmlns:a16="http://schemas.microsoft.com/office/drawing/2014/main" id="{8275DA97-5166-7F4B-BC83-F50AC8BEDCD7}"/>
-              </a:ext>
-            </a:extLst>
-          </p:cNvPr>
-          <p:cNvSpPr>
-            <a:spLocks noGrp="1"/>
-          </p:cNvSpPr>
-          <p:nvPr>
-            <p:ph type="subTitle" idx="1"/>
-          </p:nvPr>
-        </p:nvSpPr>
-        <p:spPr/>
-        <p:txBody>
-          <a:bodyPr/>
-          <a:lstStyle/>
-          <a:p>
-            <a:r>
-              <a:rPr lang="en-US" sz="2000" dirty="0"/>
-              <a:t>Group Id:                                                           Name of Student Presenting:</a:t>
-            </a:r>
-          </a:p>
-        </p:txBody>
-      </p:sp>
-      <p:sp>
-        <p:nvSpPr>
-          <p:cNvPr id="4" name="Footer Placeholder 3">
-            <a:extLst>
-              <a:ext uri="{FF2B5EF4-FFF2-40B4-BE49-F238E27FC236}">
-                <a16:creationId xmlns:a16="http://schemas.microsoft.com/office/drawing/2014/main" id="{6E7F4D14-5620-EC41-A86C-6CC3CFD691B4}"/>
-              </a:ext>
-            </a:extLst>
-          </p:cNvPr>
-          <p:cNvSpPr>
-            <a:spLocks noGrp="1"/>
-          </p:cNvSpPr>
-          <p:nvPr>
-            <p:ph type="ftr" sz="quarter" idx="11"/>
-          </p:nvPr>
-        </p:nvSpPr>
-        <p:spPr>
-          <a:xfrm>
-            <a:off x="965289" y="274320"/>
-            <a:ext cx="10455567" cy="736245"/>
-          </a:xfrm>
-        </p:spPr>
-        <p:txBody>
-          <a:bodyPr/>
-          <a:lstStyle/>
-          <a:p>
-            <a:r>
-              <a:rPr lang="en-GB" dirty="0"/>
-              <a:t>7COM1079-2024  Student Group No:                    Names of Student Attendees  (all group should attend to get feedback): </a:t>
-            </a:r>
-          </a:p>
-        </p:txBody>
-      </p:sp>
-      <p:sp>
-        <p:nvSpPr>
-          <p:cNvPr id="5" name="Slide Number Placeholder 4">
-            <a:extLst>
-              <a:ext uri="{FF2B5EF4-FFF2-40B4-BE49-F238E27FC236}">
-                <a16:creationId xmlns:a16="http://schemas.microsoft.com/office/drawing/2014/main" id="{6B584311-58F1-BD4D-8FED-50D72C3DED34}"/>
-              </a:ext>
-            </a:extLst>
-          </p:cNvPr>
-          <p:cNvSpPr>
-            <a:spLocks noGrp="1"/>
-          </p:cNvSpPr>
-          <p:nvPr>
-            <p:ph type="sldNum" sz="quarter" idx="12"/>
-          </p:nvPr>
-        </p:nvSpPr>
-        <p:spPr/>
-        <p:txBody>
-          <a:bodyPr/>
-          <a:lstStyle/>
-          <a:p>
-            <a:fld id="{E4D355CA-84B7-41B1-B164-8BB439CC7C6B}" type="slidenum">
-              <a:rPr lang="en-GB" smtClean="0"/>
-              <a:pPr/>
-              <a:t>2</a:t>
-            </a:fld>
-            <a:endParaRPr lang="en-GB" dirty="0"/>
-          </a:p>
-        </p:txBody>
-      </p:sp>
-    </p:spTree>
-    <p:extLst>
-      <p:ext uri="{BB962C8B-B14F-4D97-AF65-F5344CB8AC3E}">
-        <p14:creationId xmlns:p14="http://schemas.microsoft.com/office/powerpoint/2010/main" val="4148532546"/>
-      </p:ext>
-    </p:extLst>
-  </p:cSld>
-  <p:clrMapOvr>
-    <a:masterClrMapping/>
-  </p:clrMapOvr>
-</p:sld>
-</file>
-
-<file path=ppt/slides/slide3.xml><?xml version="1.0" encoding="utf-8"?>
-<p:sld xmlns:a="http://schemas.openxmlformats.org/drawingml/2006/main" xmlns:r="http://schemas.openxmlformats.org/officeDocument/2006/relationships" xmlns:p="http://schemas.openxmlformats.org/presentationml/2006/main">
-  <p:cSld>
-    <p:spTree>
-      <p:nvGrpSpPr>
-        <p:cNvPr id="1" name=""/>
-        <p:cNvGrpSpPr/>
-        <p:nvPr/>
-      </p:nvGrpSpPr>
-      <p:grpSpPr>
-        <a:xfrm>
-          <a:off x="0" y="0"/>
-          <a:ext cx="0" cy="0"/>
-          <a:chOff x="0" y="0"/>
-          <a:chExt cx="0" cy="0"/>
-        </a:xfrm>
-      </p:grpSpPr>
-      <p:sp>
-        <p:nvSpPr>
-          <p:cNvPr id="2" name="Subtitle 1">
-            <a:extLst>
-              <a:ext uri="{FF2B5EF4-FFF2-40B4-BE49-F238E27FC236}">
-                <a16:creationId xmlns:a16="http://schemas.microsoft.com/office/drawing/2014/main" id="{E31262B9-84B0-C1A5-543C-8FA0F2459C07}"/>
-              </a:ext>
-            </a:extLst>
-          </p:cNvPr>
-          <p:cNvSpPr>
-            <a:spLocks noGrp="1"/>
-          </p:cNvSpPr>
-          <p:nvPr>
-            <p:ph type="subTitle" idx="1"/>
-          </p:nvPr>
-        </p:nvSpPr>
-        <p:spPr>
-          <a:xfrm>
-            <a:off x="942200" y="1355611"/>
-            <a:ext cx="7200000" cy="360000"/>
-          </a:xfrm>
-        </p:spPr>
-        <p:txBody>
-          <a:bodyPr/>
-          <a:lstStyle/>
-          <a:p>
-            <a:r>
-              <a:rPr lang="en-US" dirty="0"/>
-              <a:t>Part 1: VISUALISATION</a:t>
-            </a:r>
-            <a:endParaRPr lang="en-GB" dirty="0"/>
-          </a:p>
-        </p:txBody>
-      </p:sp>
-      <p:sp>
-        <p:nvSpPr>
-          <p:cNvPr id="3" name="Footer Placeholder 2">
-            <a:extLst>
-              <a:ext uri="{FF2B5EF4-FFF2-40B4-BE49-F238E27FC236}">
-                <a16:creationId xmlns:a16="http://schemas.microsoft.com/office/drawing/2014/main" id="{AA8750A5-C5AD-CEC8-7CD5-C4412264CC71}"/>
-              </a:ext>
-            </a:extLst>
-          </p:cNvPr>
-          <p:cNvSpPr>
-            <a:spLocks noGrp="1"/>
-          </p:cNvSpPr>
-          <p:nvPr>
-            <p:ph type="ftr" sz="quarter" idx="11"/>
-          </p:nvPr>
-        </p:nvSpPr>
-        <p:spPr/>
-        <p:txBody>
-          <a:bodyPr/>
-          <a:lstStyle/>
-          <a:p>
-            <a:r>
-              <a:rPr lang="en-GB"/>
-              <a:t>PRESENTATION TITLE (ADD VIA INSERT, HEADER &amp; FOOTER)</a:t>
-            </a:r>
-            <a:endParaRPr lang="en-GB" dirty="0"/>
-          </a:p>
-        </p:txBody>
-      </p:sp>
-      <p:sp>
-        <p:nvSpPr>
-          <p:cNvPr id="4" name="Slide Number Placeholder 3">
-            <a:extLst>
-              <a:ext uri="{FF2B5EF4-FFF2-40B4-BE49-F238E27FC236}">
-                <a16:creationId xmlns:a16="http://schemas.microsoft.com/office/drawing/2014/main" id="{2B0B5058-8385-6382-3B48-5ADE78EDFDAD}"/>
-              </a:ext>
-            </a:extLst>
-          </p:cNvPr>
-          <p:cNvSpPr>
-            <a:spLocks noGrp="1"/>
-          </p:cNvSpPr>
-          <p:nvPr>
-            <p:ph type="sldNum" sz="quarter" idx="12"/>
-          </p:nvPr>
-        </p:nvSpPr>
-        <p:spPr/>
-        <p:txBody>
-          <a:bodyPr/>
-          <a:lstStyle/>
-          <a:p>
-            <a:fld id="{E4D355CA-84B7-41B1-B164-8BB439CC7C6B}" type="slidenum">
-              <a:rPr lang="en-GB" smtClean="0"/>
-              <a:pPr/>
-              <a:t>3</a:t>
-            </a:fld>
-            <a:endParaRPr lang="en-GB" dirty="0"/>
-          </a:p>
-        </p:txBody>
-      </p:sp>
-      <p:sp>
-        <p:nvSpPr>
-          <p:cNvPr id="5" name="Title 4">
-            <a:extLst>
-              <a:ext uri="{FF2B5EF4-FFF2-40B4-BE49-F238E27FC236}">
-                <a16:creationId xmlns:a16="http://schemas.microsoft.com/office/drawing/2014/main" id="{A5F0AC96-5BAE-FDAC-4EAC-17779A2B0645}"/>
-              </a:ext>
-            </a:extLst>
-          </p:cNvPr>
-          <p:cNvSpPr>
-            <a:spLocks noGrp="1"/>
-          </p:cNvSpPr>
-          <p:nvPr>
-            <p:ph type="ctrTitle"/>
-          </p:nvPr>
-        </p:nvSpPr>
-        <p:spPr>
-          <a:xfrm>
-            <a:off x="942201" y="1715611"/>
-            <a:ext cx="10683742" cy="2359086"/>
-          </a:xfrm>
-        </p:spPr>
-        <p:txBody>
-          <a:bodyPr>
-            <a:noAutofit/>
-          </a:bodyPr>
-          <a:lstStyle/>
-          <a:p>
-            <a:pPr>
-              <a:lnSpc>
-                <a:spcPts val="6000"/>
-              </a:lnSpc>
-            </a:pPr>
-            <a:r>
-              <a:rPr lang="en-US" sz="3000" dirty="0">
-                <a:solidFill>
-                  <a:srgbClr val="FF0000"/>
-                </a:solidFill>
-              </a:rPr>
-              <a:t>If you have not defined your Research Question (RQ) yet, please do not attempt to present </a:t>
-            </a:r>
-            <a:r>
-              <a:rPr lang="en-US" sz="3000" dirty="0" err="1">
-                <a:solidFill>
-                  <a:srgbClr val="FF0000"/>
-                </a:solidFill>
-              </a:rPr>
-              <a:t>Visualisations</a:t>
-            </a:r>
-            <a:r>
-              <a:rPr lang="en-US" sz="3000" dirty="0">
-                <a:solidFill>
-                  <a:srgbClr val="FF0000"/>
-                </a:solidFill>
-              </a:rPr>
-              <a:t> and/or analyses of your data.  Go to Canvas, announcements on RQ presentations, and use the PowerPoint template provided for you to present your RQ.  You can use the time slot to present your RQ instead of the </a:t>
-            </a:r>
-            <a:r>
-              <a:rPr lang="en-US" sz="3000" dirty="0" err="1">
-                <a:solidFill>
-                  <a:srgbClr val="FF0000"/>
-                </a:solidFill>
-              </a:rPr>
-              <a:t>Visualisation</a:t>
-            </a:r>
-            <a:r>
-              <a:rPr lang="en-US" sz="3000" dirty="0">
-                <a:solidFill>
-                  <a:srgbClr val="FF0000"/>
-                </a:solidFill>
-              </a:rPr>
-              <a:t>.</a:t>
-            </a:r>
-            <a:endParaRPr lang="en-GB" sz="3000" dirty="0">
-              <a:solidFill>
-                <a:srgbClr val="FF0000"/>
-              </a:solidFill>
-            </a:endParaRPr>
-          </a:p>
-        </p:txBody>
-      </p:sp>
-    </p:spTree>
-    <p:extLst>
-      <p:ext uri="{BB962C8B-B14F-4D97-AF65-F5344CB8AC3E}">
-        <p14:creationId xmlns:p14="http://schemas.microsoft.com/office/powerpoint/2010/main" val="2339144795"/>
-      </p:ext>
-    </p:extLst>
-  </p:cSld>
-  <p:clrMapOvr>
-    <a:masterClrMapping/>
-  </p:clrMapOvr>
-</p:sld>
-</file>
-
-<file path=ppt/slides/slide4.xml><?xml version="1.0" encoding="utf-8"?>
-<p:sld xmlns:a="http://schemas.openxmlformats.org/drawingml/2006/main" xmlns:r="http://schemas.openxmlformats.org/officeDocument/2006/relationships" xmlns:p="http://schemas.openxmlformats.org/presentationml/2006/main">
-  <p:cSld>
-    <p:spTree>
-      <p:nvGrpSpPr>
-        <p:cNvPr id="1" name=""/>
-        <p:cNvGrpSpPr/>
-        <p:nvPr/>
-      </p:nvGrpSpPr>
-      <p:grpSpPr>
-        <a:xfrm>
-          <a:off x="0" y="0"/>
-          <a:ext cx="0" cy="0"/>
-          <a:chOff x="0" y="0"/>
-          <a:chExt cx="0" cy="0"/>
-        </a:xfrm>
-      </p:grpSpPr>
-      <p:sp>
-        <p:nvSpPr>
-          <p:cNvPr id="2" name="Subtitle 1">
-            <a:extLst>
-              <a:ext uri="{FF2B5EF4-FFF2-40B4-BE49-F238E27FC236}">
-                <a16:creationId xmlns:a16="http://schemas.microsoft.com/office/drawing/2014/main" id="{7D9D8228-727F-1E46-B5AD-91D158B8255E}"/>
-              </a:ext>
-            </a:extLst>
-          </p:cNvPr>
-          <p:cNvSpPr>
-            <a:spLocks noGrp="1"/>
-          </p:cNvSpPr>
-          <p:nvPr>
-            <p:ph type="subTitle" idx="1"/>
-          </p:nvPr>
-        </p:nvSpPr>
-        <p:spPr>
-          <a:xfrm>
-            <a:off x="965288" y="1080637"/>
-            <a:ext cx="10110240" cy="588024"/>
-          </a:xfrm>
-        </p:spPr>
-        <p:txBody>
-          <a:bodyPr/>
-          <a:lstStyle/>
-          <a:p>
-            <a:r>
-              <a:rPr lang="en-US" sz="2400" b="0" dirty="0">
-                <a:latin typeface="Calibri" panose="020F0502020204030204" pitchFamily="34" charset="0"/>
-                <a:cs typeface="Calibri" panose="020F0502020204030204" pitchFamily="34" charset="0"/>
-              </a:rPr>
-              <a:t>We are using the dataset</a:t>
-            </a:r>
-            <a:r>
-              <a:rPr lang="en-US" sz="2400" b="0" dirty="0">
-                <a:solidFill>
-                  <a:srgbClr val="FF0000"/>
-                </a:solidFill>
-                <a:latin typeface="Calibri" panose="020F0502020204030204" pitchFamily="34" charset="0"/>
-                <a:cs typeface="Calibri" panose="020F0502020204030204" pitchFamily="34" charset="0"/>
-              </a:rPr>
-              <a:t>   (replace this text with your DS number and  file name) </a:t>
-            </a:r>
-            <a:r>
-              <a:rPr lang="en-US" sz="2400" b="0" dirty="0">
-                <a:solidFill>
-                  <a:schemeClr val="tx1"/>
-                </a:solidFill>
-                <a:latin typeface="Calibri" panose="020F0502020204030204" pitchFamily="34" charset="0"/>
-                <a:cs typeface="Calibri" panose="020F0502020204030204" pitchFamily="34" charset="0"/>
-              </a:rPr>
-              <a:t> to answer our Research Question  </a:t>
-            </a:r>
-            <a:r>
-              <a:rPr lang="en-US" sz="2400" b="0" dirty="0">
-                <a:solidFill>
-                  <a:srgbClr val="FF0000"/>
-                </a:solidFill>
-                <a:latin typeface="Calibri" panose="020F0502020204030204" pitchFamily="34" charset="0"/>
-                <a:cs typeface="Calibri" panose="020F0502020204030204" pitchFamily="34" charset="0"/>
-              </a:rPr>
-              <a:t>“ (replace this text with your RQ ……           ”</a:t>
-            </a:r>
-            <a:r>
-              <a:rPr lang="en-US" sz="2400" b="0" dirty="0">
-                <a:solidFill>
-                  <a:schemeClr val="tx1"/>
-                </a:solidFill>
-                <a:latin typeface="Calibri" panose="020F0502020204030204" pitchFamily="34" charset="0"/>
-                <a:cs typeface="Calibri" panose="020F0502020204030204" pitchFamily="34" charset="0"/>
-              </a:rPr>
-              <a:t> </a:t>
-            </a:r>
-            <a:r>
-              <a:rPr lang="en-US" sz="2400" baseline="30000" dirty="0">
-                <a:solidFill>
-                  <a:schemeClr val="tx1"/>
-                </a:solidFill>
-                <a:latin typeface="Calibri" panose="020F0502020204030204" pitchFamily="34" charset="0"/>
-                <a:cs typeface="Calibri" panose="020F0502020204030204" pitchFamily="34" charset="0"/>
-              </a:rPr>
-              <a:t>1</a:t>
-            </a:r>
-          </a:p>
-          <a:p>
-            <a:br>
-              <a:rPr lang="en-US" sz="2400" b="0" dirty="0">
-                <a:solidFill>
-                  <a:srgbClr val="FF0000"/>
-                </a:solidFill>
-                <a:latin typeface="Calibri" panose="020F0502020204030204" pitchFamily="34" charset="0"/>
-                <a:cs typeface="Calibri" panose="020F0502020204030204" pitchFamily="34" charset="0"/>
-              </a:rPr>
-            </a:br>
-            <a:endParaRPr lang="en-US" sz="2400" dirty="0">
-              <a:solidFill>
-                <a:schemeClr val="tx1"/>
-              </a:solidFill>
-              <a:latin typeface="Calibri" panose="020F0502020204030204" pitchFamily="34" charset="0"/>
-              <a:cs typeface="Calibri" panose="020F0502020204030204" pitchFamily="34" charset="0"/>
-            </a:endParaRPr>
-          </a:p>
-        </p:txBody>
-      </p:sp>
-      <p:sp>
-        <p:nvSpPr>
-          <p:cNvPr id="3" name="Footer Placeholder 2">
-            <a:extLst>
-              <a:ext uri="{FF2B5EF4-FFF2-40B4-BE49-F238E27FC236}">
-                <a16:creationId xmlns:a16="http://schemas.microsoft.com/office/drawing/2014/main" id="{00EBC183-8AA5-EC44-9987-D65F5C1892A1}"/>
-              </a:ext>
-            </a:extLst>
-          </p:cNvPr>
-          <p:cNvSpPr>
-            <a:spLocks noGrp="1"/>
-          </p:cNvSpPr>
-          <p:nvPr>
-            <p:ph type="ftr" sz="quarter" idx="11"/>
-          </p:nvPr>
-        </p:nvSpPr>
-        <p:spPr>
-          <a:xfrm>
-            <a:off x="965288" y="791022"/>
-            <a:ext cx="9129687" cy="230832"/>
-          </a:xfrm>
-        </p:spPr>
-        <p:txBody>
-          <a:bodyPr/>
-          <a:lstStyle/>
-          <a:p>
-            <a:r>
-              <a:rPr lang="en-GB" dirty="0"/>
-              <a:t>7COM1079-2024  Student Group No:                    Names of Student Group Attendees: </a:t>
-            </a:r>
-          </a:p>
-        </p:txBody>
-      </p:sp>
-      <p:sp>
-        <p:nvSpPr>
-          <p:cNvPr id="4" name="Slide Number Placeholder 3">
-            <a:extLst>
-              <a:ext uri="{FF2B5EF4-FFF2-40B4-BE49-F238E27FC236}">
-                <a16:creationId xmlns:a16="http://schemas.microsoft.com/office/drawing/2014/main" id="{CC9D9611-42EE-7840-81EE-DD6B1A99CD7B}"/>
-              </a:ext>
-            </a:extLst>
-          </p:cNvPr>
-          <p:cNvSpPr>
-            <a:spLocks noGrp="1"/>
-          </p:cNvSpPr>
-          <p:nvPr>
-            <p:ph type="sldNum" sz="quarter" idx="12"/>
-          </p:nvPr>
-        </p:nvSpPr>
-        <p:spPr/>
-        <p:txBody>
-          <a:bodyPr/>
-          <a:lstStyle/>
-          <a:p>
-            <a:fld id="{E4D355CA-84B7-41B1-B164-8BB439CC7C6B}" type="slidenum">
-              <a:rPr lang="en-GB" smtClean="0"/>
-              <a:pPr/>
-              <a:t>4</a:t>
-            </a:fld>
-            <a:endParaRPr lang="en-GB" dirty="0"/>
-          </a:p>
-        </p:txBody>
-      </p:sp>
-      <p:graphicFrame>
-        <p:nvGraphicFramePr>
-          <p:cNvPr id="11" name="Table 10">
-            <a:extLst>
-              <a:ext uri="{FF2B5EF4-FFF2-40B4-BE49-F238E27FC236}">
-                <a16:creationId xmlns:a16="http://schemas.microsoft.com/office/drawing/2014/main" id="{17468CB6-B0D7-5760-9515-F26AE1D82D2B}"/>
-              </a:ext>
-            </a:extLst>
-          </p:cNvPr>
-          <p:cNvGraphicFramePr>
-            <a:graphicFrameLocks noGrp="1"/>
-          </p:cNvGraphicFramePr>
-          <p:nvPr>
-            <p:extLst>
-              <p:ext uri="{D42A27DB-BD31-4B8C-83A1-F6EECF244321}">
-                <p14:modId xmlns:p14="http://schemas.microsoft.com/office/powerpoint/2010/main" val="3075132009"/>
-              </p:ext>
-            </p:extLst>
-          </p:nvPr>
-        </p:nvGraphicFramePr>
-        <p:xfrm>
-          <a:off x="6096000" y="1905506"/>
-          <a:ext cx="6480761" cy="2839759"/>
-        </p:xfrm>
-        <a:graphic>
-          <a:graphicData uri="http://schemas.openxmlformats.org/drawingml/2006/table">
-            <a:tbl>
-              <a:tblPr>
-                <a:tableStyleId>{5C22544A-7EE6-4342-B048-85BDC9FD1C3A}</a:tableStyleId>
-              </a:tblPr>
-              <a:tblGrid>
-                <a:gridCol w="1144153">
-                  <a:extLst>
-                    <a:ext uri="{9D8B030D-6E8A-4147-A177-3AD203B41FA5}">
-                      <a16:colId xmlns:a16="http://schemas.microsoft.com/office/drawing/2014/main" val="689264672"/>
-                    </a:ext>
-                  </a:extLst>
-                </a:gridCol>
-                <a:gridCol w="1334152">
-                  <a:extLst>
-                    <a:ext uri="{9D8B030D-6E8A-4147-A177-3AD203B41FA5}">
-                      <a16:colId xmlns:a16="http://schemas.microsoft.com/office/drawing/2014/main" val="2024805648"/>
-                    </a:ext>
-                  </a:extLst>
-                </a:gridCol>
-                <a:gridCol w="1334152">
-                  <a:extLst>
-                    <a:ext uri="{9D8B030D-6E8A-4147-A177-3AD203B41FA5}">
-                      <a16:colId xmlns:a16="http://schemas.microsoft.com/office/drawing/2014/main" val="3269430387"/>
-                    </a:ext>
-                  </a:extLst>
-                </a:gridCol>
-                <a:gridCol w="1334152">
-                  <a:extLst>
-                    <a:ext uri="{9D8B030D-6E8A-4147-A177-3AD203B41FA5}">
-                      <a16:colId xmlns:a16="http://schemas.microsoft.com/office/drawing/2014/main" val="3416526610"/>
-                    </a:ext>
-                  </a:extLst>
-                </a:gridCol>
-                <a:gridCol w="1334152">
-                  <a:extLst>
-                    <a:ext uri="{9D8B030D-6E8A-4147-A177-3AD203B41FA5}">
-                      <a16:colId xmlns:a16="http://schemas.microsoft.com/office/drawing/2014/main" val="247013150"/>
-                    </a:ext>
-                  </a:extLst>
-                </a:gridCol>
-              </a:tblGrid>
-              <a:tr h="325369">
-                <a:tc>
-                  <a:txBody>
-                    <a:bodyPr/>
-                    <a:lstStyle/>
-                    <a:p>
-                      <a:pPr algn="l" fontAlgn="b"/>
-                      <a:r>
-                        <a:rPr lang="en-GB" sz="1200" b="1" u="none" strike="noStrike">
-                          <a:effectLst/>
-                        </a:rPr>
-                        <a:t>Company</a:t>
-                      </a:r>
-                      <a:endParaRPr lang="en-GB" sz="1200" b="1" i="0" u="none" strike="noStrike">
-                        <a:solidFill>
-                          <a:srgbClr val="000000"/>
-                        </a:solidFill>
-                        <a:effectLst/>
-                        <a:latin typeface="Calibri" panose="020F0502020204030204" pitchFamily="34" charset="0"/>
-                      </a:endParaRPr>
-                    </a:p>
-                  </a:txBody>
-                  <a:tcPr marL="5286" marR="5286" marT="5286" marB="0" anchor="b"/>
-                </a:tc>
-                <a:tc>
-                  <a:txBody>
-                    <a:bodyPr/>
-                    <a:lstStyle/>
-                    <a:p>
-                      <a:pPr algn="l" fontAlgn="b"/>
-                      <a:r>
-                        <a:rPr lang="en-GB" sz="1200" b="1" u="none" strike="noStrike">
-                          <a:effectLst/>
-                        </a:rPr>
-                        <a:t>Valuation ($B)</a:t>
-                      </a:r>
-                      <a:endParaRPr lang="en-GB" sz="1200" b="1" i="0" u="none" strike="noStrike">
-                        <a:solidFill>
-                          <a:srgbClr val="000000"/>
-                        </a:solidFill>
-                        <a:effectLst/>
-                        <a:latin typeface="Calibri" panose="020F0502020204030204" pitchFamily="34" charset="0"/>
-                      </a:endParaRPr>
-                    </a:p>
-                  </a:txBody>
-                  <a:tcPr marL="5286" marR="5286" marT="5286" marB="0" anchor="b"/>
-                </a:tc>
-                <a:tc>
-                  <a:txBody>
-                    <a:bodyPr/>
-                    <a:lstStyle/>
-                    <a:p>
-                      <a:pPr algn="l" fontAlgn="b"/>
-                      <a:r>
-                        <a:rPr lang="en-GB" sz="1200" b="1" u="none" strike="noStrike" dirty="0">
-                          <a:effectLst/>
-                        </a:rPr>
-                        <a:t>Date Joined</a:t>
-                      </a:r>
-                      <a:endParaRPr lang="en-GB" sz="1200" b="1" i="0" u="none" strike="noStrike" dirty="0">
-                        <a:solidFill>
-                          <a:srgbClr val="000000"/>
-                        </a:solidFill>
-                        <a:effectLst/>
-                        <a:latin typeface="Calibri" panose="020F0502020204030204" pitchFamily="34" charset="0"/>
-                      </a:endParaRPr>
-                    </a:p>
-                  </a:txBody>
-                  <a:tcPr marL="5286" marR="5286" marT="5286" marB="0" anchor="b"/>
-                </a:tc>
-                <a:tc>
-                  <a:txBody>
-                    <a:bodyPr/>
-                    <a:lstStyle/>
-                    <a:p>
-                      <a:pPr algn="l" fontAlgn="b"/>
-                      <a:r>
-                        <a:rPr lang="en-GB" sz="1200" b="1" u="none" strike="noStrike" dirty="0">
-                          <a:effectLst/>
-                        </a:rPr>
-                        <a:t>Country</a:t>
-                      </a:r>
-                      <a:endParaRPr lang="en-GB" sz="1200" b="1" i="0" u="none" strike="noStrike" dirty="0">
-                        <a:solidFill>
-                          <a:srgbClr val="000000"/>
-                        </a:solidFill>
-                        <a:effectLst/>
-                        <a:latin typeface="Calibri" panose="020F0502020204030204" pitchFamily="34" charset="0"/>
-                      </a:endParaRPr>
-                    </a:p>
-                  </a:txBody>
-                  <a:tcPr marL="5286" marR="5286" marT="5286" marB="0" anchor="b"/>
-                </a:tc>
-                <a:tc>
-                  <a:txBody>
-                    <a:bodyPr/>
-                    <a:lstStyle/>
-                    <a:p>
-                      <a:pPr algn="l" fontAlgn="b"/>
-                      <a:endParaRPr lang="en-GB" sz="1200" b="1" i="0" u="none" strike="noStrike" dirty="0">
-                        <a:solidFill>
-                          <a:srgbClr val="000000"/>
-                        </a:solidFill>
-                        <a:effectLst/>
-                        <a:latin typeface="Calibri" panose="020F0502020204030204" pitchFamily="34" charset="0"/>
-                      </a:endParaRPr>
-                    </a:p>
-                  </a:txBody>
-                  <a:tcPr marL="5286" marR="5286" marT="5286" marB="0" anchor="b"/>
-                </a:tc>
-                <a:extLst>
-                  <a:ext uri="{0D108BD9-81ED-4DB2-BD59-A6C34878D82A}">
-                    <a16:rowId xmlns:a16="http://schemas.microsoft.com/office/drawing/2014/main" val="678807124"/>
-                  </a:ext>
-                </a:extLst>
-              </a:tr>
-              <a:tr h="224695">
-                <a:tc>
-                  <a:txBody>
-                    <a:bodyPr/>
-                    <a:lstStyle/>
-                    <a:p>
-                      <a:pPr algn="l" fontAlgn="b"/>
-                      <a:r>
-                        <a:rPr lang="en-GB" sz="1200" u="none" strike="noStrike">
-                          <a:effectLst/>
-                        </a:rPr>
-                        <a:t>Bytedance</a:t>
-                      </a:r>
-                      <a:endParaRPr lang="en-GB" sz="1200" b="0" i="0" u="none" strike="noStrike">
-                        <a:solidFill>
-                          <a:srgbClr val="000000"/>
-                        </a:solidFill>
-                        <a:effectLst/>
-                        <a:latin typeface="Calibri" panose="020F0502020204030204" pitchFamily="34" charset="0"/>
-                      </a:endParaRPr>
-                    </a:p>
-                  </a:txBody>
-                  <a:tcPr marL="5286" marR="5286" marT="5286" marB="0" anchor="b"/>
-                </a:tc>
-                <a:tc>
-                  <a:txBody>
-                    <a:bodyPr/>
-                    <a:lstStyle/>
-                    <a:p>
-                      <a:pPr algn="l" fontAlgn="b"/>
-                      <a:r>
-                        <a:rPr lang="en-GB" sz="1200" u="none" strike="noStrike">
-                          <a:effectLst/>
-                        </a:rPr>
-                        <a:t>$140</a:t>
-                      </a:r>
-                      <a:endParaRPr lang="en-GB" sz="1200" b="0" i="0" u="none" strike="noStrike">
-                        <a:solidFill>
-                          <a:srgbClr val="000000"/>
-                        </a:solidFill>
-                        <a:effectLst/>
-                        <a:latin typeface="Calibri" panose="020F0502020204030204" pitchFamily="34" charset="0"/>
-                      </a:endParaRPr>
-                    </a:p>
-                  </a:txBody>
-                  <a:tcPr marL="5286" marR="5286" marT="5286" marB="0" anchor="b"/>
-                </a:tc>
-                <a:tc>
-                  <a:txBody>
-                    <a:bodyPr/>
-                    <a:lstStyle/>
-                    <a:p>
-                      <a:pPr algn="l" fontAlgn="b"/>
-                      <a:r>
-                        <a:rPr lang="en-GB" sz="1200" u="none" strike="noStrike">
-                          <a:effectLst/>
-                        </a:rPr>
-                        <a:t>4/7/2017</a:t>
-                      </a:r>
-                      <a:endParaRPr lang="en-GB" sz="1200" b="0" i="0" u="none" strike="noStrike">
-                        <a:solidFill>
-                          <a:srgbClr val="000000"/>
-                        </a:solidFill>
-                        <a:effectLst/>
-                        <a:latin typeface="Calibri" panose="020F0502020204030204" pitchFamily="34" charset="0"/>
-                      </a:endParaRPr>
-                    </a:p>
-                  </a:txBody>
-                  <a:tcPr marL="5286" marR="5286" marT="5286" marB="0" anchor="b"/>
-                </a:tc>
-                <a:tc>
-                  <a:txBody>
-                    <a:bodyPr/>
-                    <a:lstStyle/>
-                    <a:p>
-                      <a:pPr algn="l" fontAlgn="b"/>
-                      <a:r>
-                        <a:rPr lang="en-GB" sz="1200" u="none" strike="noStrike" dirty="0">
-                          <a:effectLst/>
-                        </a:rPr>
-                        <a:t>China</a:t>
-                      </a:r>
-                      <a:endParaRPr lang="en-GB" sz="1200" b="0" i="0" u="none" strike="noStrike" dirty="0">
-                        <a:solidFill>
-                          <a:srgbClr val="000000"/>
-                        </a:solidFill>
-                        <a:effectLst/>
-                        <a:latin typeface="Calibri" panose="020F0502020204030204" pitchFamily="34" charset="0"/>
-                      </a:endParaRPr>
-                    </a:p>
-                  </a:txBody>
-                  <a:tcPr marL="5286" marR="5286" marT="5286" marB="0" anchor="b"/>
-                </a:tc>
-                <a:tc>
-                  <a:txBody>
-                    <a:bodyPr/>
-                    <a:lstStyle/>
-                    <a:p>
-                      <a:pPr algn="l" fontAlgn="b"/>
-                      <a:endParaRPr lang="en-GB" sz="1200" b="0" i="0" u="none" strike="noStrike" dirty="0">
-                        <a:solidFill>
-                          <a:srgbClr val="000000"/>
-                        </a:solidFill>
-                        <a:effectLst/>
-                        <a:latin typeface="Calibri" panose="020F0502020204030204" pitchFamily="34" charset="0"/>
-                      </a:endParaRPr>
-                    </a:p>
-                  </a:txBody>
-                  <a:tcPr marL="5286" marR="5286" marT="5286" marB="0" anchor="b"/>
-                </a:tc>
-                <a:extLst>
-                  <a:ext uri="{0D108BD9-81ED-4DB2-BD59-A6C34878D82A}">
-                    <a16:rowId xmlns:a16="http://schemas.microsoft.com/office/drawing/2014/main" val="2623801640"/>
-                  </a:ext>
-                </a:extLst>
-              </a:tr>
-              <a:tr h="224695">
-                <a:tc>
-                  <a:txBody>
-                    <a:bodyPr/>
-                    <a:lstStyle/>
-                    <a:p>
-                      <a:pPr algn="l" fontAlgn="b"/>
-                      <a:r>
-                        <a:rPr lang="en-GB" sz="1200" u="none" strike="noStrike">
-                          <a:effectLst/>
-                        </a:rPr>
-                        <a:t>SpaceX</a:t>
-                      </a:r>
-                      <a:endParaRPr lang="en-GB" sz="1200" b="0" i="0" u="none" strike="noStrike">
-                        <a:solidFill>
-                          <a:srgbClr val="000000"/>
-                        </a:solidFill>
-                        <a:effectLst/>
-                        <a:latin typeface="Calibri" panose="020F0502020204030204" pitchFamily="34" charset="0"/>
-                      </a:endParaRPr>
-                    </a:p>
-                  </a:txBody>
-                  <a:tcPr marL="5286" marR="5286" marT="5286" marB="0" anchor="b"/>
-                </a:tc>
-                <a:tc>
-                  <a:txBody>
-                    <a:bodyPr/>
-                    <a:lstStyle/>
-                    <a:p>
-                      <a:pPr algn="l" fontAlgn="b"/>
-                      <a:r>
-                        <a:rPr lang="en-GB" sz="1200" u="none" strike="noStrike">
-                          <a:effectLst/>
-                        </a:rPr>
-                        <a:t>$100.3</a:t>
-                      </a:r>
-                      <a:endParaRPr lang="en-GB" sz="1200" b="0" i="0" u="none" strike="noStrike">
-                        <a:solidFill>
-                          <a:srgbClr val="000000"/>
-                        </a:solidFill>
-                        <a:effectLst/>
-                        <a:latin typeface="Calibri" panose="020F0502020204030204" pitchFamily="34" charset="0"/>
-                      </a:endParaRPr>
-                    </a:p>
-                  </a:txBody>
-                  <a:tcPr marL="5286" marR="5286" marT="5286" marB="0" anchor="b"/>
-                </a:tc>
-                <a:tc>
-                  <a:txBody>
-                    <a:bodyPr/>
-                    <a:lstStyle/>
-                    <a:p>
-                      <a:pPr algn="l" fontAlgn="b"/>
-                      <a:r>
-                        <a:rPr lang="en-GB" sz="1200" u="none" strike="noStrike">
-                          <a:effectLst/>
-                        </a:rPr>
-                        <a:t>12/1/2012</a:t>
-                      </a:r>
-                      <a:endParaRPr lang="en-GB" sz="1200" b="0" i="0" u="none" strike="noStrike">
-                        <a:solidFill>
-                          <a:srgbClr val="000000"/>
-                        </a:solidFill>
-                        <a:effectLst/>
-                        <a:latin typeface="Calibri" panose="020F0502020204030204" pitchFamily="34" charset="0"/>
-                      </a:endParaRPr>
-                    </a:p>
-                  </a:txBody>
-                  <a:tcPr marL="5286" marR="5286" marT="5286" marB="0" anchor="b"/>
-                </a:tc>
-                <a:tc gridSpan="2">
-                  <a:txBody>
-                    <a:bodyPr/>
-                    <a:lstStyle/>
-                    <a:p>
-                      <a:pPr algn="l" fontAlgn="b"/>
-                      <a:r>
-                        <a:rPr lang="en-GB" sz="1200" u="none" strike="noStrike" dirty="0">
-                          <a:effectLst/>
-                        </a:rPr>
-                        <a:t>United States</a:t>
-                      </a:r>
-                      <a:endParaRPr lang="en-GB" sz="1200" b="0" i="0" u="none" strike="noStrike" dirty="0">
-                        <a:solidFill>
-                          <a:srgbClr val="000000"/>
-                        </a:solidFill>
-                        <a:effectLst/>
-                        <a:latin typeface="Calibri" panose="020F0502020204030204" pitchFamily="34" charset="0"/>
-                      </a:endParaRPr>
-                    </a:p>
-                  </a:txBody>
-                  <a:tcPr marL="5286" marR="5286" marT="5286" marB="0" anchor="b"/>
-                </a:tc>
-                <a:tc hMerge="1">
-                  <a:txBody>
-                    <a:bodyPr/>
-                    <a:lstStyle/>
-                    <a:p>
-                      <a:endParaRPr lang="en-GB"/>
-                    </a:p>
-                  </a:txBody>
-                  <a:tcPr/>
-                </a:tc>
-                <a:extLst>
-                  <a:ext uri="{0D108BD9-81ED-4DB2-BD59-A6C34878D82A}">
-                    <a16:rowId xmlns:a16="http://schemas.microsoft.com/office/drawing/2014/main" val="3443593110"/>
-                  </a:ext>
-                </a:extLst>
-              </a:tr>
-              <a:tr h="224695">
-                <a:tc>
-                  <a:txBody>
-                    <a:bodyPr/>
-                    <a:lstStyle/>
-                    <a:p>
-                      <a:pPr algn="l" fontAlgn="b"/>
-                      <a:r>
-                        <a:rPr lang="en-GB" sz="1200" u="none" strike="noStrike">
-                          <a:effectLst/>
-                        </a:rPr>
-                        <a:t>Stripe</a:t>
-                      </a:r>
-                      <a:endParaRPr lang="en-GB" sz="1200" b="0" i="0" u="none" strike="noStrike">
-                        <a:solidFill>
-                          <a:srgbClr val="000000"/>
-                        </a:solidFill>
-                        <a:effectLst/>
-                        <a:latin typeface="Calibri" panose="020F0502020204030204" pitchFamily="34" charset="0"/>
-                      </a:endParaRPr>
-                    </a:p>
-                  </a:txBody>
-                  <a:tcPr marL="5286" marR="5286" marT="5286" marB="0" anchor="b"/>
-                </a:tc>
-                <a:tc>
-                  <a:txBody>
-                    <a:bodyPr/>
-                    <a:lstStyle/>
-                    <a:p>
-                      <a:pPr algn="l" fontAlgn="b"/>
-                      <a:r>
-                        <a:rPr lang="en-GB" sz="1200" u="none" strike="noStrike">
-                          <a:effectLst/>
-                        </a:rPr>
-                        <a:t>$95</a:t>
-                      </a:r>
-                      <a:endParaRPr lang="en-GB" sz="1200" b="0" i="0" u="none" strike="noStrike">
-                        <a:solidFill>
-                          <a:srgbClr val="000000"/>
-                        </a:solidFill>
-                        <a:effectLst/>
-                        <a:latin typeface="Calibri" panose="020F0502020204030204" pitchFamily="34" charset="0"/>
-                      </a:endParaRPr>
-                    </a:p>
-                  </a:txBody>
-                  <a:tcPr marL="5286" marR="5286" marT="5286" marB="0" anchor="b"/>
-                </a:tc>
-                <a:tc>
-                  <a:txBody>
-                    <a:bodyPr/>
-                    <a:lstStyle/>
-                    <a:p>
-                      <a:pPr algn="l" fontAlgn="b"/>
-                      <a:r>
-                        <a:rPr lang="en-GB" sz="1200" u="none" strike="noStrike">
-                          <a:effectLst/>
-                        </a:rPr>
-                        <a:t>1/23/2014</a:t>
-                      </a:r>
-                      <a:endParaRPr lang="en-GB" sz="1200" b="0" i="0" u="none" strike="noStrike">
-                        <a:solidFill>
-                          <a:srgbClr val="000000"/>
-                        </a:solidFill>
-                        <a:effectLst/>
-                        <a:latin typeface="Calibri" panose="020F0502020204030204" pitchFamily="34" charset="0"/>
-                      </a:endParaRPr>
-                    </a:p>
-                  </a:txBody>
-                  <a:tcPr marL="5286" marR="5286" marT="5286" marB="0" anchor="b"/>
-                </a:tc>
-                <a:tc gridSpan="2">
-                  <a:txBody>
-                    <a:bodyPr/>
-                    <a:lstStyle/>
-                    <a:p>
-                      <a:pPr algn="l" fontAlgn="b"/>
-                      <a:r>
-                        <a:rPr lang="en-GB" sz="1200" u="none" strike="noStrike" dirty="0">
-                          <a:effectLst/>
-                        </a:rPr>
-                        <a:t>United States</a:t>
-                      </a:r>
-                      <a:endParaRPr lang="en-GB" sz="1200" b="0" i="0" u="none" strike="noStrike" dirty="0">
-                        <a:solidFill>
-                          <a:srgbClr val="000000"/>
-                        </a:solidFill>
-                        <a:effectLst/>
-                        <a:latin typeface="Calibri" panose="020F0502020204030204" pitchFamily="34" charset="0"/>
-                      </a:endParaRPr>
-                    </a:p>
-                  </a:txBody>
-                  <a:tcPr marL="5286" marR="5286" marT="5286" marB="0" anchor="b"/>
-                </a:tc>
-                <a:tc hMerge="1">
-                  <a:txBody>
-                    <a:bodyPr/>
-                    <a:lstStyle/>
-                    <a:p>
-                      <a:endParaRPr lang="en-GB"/>
-                    </a:p>
-                  </a:txBody>
-                  <a:tcPr/>
-                </a:tc>
-                <a:extLst>
-                  <a:ext uri="{0D108BD9-81ED-4DB2-BD59-A6C34878D82A}">
-                    <a16:rowId xmlns:a16="http://schemas.microsoft.com/office/drawing/2014/main" val="3238261768"/>
-                  </a:ext>
-                </a:extLst>
-              </a:tr>
-              <a:tr h="215612">
-                <a:tc>
-                  <a:txBody>
-                    <a:bodyPr/>
-                    <a:lstStyle/>
-                    <a:p>
-                      <a:pPr algn="l" fontAlgn="b"/>
-                      <a:r>
-                        <a:rPr lang="en-GB" sz="1200" u="none" strike="noStrike" dirty="0">
-                          <a:effectLst/>
-                        </a:rPr>
-                        <a:t>Klarna</a:t>
-                      </a:r>
-                      <a:endParaRPr lang="en-GB" sz="1200" b="0" i="0" u="none" strike="noStrike" dirty="0">
-                        <a:solidFill>
-                          <a:srgbClr val="000000"/>
-                        </a:solidFill>
-                        <a:effectLst/>
-                        <a:latin typeface="Calibri" panose="020F0502020204030204" pitchFamily="34" charset="0"/>
-                      </a:endParaRPr>
-                    </a:p>
-                  </a:txBody>
-                  <a:tcPr marL="5286" marR="5286" marT="5286" marB="0" anchor="b"/>
-                </a:tc>
-                <a:tc>
-                  <a:txBody>
-                    <a:bodyPr/>
-                    <a:lstStyle/>
-                    <a:p>
-                      <a:pPr algn="l" fontAlgn="b"/>
-                      <a:r>
-                        <a:rPr lang="en-GB" sz="1200" u="none" strike="noStrike">
-                          <a:effectLst/>
-                        </a:rPr>
-                        <a:t>$45.6</a:t>
-                      </a:r>
-                      <a:endParaRPr lang="en-GB" sz="1200" b="0" i="0" u="none" strike="noStrike">
-                        <a:solidFill>
-                          <a:srgbClr val="000000"/>
-                        </a:solidFill>
-                        <a:effectLst/>
-                        <a:latin typeface="Calibri" panose="020F0502020204030204" pitchFamily="34" charset="0"/>
-                      </a:endParaRPr>
-                    </a:p>
-                  </a:txBody>
-                  <a:tcPr marL="5286" marR="5286" marT="5286" marB="0" anchor="b"/>
-                </a:tc>
-                <a:tc>
-                  <a:txBody>
-                    <a:bodyPr/>
-                    <a:lstStyle/>
-                    <a:p>
-                      <a:pPr algn="l" fontAlgn="b"/>
-                      <a:r>
-                        <a:rPr lang="en-GB" sz="1200" u="none" strike="noStrike">
-                          <a:effectLst/>
-                        </a:rPr>
-                        <a:t>12/12/2011</a:t>
-                      </a:r>
-                      <a:endParaRPr lang="en-GB" sz="1200" b="0" i="0" u="none" strike="noStrike">
-                        <a:solidFill>
-                          <a:srgbClr val="000000"/>
-                        </a:solidFill>
-                        <a:effectLst/>
-                        <a:latin typeface="Calibri" panose="020F0502020204030204" pitchFamily="34" charset="0"/>
-                      </a:endParaRPr>
-                    </a:p>
-                  </a:txBody>
-                  <a:tcPr marL="5286" marR="5286" marT="5286" marB="0" anchor="b"/>
-                </a:tc>
-                <a:tc>
-                  <a:txBody>
-                    <a:bodyPr/>
-                    <a:lstStyle/>
-                    <a:p>
-                      <a:pPr algn="l" fontAlgn="b"/>
-                      <a:r>
-                        <a:rPr lang="en-GB" sz="1200" u="none" strike="noStrike">
-                          <a:effectLst/>
-                        </a:rPr>
-                        <a:t>Sweden</a:t>
-                      </a:r>
-                      <a:endParaRPr lang="en-GB" sz="1200" b="0" i="0" u="none" strike="noStrike">
-                        <a:solidFill>
-                          <a:srgbClr val="000000"/>
-                        </a:solidFill>
-                        <a:effectLst/>
-                        <a:latin typeface="Calibri" panose="020F0502020204030204" pitchFamily="34" charset="0"/>
-                      </a:endParaRPr>
-                    </a:p>
-                  </a:txBody>
-                  <a:tcPr marL="5286" marR="5286" marT="5286" marB="0" anchor="b"/>
-                </a:tc>
-                <a:tc>
-                  <a:txBody>
-                    <a:bodyPr/>
-                    <a:lstStyle/>
-                    <a:p>
-                      <a:pPr algn="l" fontAlgn="b"/>
-                      <a:endParaRPr lang="en-GB" sz="1200" b="0" i="0" u="none" strike="noStrike" dirty="0">
-                        <a:solidFill>
-                          <a:srgbClr val="000000"/>
-                        </a:solidFill>
-                        <a:effectLst/>
-                        <a:latin typeface="Calibri" panose="020F0502020204030204" pitchFamily="34" charset="0"/>
-                      </a:endParaRPr>
-                    </a:p>
-                  </a:txBody>
-                  <a:tcPr marL="5286" marR="5286" marT="5286" marB="0" anchor="b"/>
-                </a:tc>
-                <a:extLst>
-                  <a:ext uri="{0D108BD9-81ED-4DB2-BD59-A6C34878D82A}">
-                    <a16:rowId xmlns:a16="http://schemas.microsoft.com/office/drawing/2014/main" val="3294421581"/>
-                  </a:ext>
-                </a:extLst>
-              </a:tr>
-              <a:tr h="246990">
-                <a:tc>
-                  <a:txBody>
-                    <a:bodyPr/>
-                    <a:lstStyle/>
-                    <a:p>
-                      <a:pPr algn="l" fontAlgn="b"/>
-                      <a:r>
-                        <a:rPr lang="en-GB" sz="1200" u="none" strike="noStrike">
-                          <a:effectLst/>
-                        </a:rPr>
-                        <a:t>Epic Games</a:t>
-                      </a:r>
-                      <a:endParaRPr lang="en-GB" sz="1200" b="0" i="0" u="none" strike="noStrike">
-                        <a:solidFill>
-                          <a:srgbClr val="000000"/>
-                        </a:solidFill>
-                        <a:effectLst/>
-                        <a:latin typeface="Calibri" panose="020F0502020204030204" pitchFamily="34" charset="0"/>
-                      </a:endParaRPr>
-                    </a:p>
-                  </a:txBody>
-                  <a:tcPr marL="5286" marR="5286" marT="5286" marB="0" anchor="b"/>
-                </a:tc>
-                <a:tc>
-                  <a:txBody>
-                    <a:bodyPr/>
-                    <a:lstStyle/>
-                    <a:p>
-                      <a:pPr algn="l" fontAlgn="b"/>
-                      <a:r>
-                        <a:rPr lang="en-GB" sz="1200" u="none" strike="noStrike">
-                          <a:effectLst/>
-                        </a:rPr>
-                        <a:t>$42</a:t>
-                      </a:r>
-                      <a:endParaRPr lang="en-GB" sz="1200" b="0" i="0" u="none" strike="noStrike">
-                        <a:solidFill>
-                          <a:srgbClr val="000000"/>
-                        </a:solidFill>
-                        <a:effectLst/>
-                        <a:latin typeface="Calibri" panose="020F0502020204030204" pitchFamily="34" charset="0"/>
-                      </a:endParaRPr>
-                    </a:p>
-                  </a:txBody>
-                  <a:tcPr marL="5286" marR="5286" marT="5286" marB="0" anchor="b"/>
-                </a:tc>
-                <a:tc>
-                  <a:txBody>
-                    <a:bodyPr/>
-                    <a:lstStyle/>
-                    <a:p>
-                      <a:pPr algn="l" fontAlgn="b"/>
-                      <a:r>
-                        <a:rPr lang="en-GB" sz="1200" u="none" strike="noStrike">
-                          <a:effectLst/>
-                        </a:rPr>
-                        <a:t>10/26/2018</a:t>
-                      </a:r>
-                      <a:endParaRPr lang="en-GB" sz="1200" b="0" i="0" u="none" strike="noStrike">
-                        <a:solidFill>
-                          <a:srgbClr val="000000"/>
-                        </a:solidFill>
-                        <a:effectLst/>
-                        <a:latin typeface="Calibri" panose="020F0502020204030204" pitchFamily="34" charset="0"/>
-                      </a:endParaRPr>
-                    </a:p>
-                  </a:txBody>
-                  <a:tcPr marL="5286" marR="5286" marT="5286" marB="0" anchor="b"/>
-                </a:tc>
-                <a:tc gridSpan="2">
-                  <a:txBody>
-                    <a:bodyPr/>
-                    <a:lstStyle/>
-                    <a:p>
-                      <a:pPr algn="l" fontAlgn="b"/>
-                      <a:r>
-                        <a:rPr lang="en-GB" sz="1200" u="none" strike="noStrike" dirty="0">
-                          <a:effectLst/>
-                        </a:rPr>
-                        <a:t>United States</a:t>
-                      </a:r>
-                      <a:endParaRPr lang="en-GB" sz="1200" b="0" i="0" u="none" strike="noStrike" dirty="0">
-                        <a:solidFill>
-                          <a:srgbClr val="000000"/>
-                        </a:solidFill>
-                        <a:effectLst/>
-                        <a:latin typeface="Calibri" panose="020F0502020204030204" pitchFamily="34" charset="0"/>
-                      </a:endParaRPr>
-                    </a:p>
-                  </a:txBody>
-                  <a:tcPr marL="5286" marR="5286" marT="5286" marB="0" anchor="b"/>
-                </a:tc>
-                <a:tc hMerge="1">
-                  <a:txBody>
-                    <a:bodyPr/>
-                    <a:lstStyle/>
-                    <a:p>
-                      <a:endParaRPr lang="en-GB"/>
-                    </a:p>
-                  </a:txBody>
-                  <a:tcPr/>
-                </a:tc>
-                <a:extLst>
-                  <a:ext uri="{0D108BD9-81ED-4DB2-BD59-A6C34878D82A}">
-                    <a16:rowId xmlns:a16="http://schemas.microsoft.com/office/drawing/2014/main" val="3655231650"/>
-                  </a:ext>
-                </a:extLst>
-              </a:tr>
-              <a:tr h="224695">
-                <a:tc>
-                  <a:txBody>
-                    <a:bodyPr/>
-                    <a:lstStyle/>
-                    <a:p>
-                      <a:pPr algn="l" fontAlgn="b"/>
-                      <a:r>
-                        <a:rPr lang="en-GB" sz="1200" u="none" strike="noStrike">
-                          <a:effectLst/>
-                        </a:rPr>
-                        <a:t>Canva</a:t>
-                      </a:r>
-                      <a:endParaRPr lang="en-GB" sz="1200" b="0" i="0" u="none" strike="noStrike">
-                        <a:solidFill>
-                          <a:srgbClr val="000000"/>
-                        </a:solidFill>
-                        <a:effectLst/>
-                        <a:latin typeface="Calibri" panose="020F0502020204030204" pitchFamily="34" charset="0"/>
-                      </a:endParaRPr>
-                    </a:p>
-                  </a:txBody>
-                  <a:tcPr marL="5286" marR="5286" marT="5286" marB="0" anchor="b"/>
-                </a:tc>
-                <a:tc>
-                  <a:txBody>
-                    <a:bodyPr/>
-                    <a:lstStyle/>
-                    <a:p>
-                      <a:pPr algn="l" fontAlgn="b"/>
-                      <a:r>
-                        <a:rPr lang="en-GB" sz="1200" u="none" strike="noStrike">
-                          <a:effectLst/>
-                        </a:rPr>
-                        <a:t>$40</a:t>
-                      </a:r>
-                      <a:endParaRPr lang="en-GB" sz="1200" b="0" i="0" u="none" strike="noStrike">
-                        <a:solidFill>
-                          <a:srgbClr val="000000"/>
-                        </a:solidFill>
-                        <a:effectLst/>
-                        <a:latin typeface="Calibri" panose="020F0502020204030204" pitchFamily="34" charset="0"/>
-                      </a:endParaRPr>
-                    </a:p>
-                  </a:txBody>
-                  <a:tcPr marL="5286" marR="5286" marT="5286" marB="0" anchor="b"/>
-                </a:tc>
-                <a:tc>
-                  <a:txBody>
-                    <a:bodyPr/>
-                    <a:lstStyle/>
-                    <a:p>
-                      <a:pPr algn="l" fontAlgn="b"/>
-                      <a:r>
-                        <a:rPr lang="en-GB" sz="1200" u="none" strike="noStrike">
-                          <a:effectLst/>
-                        </a:rPr>
-                        <a:t>1/8/2018</a:t>
-                      </a:r>
-                      <a:endParaRPr lang="en-GB" sz="1200" b="0" i="0" u="none" strike="noStrike">
-                        <a:solidFill>
-                          <a:srgbClr val="000000"/>
-                        </a:solidFill>
-                        <a:effectLst/>
-                        <a:latin typeface="Calibri" panose="020F0502020204030204" pitchFamily="34" charset="0"/>
-                      </a:endParaRPr>
-                    </a:p>
-                  </a:txBody>
-                  <a:tcPr marL="5286" marR="5286" marT="5286" marB="0" anchor="b"/>
-                </a:tc>
-                <a:tc>
-                  <a:txBody>
-                    <a:bodyPr/>
-                    <a:lstStyle/>
-                    <a:p>
-                      <a:pPr algn="l" fontAlgn="b"/>
-                      <a:r>
-                        <a:rPr lang="en-GB" sz="1200" u="none" strike="noStrike">
-                          <a:effectLst/>
-                        </a:rPr>
-                        <a:t>Australia</a:t>
-                      </a:r>
-                      <a:endParaRPr lang="en-GB" sz="1200" b="0" i="0" u="none" strike="noStrike">
-                        <a:solidFill>
-                          <a:srgbClr val="000000"/>
-                        </a:solidFill>
-                        <a:effectLst/>
-                        <a:latin typeface="Calibri" panose="020F0502020204030204" pitchFamily="34" charset="0"/>
-                      </a:endParaRPr>
-                    </a:p>
-                  </a:txBody>
-                  <a:tcPr marL="5286" marR="5286" marT="5286" marB="0" anchor="b"/>
-                </a:tc>
-                <a:tc>
-                  <a:txBody>
-                    <a:bodyPr/>
-                    <a:lstStyle/>
-                    <a:p>
-                      <a:pPr algn="l" fontAlgn="b"/>
-                      <a:endParaRPr lang="en-GB" sz="1200" b="0" i="0" u="none" strike="noStrike">
-                        <a:solidFill>
-                          <a:srgbClr val="000000"/>
-                        </a:solidFill>
-                        <a:effectLst/>
-                        <a:latin typeface="Calibri" panose="020F0502020204030204" pitchFamily="34" charset="0"/>
-                      </a:endParaRPr>
-                    </a:p>
-                  </a:txBody>
-                  <a:tcPr marL="5286" marR="5286" marT="5286" marB="0" anchor="b"/>
-                </a:tc>
-                <a:extLst>
-                  <a:ext uri="{0D108BD9-81ED-4DB2-BD59-A6C34878D82A}">
-                    <a16:rowId xmlns:a16="http://schemas.microsoft.com/office/drawing/2014/main" val="1230431584"/>
-                  </a:ext>
-                </a:extLst>
-              </a:tr>
-              <a:tr h="263311">
-                <a:tc>
-                  <a:txBody>
-                    <a:bodyPr/>
-                    <a:lstStyle/>
-                    <a:p>
-                      <a:pPr algn="l" fontAlgn="b"/>
-                      <a:r>
-                        <a:rPr lang="en-GB" sz="1200" u="none" strike="noStrike" dirty="0">
-                          <a:effectLst/>
-                        </a:rPr>
-                        <a:t>Checkout.com</a:t>
-                      </a:r>
-                      <a:endParaRPr lang="en-GB" sz="1200" b="0" i="0" u="none" strike="noStrike" dirty="0">
-                        <a:solidFill>
-                          <a:srgbClr val="000000"/>
-                        </a:solidFill>
-                        <a:effectLst/>
-                        <a:latin typeface="Calibri" panose="020F0502020204030204" pitchFamily="34" charset="0"/>
-                      </a:endParaRPr>
-                    </a:p>
-                  </a:txBody>
-                  <a:tcPr marL="5286" marR="5286" marT="5286" marB="0" anchor="b"/>
-                </a:tc>
-                <a:tc>
-                  <a:txBody>
-                    <a:bodyPr/>
-                    <a:lstStyle/>
-                    <a:p>
-                      <a:pPr algn="l" fontAlgn="b"/>
-                      <a:r>
-                        <a:rPr lang="en-GB" sz="1200" u="none" strike="noStrike">
-                          <a:effectLst/>
-                        </a:rPr>
-                        <a:t>$40</a:t>
-                      </a:r>
-                      <a:endParaRPr lang="en-GB" sz="1200" b="0" i="0" u="none" strike="noStrike">
-                        <a:solidFill>
-                          <a:srgbClr val="000000"/>
-                        </a:solidFill>
-                        <a:effectLst/>
-                        <a:latin typeface="Calibri" panose="020F0502020204030204" pitchFamily="34" charset="0"/>
-                      </a:endParaRPr>
-                    </a:p>
-                  </a:txBody>
-                  <a:tcPr marL="5286" marR="5286" marT="5286" marB="0" anchor="b"/>
-                </a:tc>
-                <a:tc>
-                  <a:txBody>
-                    <a:bodyPr/>
-                    <a:lstStyle/>
-                    <a:p>
-                      <a:pPr algn="l" fontAlgn="b"/>
-                      <a:r>
-                        <a:rPr lang="en-GB" sz="1200" u="none" strike="noStrike">
-                          <a:effectLst/>
-                        </a:rPr>
-                        <a:t>5/2/2019</a:t>
-                      </a:r>
-                      <a:endParaRPr lang="en-GB" sz="1200" b="0" i="0" u="none" strike="noStrike">
-                        <a:solidFill>
-                          <a:srgbClr val="000000"/>
-                        </a:solidFill>
-                        <a:effectLst/>
-                        <a:latin typeface="Calibri" panose="020F0502020204030204" pitchFamily="34" charset="0"/>
-                      </a:endParaRPr>
-                    </a:p>
-                  </a:txBody>
-                  <a:tcPr marL="5286" marR="5286" marT="5286" marB="0" anchor="b"/>
-                </a:tc>
-                <a:tc gridSpan="2">
-                  <a:txBody>
-                    <a:bodyPr/>
-                    <a:lstStyle/>
-                    <a:p>
-                      <a:pPr algn="l" fontAlgn="b"/>
-                      <a:r>
-                        <a:rPr lang="en-GB" sz="1200" u="none" strike="noStrike">
-                          <a:effectLst/>
-                        </a:rPr>
-                        <a:t>United Kingdom</a:t>
-                      </a:r>
-                      <a:endParaRPr lang="en-GB" sz="1200" b="0" i="0" u="none" strike="noStrike">
-                        <a:solidFill>
-                          <a:srgbClr val="000000"/>
-                        </a:solidFill>
-                        <a:effectLst/>
-                        <a:latin typeface="Calibri" panose="020F0502020204030204" pitchFamily="34" charset="0"/>
-                      </a:endParaRPr>
-                    </a:p>
-                  </a:txBody>
-                  <a:tcPr marL="5286" marR="5286" marT="5286" marB="0" anchor="b"/>
-                </a:tc>
-                <a:tc hMerge="1">
-                  <a:txBody>
-                    <a:bodyPr/>
-                    <a:lstStyle/>
-                    <a:p>
-                      <a:endParaRPr lang="en-GB"/>
-                    </a:p>
-                  </a:txBody>
-                  <a:tcPr/>
-                </a:tc>
-                <a:extLst>
-                  <a:ext uri="{0D108BD9-81ED-4DB2-BD59-A6C34878D82A}">
-                    <a16:rowId xmlns:a16="http://schemas.microsoft.com/office/drawing/2014/main" val="3320254073"/>
-                  </a:ext>
-                </a:extLst>
-              </a:tr>
-              <a:tr h="215612">
-                <a:tc>
-                  <a:txBody>
-                    <a:bodyPr/>
-                    <a:lstStyle/>
-                    <a:p>
-                      <a:pPr algn="l" fontAlgn="b"/>
-                      <a:r>
-                        <a:rPr lang="en-GB" sz="1200" u="none" strike="noStrike">
-                          <a:effectLst/>
-                        </a:rPr>
-                        <a:t>Instacart</a:t>
-                      </a:r>
-                      <a:endParaRPr lang="en-GB" sz="1200" b="0" i="0" u="none" strike="noStrike">
-                        <a:solidFill>
-                          <a:srgbClr val="000000"/>
-                        </a:solidFill>
-                        <a:effectLst/>
-                        <a:latin typeface="Calibri" panose="020F0502020204030204" pitchFamily="34" charset="0"/>
-                      </a:endParaRPr>
-                    </a:p>
-                  </a:txBody>
-                  <a:tcPr marL="5286" marR="5286" marT="5286" marB="0" anchor="b"/>
-                </a:tc>
-                <a:tc>
-                  <a:txBody>
-                    <a:bodyPr/>
-                    <a:lstStyle/>
-                    <a:p>
-                      <a:pPr algn="l" fontAlgn="b"/>
-                      <a:r>
-                        <a:rPr lang="en-GB" sz="1200" u="none" strike="noStrike">
-                          <a:effectLst/>
-                        </a:rPr>
-                        <a:t>$39</a:t>
-                      </a:r>
-                      <a:endParaRPr lang="en-GB" sz="1200" b="0" i="0" u="none" strike="noStrike">
-                        <a:solidFill>
-                          <a:srgbClr val="000000"/>
-                        </a:solidFill>
-                        <a:effectLst/>
-                        <a:latin typeface="Calibri" panose="020F0502020204030204" pitchFamily="34" charset="0"/>
-                      </a:endParaRPr>
-                    </a:p>
-                  </a:txBody>
-                  <a:tcPr marL="5286" marR="5286" marT="5286" marB="0" anchor="b"/>
-                </a:tc>
-                <a:tc>
-                  <a:txBody>
-                    <a:bodyPr/>
-                    <a:lstStyle/>
-                    <a:p>
-                      <a:pPr algn="l" fontAlgn="b"/>
-                      <a:r>
-                        <a:rPr lang="en-GB" sz="1200" u="none" strike="noStrike">
-                          <a:effectLst/>
-                        </a:rPr>
-                        <a:t>12/30/2014</a:t>
-                      </a:r>
-                      <a:endParaRPr lang="en-GB" sz="1200" b="0" i="0" u="none" strike="noStrike">
-                        <a:solidFill>
-                          <a:srgbClr val="000000"/>
-                        </a:solidFill>
-                        <a:effectLst/>
-                        <a:latin typeface="Calibri" panose="020F0502020204030204" pitchFamily="34" charset="0"/>
-                      </a:endParaRPr>
-                    </a:p>
-                  </a:txBody>
-                  <a:tcPr marL="5286" marR="5286" marT="5286" marB="0" anchor="b"/>
-                </a:tc>
-                <a:tc gridSpan="2">
-                  <a:txBody>
-                    <a:bodyPr/>
-                    <a:lstStyle/>
-                    <a:p>
-                      <a:pPr algn="l" fontAlgn="b"/>
-                      <a:r>
-                        <a:rPr lang="en-GB" sz="1200" u="none" strike="noStrike">
-                          <a:effectLst/>
-                        </a:rPr>
-                        <a:t>United States</a:t>
-                      </a:r>
-                      <a:endParaRPr lang="en-GB" sz="1200" b="0" i="0" u="none" strike="noStrike">
-                        <a:solidFill>
-                          <a:srgbClr val="000000"/>
-                        </a:solidFill>
-                        <a:effectLst/>
-                        <a:latin typeface="Calibri" panose="020F0502020204030204" pitchFamily="34" charset="0"/>
-                      </a:endParaRPr>
-                    </a:p>
-                  </a:txBody>
-                  <a:tcPr marL="5286" marR="5286" marT="5286" marB="0" anchor="b"/>
-                </a:tc>
-                <a:tc hMerge="1">
-                  <a:txBody>
-                    <a:bodyPr/>
-                    <a:lstStyle/>
-                    <a:p>
-                      <a:endParaRPr lang="en-GB"/>
-                    </a:p>
-                  </a:txBody>
-                  <a:tcPr/>
-                </a:tc>
-                <a:extLst>
-                  <a:ext uri="{0D108BD9-81ED-4DB2-BD59-A6C34878D82A}">
-                    <a16:rowId xmlns:a16="http://schemas.microsoft.com/office/drawing/2014/main" val="3538045890"/>
-                  </a:ext>
-                </a:extLst>
-              </a:tr>
-              <a:tr h="224695">
-                <a:tc>
-                  <a:txBody>
-                    <a:bodyPr/>
-                    <a:lstStyle/>
-                    <a:p>
-                      <a:pPr algn="l" fontAlgn="b"/>
-                      <a:r>
-                        <a:rPr lang="en-GB" sz="1200" u="none" strike="noStrike">
-                          <a:effectLst/>
-                        </a:rPr>
-                        <a:t>Databricks</a:t>
-                      </a:r>
-                      <a:endParaRPr lang="en-GB" sz="1200" b="0" i="0" u="none" strike="noStrike">
-                        <a:solidFill>
-                          <a:srgbClr val="000000"/>
-                        </a:solidFill>
-                        <a:effectLst/>
-                        <a:latin typeface="Calibri" panose="020F0502020204030204" pitchFamily="34" charset="0"/>
-                      </a:endParaRPr>
-                    </a:p>
-                  </a:txBody>
-                  <a:tcPr marL="5286" marR="5286" marT="5286" marB="0" anchor="b"/>
-                </a:tc>
-                <a:tc>
-                  <a:txBody>
-                    <a:bodyPr/>
-                    <a:lstStyle/>
-                    <a:p>
-                      <a:pPr algn="l" fontAlgn="b"/>
-                      <a:r>
-                        <a:rPr lang="en-GB" sz="1200" u="none" strike="noStrike">
-                          <a:effectLst/>
-                        </a:rPr>
-                        <a:t>$38</a:t>
-                      </a:r>
-                      <a:endParaRPr lang="en-GB" sz="1200" b="0" i="0" u="none" strike="noStrike">
-                        <a:solidFill>
-                          <a:srgbClr val="000000"/>
-                        </a:solidFill>
-                        <a:effectLst/>
-                        <a:latin typeface="Calibri" panose="020F0502020204030204" pitchFamily="34" charset="0"/>
-                      </a:endParaRPr>
-                    </a:p>
-                  </a:txBody>
-                  <a:tcPr marL="5286" marR="5286" marT="5286" marB="0" anchor="b"/>
-                </a:tc>
-                <a:tc>
-                  <a:txBody>
-                    <a:bodyPr/>
-                    <a:lstStyle/>
-                    <a:p>
-                      <a:pPr algn="l" fontAlgn="b"/>
-                      <a:r>
-                        <a:rPr lang="en-GB" sz="1200" u="none" strike="noStrike">
-                          <a:effectLst/>
-                        </a:rPr>
-                        <a:t>2/5/2019</a:t>
-                      </a:r>
-                      <a:endParaRPr lang="en-GB" sz="1200" b="0" i="0" u="none" strike="noStrike">
-                        <a:solidFill>
-                          <a:srgbClr val="000000"/>
-                        </a:solidFill>
-                        <a:effectLst/>
-                        <a:latin typeface="Calibri" panose="020F0502020204030204" pitchFamily="34" charset="0"/>
-                      </a:endParaRPr>
-                    </a:p>
-                  </a:txBody>
-                  <a:tcPr marL="5286" marR="5286" marT="5286" marB="0" anchor="b"/>
-                </a:tc>
-                <a:tc gridSpan="2">
-                  <a:txBody>
-                    <a:bodyPr/>
-                    <a:lstStyle/>
-                    <a:p>
-                      <a:pPr algn="l" fontAlgn="b"/>
-                      <a:r>
-                        <a:rPr lang="en-GB" sz="1200" u="none" strike="noStrike">
-                          <a:effectLst/>
-                        </a:rPr>
-                        <a:t>United States</a:t>
-                      </a:r>
-                      <a:endParaRPr lang="en-GB" sz="1200" b="0" i="0" u="none" strike="noStrike">
-                        <a:solidFill>
-                          <a:srgbClr val="000000"/>
-                        </a:solidFill>
-                        <a:effectLst/>
-                        <a:latin typeface="Calibri" panose="020F0502020204030204" pitchFamily="34" charset="0"/>
-                      </a:endParaRPr>
-                    </a:p>
-                  </a:txBody>
-                  <a:tcPr marL="5286" marR="5286" marT="5286" marB="0" anchor="b"/>
-                </a:tc>
-                <a:tc hMerge="1">
-                  <a:txBody>
-                    <a:bodyPr/>
-                    <a:lstStyle/>
-                    <a:p>
-                      <a:endParaRPr lang="en-GB"/>
-                    </a:p>
-                  </a:txBody>
-                  <a:tcPr/>
-                </a:tc>
-                <a:extLst>
-                  <a:ext uri="{0D108BD9-81ED-4DB2-BD59-A6C34878D82A}">
-                    <a16:rowId xmlns:a16="http://schemas.microsoft.com/office/drawing/2014/main" val="3379435483"/>
-                  </a:ext>
-                </a:extLst>
-              </a:tr>
-              <a:tr h="224695">
-                <a:tc>
-                  <a:txBody>
-                    <a:bodyPr/>
-                    <a:lstStyle/>
-                    <a:p>
-                      <a:pPr algn="l" fontAlgn="b"/>
-                      <a:r>
-                        <a:rPr lang="en-GB" sz="1200" u="none" strike="noStrike">
-                          <a:effectLst/>
-                        </a:rPr>
-                        <a:t>Revolut</a:t>
-                      </a:r>
-                      <a:endParaRPr lang="en-GB" sz="1200" b="0" i="0" u="none" strike="noStrike">
-                        <a:solidFill>
-                          <a:srgbClr val="000000"/>
-                        </a:solidFill>
-                        <a:effectLst/>
-                        <a:latin typeface="Calibri" panose="020F0502020204030204" pitchFamily="34" charset="0"/>
-                      </a:endParaRPr>
-                    </a:p>
-                  </a:txBody>
-                  <a:tcPr marL="5286" marR="5286" marT="5286" marB="0" anchor="b"/>
-                </a:tc>
-                <a:tc>
-                  <a:txBody>
-                    <a:bodyPr/>
-                    <a:lstStyle/>
-                    <a:p>
-                      <a:pPr algn="l" fontAlgn="b"/>
-                      <a:r>
-                        <a:rPr lang="en-GB" sz="1200" u="none" strike="noStrike">
-                          <a:effectLst/>
-                        </a:rPr>
-                        <a:t>$33</a:t>
-                      </a:r>
-                      <a:endParaRPr lang="en-GB" sz="1200" b="0" i="0" u="none" strike="noStrike">
-                        <a:solidFill>
-                          <a:srgbClr val="000000"/>
-                        </a:solidFill>
-                        <a:effectLst/>
-                        <a:latin typeface="Calibri" panose="020F0502020204030204" pitchFamily="34" charset="0"/>
-                      </a:endParaRPr>
-                    </a:p>
-                  </a:txBody>
-                  <a:tcPr marL="5286" marR="5286" marT="5286" marB="0" anchor="b"/>
-                </a:tc>
-                <a:tc>
-                  <a:txBody>
-                    <a:bodyPr/>
-                    <a:lstStyle/>
-                    <a:p>
-                      <a:pPr algn="l" fontAlgn="b"/>
-                      <a:r>
-                        <a:rPr lang="en-GB" sz="1200" u="none" strike="noStrike">
-                          <a:effectLst/>
-                        </a:rPr>
-                        <a:t>4/26/2018</a:t>
-                      </a:r>
-                      <a:endParaRPr lang="en-GB" sz="1200" b="0" i="0" u="none" strike="noStrike">
-                        <a:solidFill>
-                          <a:srgbClr val="000000"/>
-                        </a:solidFill>
-                        <a:effectLst/>
-                        <a:latin typeface="Calibri" panose="020F0502020204030204" pitchFamily="34" charset="0"/>
-                      </a:endParaRPr>
-                    </a:p>
-                  </a:txBody>
-                  <a:tcPr marL="5286" marR="5286" marT="5286" marB="0" anchor="b"/>
-                </a:tc>
-                <a:tc gridSpan="2">
-                  <a:txBody>
-                    <a:bodyPr/>
-                    <a:lstStyle/>
-                    <a:p>
-                      <a:pPr algn="l" fontAlgn="b"/>
-                      <a:r>
-                        <a:rPr lang="en-GB" sz="1200" u="none" strike="noStrike">
-                          <a:effectLst/>
-                        </a:rPr>
-                        <a:t>United Kingdom</a:t>
-                      </a:r>
-                      <a:endParaRPr lang="en-GB" sz="1200" b="0" i="0" u="none" strike="noStrike">
-                        <a:solidFill>
-                          <a:srgbClr val="000000"/>
-                        </a:solidFill>
-                        <a:effectLst/>
-                        <a:latin typeface="Calibri" panose="020F0502020204030204" pitchFamily="34" charset="0"/>
-                      </a:endParaRPr>
-                    </a:p>
-                  </a:txBody>
-                  <a:tcPr marL="5286" marR="5286" marT="5286" marB="0" anchor="b"/>
-                </a:tc>
-                <a:tc hMerge="1">
-                  <a:txBody>
-                    <a:bodyPr/>
-                    <a:lstStyle/>
-                    <a:p>
-                      <a:endParaRPr lang="en-GB"/>
-                    </a:p>
-                  </a:txBody>
-                  <a:tcPr/>
-                </a:tc>
-                <a:extLst>
-                  <a:ext uri="{0D108BD9-81ED-4DB2-BD59-A6C34878D82A}">
-                    <a16:rowId xmlns:a16="http://schemas.microsoft.com/office/drawing/2014/main" val="1198607929"/>
-                  </a:ext>
-                </a:extLst>
-              </a:tr>
-              <a:tr h="224695">
-                <a:tc>
-                  <a:txBody>
-                    <a:bodyPr/>
-                    <a:lstStyle/>
-                    <a:p>
-                      <a:pPr algn="l" fontAlgn="b"/>
-                      <a:r>
-                        <a:rPr lang="en-GB" sz="1200" u="none" strike="noStrike">
-                          <a:effectLst/>
-                        </a:rPr>
-                        <a:t>Chime</a:t>
-                      </a:r>
-                      <a:endParaRPr lang="en-GB" sz="1200" b="0" i="0" u="none" strike="noStrike">
-                        <a:solidFill>
-                          <a:srgbClr val="000000"/>
-                        </a:solidFill>
-                        <a:effectLst/>
-                        <a:latin typeface="Calibri" panose="020F0502020204030204" pitchFamily="34" charset="0"/>
-                      </a:endParaRPr>
-                    </a:p>
-                  </a:txBody>
-                  <a:tcPr marL="5286" marR="5286" marT="5286" marB="0" anchor="b"/>
-                </a:tc>
-                <a:tc>
-                  <a:txBody>
-                    <a:bodyPr/>
-                    <a:lstStyle/>
-                    <a:p>
-                      <a:pPr algn="l" fontAlgn="b"/>
-                      <a:r>
-                        <a:rPr lang="en-GB" sz="1200" u="none" strike="noStrike">
-                          <a:effectLst/>
-                        </a:rPr>
-                        <a:t>$25</a:t>
-                      </a:r>
-                      <a:endParaRPr lang="en-GB" sz="1200" b="0" i="0" u="none" strike="noStrike">
-                        <a:solidFill>
-                          <a:srgbClr val="000000"/>
-                        </a:solidFill>
-                        <a:effectLst/>
-                        <a:latin typeface="Calibri" panose="020F0502020204030204" pitchFamily="34" charset="0"/>
-                      </a:endParaRPr>
-                    </a:p>
-                  </a:txBody>
-                  <a:tcPr marL="5286" marR="5286" marT="5286" marB="0" anchor="b"/>
-                </a:tc>
-                <a:tc>
-                  <a:txBody>
-                    <a:bodyPr/>
-                    <a:lstStyle/>
-                    <a:p>
-                      <a:pPr algn="l" fontAlgn="b"/>
-                      <a:r>
-                        <a:rPr lang="en-GB" sz="1200" u="none" strike="noStrike">
-                          <a:effectLst/>
-                        </a:rPr>
-                        <a:t>3/5/2019</a:t>
-                      </a:r>
-                      <a:endParaRPr lang="en-GB" sz="1200" b="0" i="0" u="none" strike="noStrike">
-                        <a:solidFill>
-                          <a:srgbClr val="000000"/>
-                        </a:solidFill>
-                        <a:effectLst/>
-                        <a:latin typeface="Calibri" panose="020F0502020204030204" pitchFamily="34" charset="0"/>
-                      </a:endParaRPr>
-                    </a:p>
-                  </a:txBody>
-                  <a:tcPr marL="5286" marR="5286" marT="5286" marB="0" anchor="b"/>
-                </a:tc>
-                <a:tc gridSpan="2">
-                  <a:txBody>
-                    <a:bodyPr/>
-                    <a:lstStyle/>
-                    <a:p>
-                      <a:pPr algn="l" fontAlgn="b"/>
-                      <a:r>
-                        <a:rPr lang="en-GB" sz="1200" u="none" strike="noStrike" dirty="0">
-                          <a:effectLst/>
-                        </a:rPr>
-                        <a:t>United States</a:t>
-                      </a:r>
-                      <a:endParaRPr lang="en-GB" sz="1200" b="0" i="0" u="none" strike="noStrike" dirty="0">
-                        <a:solidFill>
-                          <a:srgbClr val="000000"/>
-                        </a:solidFill>
-                        <a:effectLst/>
-                        <a:latin typeface="Calibri" panose="020F0502020204030204" pitchFamily="34" charset="0"/>
-                      </a:endParaRPr>
-                    </a:p>
-                  </a:txBody>
-                  <a:tcPr marL="5286" marR="5286" marT="5286" marB="0" anchor="b"/>
-                </a:tc>
-                <a:tc hMerge="1">
-                  <a:txBody>
-                    <a:bodyPr/>
-                    <a:lstStyle/>
-                    <a:p>
-                      <a:endParaRPr lang="en-GB"/>
-                    </a:p>
-                  </a:txBody>
-                  <a:tcPr/>
-                </a:tc>
-                <a:extLst>
-                  <a:ext uri="{0D108BD9-81ED-4DB2-BD59-A6C34878D82A}">
-                    <a16:rowId xmlns:a16="http://schemas.microsoft.com/office/drawing/2014/main" val="3157507781"/>
-                  </a:ext>
-                </a:extLst>
-              </a:tr>
-            </a:tbl>
-          </a:graphicData>
-        </a:graphic>
-      </p:graphicFrame>
-      <p:sp>
-        <p:nvSpPr>
-          <p:cNvPr id="14" name="TextBox 13">
-            <a:extLst>
-              <a:ext uri="{FF2B5EF4-FFF2-40B4-BE49-F238E27FC236}">
-                <a16:creationId xmlns:a16="http://schemas.microsoft.com/office/drawing/2014/main" id="{0A4C457C-5DA3-C517-09E5-B11F2D78DF70}"/>
-              </a:ext>
-            </a:extLst>
-          </p:cNvPr>
-          <p:cNvSpPr txBox="1"/>
-          <p:nvPr/>
-        </p:nvSpPr>
-        <p:spPr>
-          <a:xfrm>
-            <a:off x="501041" y="5085731"/>
-            <a:ext cx="11690959" cy="1477328"/>
-          </a:xfrm>
-          <a:prstGeom prst="rect">
-            <a:avLst/>
-          </a:prstGeom>
-          <a:solidFill>
-            <a:srgbClr val="FFFF00"/>
-          </a:solidFill>
-        </p:spPr>
-        <p:txBody>
-          <a:bodyPr wrap="square">
-            <a:spAutoFit/>
-          </a:bodyPr>
-          <a:lstStyle/>
-          <a:p>
-            <a:r>
-              <a:rPr lang="en-US" baseline="30000" dirty="0">
-                <a:solidFill>
-                  <a:srgbClr val="FF0000"/>
-                </a:solidFill>
-                <a:latin typeface="Calibri" panose="020F0502020204030204" pitchFamily="34" charset="0"/>
-                <a:cs typeface="Calibri" panose="020F0502020204030204" pitchFamily="34" charset="0"/>
-              </a:rPr>
-              <a:t>1 </a:t>
-            </a:r>
-            <a:r>
-              <a:rPr lang="en-US" sz="1800" b="0" dirty="0">
-                <a:solidFill>
-                  <a:srgbClr val="FF0000"/>
-                </a:solidFill>
-                <a:latin typeface="Calibri" panose="020F0502020204030204" pitchFamily="34" charset="0"/>
-                <a:cs typeface="Calibri" panose="020F0502020204030204" pitchFamily="34" charset="0"/>
-              </a:rPr>
-              <a:t>Be sure you follow one of the three prescribed RQ Templates – identifying the type of statistical analysis you will be using.  If you do not have the correct RQ, we will stop your presentation here.</a:t>
-            </a:r>
-          </a:p>
-          <a:p>
-            <a:r>
-              <a:rPr lang="en-US" baseline="30000" dirty="0">
-                <a:solidFill>
-                  <a:srgbClr val="FF0000"/>
-                </a:solidFill>
-                <a:latin typeface="Calibri" panose="020F0502020204030204" pitchFamily="34" charset="0"/>
-                <a:cs typeface="Calibri" panose="020F0502020204030204" pitchFamily="34" charset="0"/>
-              </a:rPr>
-              <a:t>2 </a:t>
-            </a:r>
-            <a:r>
-              <a:rPr lang="en-US" dirty="0">
-                <a:solidFill>
-                  <a:srgbClr val="FF0000"/>
-                </a:solidFill>
-                <a:latin typeface="Calibri" panose="020F0502020204030204" pitchFamily="34" charset="0"/>
-                <a:cs typeface="Calibri" panose="020F0502020204030204" pitchFamily="34" charset="0"/>
-              </a:rPr>
-              <a:t>The variable name in your RQ may be different from the column name in cases where the column names are abbreviations.  </a:t>
-            </a:r>
-            <a:endParaRPr lang="en-US" sz="1800" b="0" dirty="0">
-              <a:solidFill>
-                <a:srgbClr val="FF0000"/>
-              </a:solidFill>
-              <a:latin typeface="Calibri" panose="020F0502020204030204" pitchFamily="34" charset="0"/>
-              <a:cs typeface="Calibri" panose="020F0502020204030204" pitchFamily="34" charset="0"/>
-            </a:endParaRPr>
-          </a:p>
-          <a:p>
-            <a:r>
-              <a:rPr lang="en-US" baseline="30000" dirty="0">
-                <a:solidFill>
-                  <a:srgbClr val="FF0000"/>
-                </a:solidFill>
-                <a:latin typeface="Calibri" panose="020F0502020204030204" pitchFamily="34" charset="0"/>
-                <a:cs typeface="Calibri" panose="020F0502020204030204" pitchFamily="34" charset="0"/>
-              </a:rPr>
-              <a:t>3.4.</a:t>
-            </a:r>
-            <a:r>
-              <a:rPr lang="en-US" dirty="0">
-                <a:solidFill>
-                  <a:srgbClr val="FF0000"/>
-                </a:solidFill>
-                <a:latin typeface="Calibri" panose="020F0502020204030204" pitchFamily="34" charset="0"/>
-                <a:cs typeface="Calibri" panose="020F0502020204030204" pitchFamily="34" charset="0"/>
-              </a:rPr>
-              <a:t>Be sure to identify which variable is your </a:t>
-            </a:r>
-            <a:r>
-              <a:rPr lang="en-US" b="1" dirty="0">
-                <a:solidFill>
-                  <a:srgbClr val="FF0000"/>
-                </a:solidFill>
-                <a:latin typeface="Calibri" panose="020F0502020204030204" pitchFamily="34" charset="0"/>
-                <a:cs typeface="Calibri" panose="020F0502020204030204" pitchFamily="34" charset="0"/>
-              </a:rPr>
-              <a:t>dependent variable </a:t>
-            </a:r>
-            <a:r>
-              <a:rPr lang="en-US" dirty="0">
-                <a:solidFill>
-                  <a:srgbClr val="FF0000"/>
-                </a:solidFill>
-                <a:latin typeface="Calibri" panose="020F0502020204030204" pitchFamily="34" charset="0"/>
-                <a:cs typeface="Calibri" panose="020F0502020204030204" pitchFamily="34" charset="0"/>
-              </a:rPr>
-              <a:t>and which one is your </a:t>
-            </a:r>
-            <a:r>
-              <a:rPr lang="en-US" b="1" dirty="0">
-                <a:solidFill>
-                  <a:srgbClr val="FF0000"/>
-                </a:solidFill>
-                <a:latin typeface="Calibri" panose="020F0502020204030204" pitchFamily="34" charset="0"/>
-                <a:cs typeface="Calibri" panose="020F0502020204030204" pitchFamily="34" charset="0"/>
-              </a:rPr>
-              <a:t>independent variable </a:t>
-            </a:r>
-            <a:r>
-              <a:rPr lang="en-US" dirty="0">
-                <a:solidFill>
-                  <a:srgbClr val="FF0000"/>
-                </a:solidFill>
-                <a:latin typeface="Calibri" panose="020F0502020204030204" pitchFamily="34" charset="0"/>
-                <a:cs typeface="Calibri" panose="020F0502020204030204" pitchFamily="34" charset="0"/>
-              </a:rPr>
-              <a:t>on this slide</a:t>
-            </a:r>
-            <a:endParaRPr lang="en-GB" dirty="0"/>
-          </a:p>
-        </p:txBody>
-      </p:sp>
-      <p:sp>
-        <p:nvSpPr>
-          <p:cNvPr id="17" name="TextBox 16">
-            <a:extLst>
-              <a:ext uri="{FF2B5EF4-FFF2-40B4-BE49-F238E27FC236}">
-                <a16:creationId xmlns:a16="http://schemas.microsoft.com/office/drawing/2014/main" id="{02FDD890-F323-BC39-8E76-43B2265D0104}"/>
-              </a:ext>
-            </a:extLst>
-          </p:cNvPr>
-          <p:cNvSpPr txBox="1"/>
-          <p:nvPr/>
-        </p:nvSpPr>
-        <p:spPr>
-          <a:xfrm>
-            <a:off x="589799" y="1905506"/>
-            <a:ext cx="4860975" cy="3046988"/>
-          </a:xfrm>
-          <a:prstGeom prst="rect">
-            <a:avLst/>
-          </a:prstGeom>
-          <a:noFill/>
-        </p:spPr>
-        <p:txBody>
-          <a:bodyPr wrap="square" rtlCol="0">
-            <a:spAutoFit/>
-          </a:bodyPr>
-          <a:lstStyle/>
-          <a:p>
-            <a:r>
-              <a:rPr lang="en-GB" sz="2400" dirty="0">
-                <a:solidFill>
-                  <a:srgbClr val="FF0000"/>
-                </a:solidFill>
-              </a:rPr>
-              <a:t>Include a sample of your .csv/</a:t>
-            </a:r>
-            <a:r>
-              <a:rPr lang="en-GB" sz="2400" dirty="0" err="1">
-                <a:solidFill>
-                  <a:srgbClr val="FF0000"/>
-                </a:solidFill>
-              </a:rPr>
-              <a:t>xlxs</a:t>
-            </a:r>
-            <a:r>
-              <a:rPr lang="en-GB" sz="2400" dirty="0">
-                <a:solidFill>
-                  <a:srgbClr val="FF0000"/>
-                </a:solidFill>
-              </a:rPr>
-              <a:t> dataset file to include column names (variables) in your RQ</a:t>
-            </a:r>
-            <a:r>
-              <a:rPr lang="en-GB" sz="2400" baseline="30000" dirty="0">
-                <a:solidFill>
-                  <a:srgbClr val="FF0000"/>
-                </a:solidFill>
-              </a:rPr>
-              <a:t>2</a:t>
-            </a:r>
-            <a:r>
-              <a:rPr lang="en-GB" sz="2400" dirty="0">
-                <a:solidFill>
-                  <a:srgbClr val="FF0000"/>
-                </a:solidFill>
-              </a:rPr>
-              <a:t>. Include number of rows: E.g. “the dataset has 655 rows and the variables we use are </a:t>
-            </a:r>
-            <a:r>
-              <a:rPr lang="en-GB" sz="2400" b="1" dirty="0">
-                <a:solidFill>
-                  <a:srgbClr val="FF0000"/>
-                </a:solidFill>
-              </a:rPr>
-              <a:t>Valuation </a:t>
-            </a:r>
-            <a:r>
-              <a:rPr lang="en-GB" sz="2400" dirty="0">
-                <a:solidFill>
-                  <a:srgbClr val="FF0000"/>
-                </a:solidFill>
-              </a:rPr>
-              <a:t>(dependent variable</a:t>
-            </a:r>
-            <a:r>
-              <a:rPr lang="en-GB" sz="2400" baseline="30000" dirty="0">
-                <a:solidFill>
-                  <a:srgbClr val="FF0000"/>
-                </a:solidFill>
-              </a:rPr>
-              <a:t>3</a:t>
-            </a:r>
-            <a:r>
-              <a:rPr lang="en-GB" sz="2400" dirty="0">
-                <a:solidFill>
-                  <a:srgbClr val="FF0000"/>
-                </a:solidFill>
-              </a:rPr>
-              <a:t>) and </a:t>
-            </a:r>
-            <a:r>
-              <a:rPr lang="en-GB" sz="2400" b="1" dirty="0">
-                <a:solidFill>
-                  <a:srgbClr val="FF0000"/>
-                </a:solidFill>
-              </a:rPr>
-              <a:t>Country</a:t>
-            </a:r>
-            <a:r>
-              <a:rPr lang="en-GB" sz="2400" dirty="0">
-                <a:solidFill>
-                  <a:srgbClr val="FF0000"/>
-                </a:solidFill>
-              </a:rPr>
-              <a:t> (independent variable</a:t>
-            </a:r>
-            <a:r>
-              <a:rPr lang="en-GB" sz="2400" baseline="30000" dirty="0">
-                <a:solidFill>
-                  <a:srgbClr val="FF0000"/>
-                </a:solidFill>
-              </a:rPr>
-              <a:t>4</a:t>
-            </a:r>
-            <a:r>
-              <a:rPr lang="en-GB" sz="2400" dirty="0">
-                <a:solidFill>
-                  <a:srgbClr val="FF0000"/>
-                </a:solidFill>
-              </a:rPr>
-              <a:t>).</a:t>
-            </a:r>
-          </a:p>
-        </p:txBody>
-      </p:sp>
-      <mc:AlternateContent xmlns:mc="http://schemas.openxmlformats.org/markup-compatibility/2006" xmlns:p14="http://schemas.microsoft.com/office/powerpoint/2010/main">
-        <mc:Choice Requires="p14">
-          <p:contentPart p14:bwMode="auto" r:id="rId3">
-            <p14:nvContentPartPr>
-              <p14:cNvPr id="26" name="Ink 25">
-                <a:extLst>
-                  <a:ext uri="{FF2B5EF4-FFF2-40B4-BE49-F238E27FC236}">
-                    <a16:creationId xmlns:a16="http://schemas.microsoft.com/office/drawing/2014/main" id="{F4A00DAC-98CC-1D9A-E4A4-B99AD3FBA824}"/>
-                  </a:ext>
-                </a:extLst>
-              </p14:cNvPr>
-              <p14:cNvContentPartPr/>
-              <p14:nvPr/>
-            </p14:nvContentPartPr>
-            <p14:xfrm>
-              <a:off x="11548041" y="2705494"/>
-              <a:ext cx="360" cy="360"/>
-            </p14:xfrm>
-          </p:contentPart>
-        </mc:Choice>
-        <mc:Fallback xmlns="">
-          <p:pic>
-            <p:nvPicPr>
-              <p:cNvPr id="26" name="Ink 25">
-                <a:extLst>
-                  <a:ext uri="{FF2B5EF4-FFF2-40B4-BE49-F238E27FC236}">
-                    <a16:creationId xmlns:a16="http://schemas.microsoft.com/office/drawing/2014/main" id="{F4A00DAC-98CC-1D9A-E4A4-B99AD3FBA824}"/>
-                  </a:ext>
-                </a:extLst>
-              </p:cNvPr>
-              <p:cNvPicPr/>
-              <p:nvPr/>
-            </p:nvPicPr>
-            <p:blipFill>
-              <a:blip r:embed="rId4"/>
-              <a:stretch>
-                <a:fillRect/>
-              </a:stretch>
-            </p:blipFill>
-            <p:spPr>
-              <a:xfrm>
-                <a:off x="11530041" y="2687494"/>
-                <a:ext cx="36000" cy="36000"/>
-              </a:xfrm>
-              <a:prstGeom prst="rect">
-                <a:avLst/>
-              </a:prstGeom>
-            </p:spPr>
-          </p:pic>
-        </mc:Fallback>
-      </mc:AlternateContent>
-      <p:cxnSp>
-        <p:nvCxnSpPr>
-          <p:cNvPr id="30" name="Straight Arrow Connector 29">
-            <a:extLst>
-              <a:ext uri="{FF2B5EF4-FFF2-40B4-BE49-F238E27FC236}">
-                <a16:creationId xmlns:a16="http://schemas.microsoft.com/office/drawing/2014/main" id="{A174ADF1-9076-4B41-8EBE-E2A8E1BB8369}"/>
-              </a:ext>
-            </a:extLst>
-          </p:cNvPr>
-          <p:cNvCxnSpPr/>
-          <p:nvPr/>
-        </p:nvCxnSpPr>
-        <p:spPr>
-          <a:xfrm>
-            <a:off x="5268160" y="3958225"/>
-            <a:ext cx="631599" cy="0"/>
-          </a:xfrm>
-          <a:prstGeom prst="straightConnector1">
-            <a:avLst/>
-          </a:prstGeom>
-          <a:ln w="38100" cap="flat" cmpd="sng" algn="ctr">
-            <a:solidFill>
-              <a:schemeClr val="dk1"/>
-            </a:solidFill>
-            <a:prstDash val="solid"/>
-            <a:round/>
-            <a:headEnd type="none" w="med" len="med"/>
-            <a:tailEnd type="arrow" w="med" len="med"/>
-          </a:ln>
-        </p:spPr>
-        <p:style>
-          <a:lnRef idx="0">
-            <a:scrgbClr r="0" g="0" b="0"/>
-          </a:lnRef>
-          <a:fillRef idx="0">
-            <a:scrgbClr r="0" g="0" b="0"/>
-          </a:fillRef>
-          <a:effectRef idx="0">
-            <a:scrgbClr r="0" g="0" b="0"/>
-          </a:effectRef>
-          <a:fontRef idx="minor">
-            <a:schemeClr val="tx1"/>
-          </a:fontRef>
-        </p:style>
-      </p:cxnSp>
-    </p:spTree>
-    <p:extLst>
-      <p:ext uri="{BB962C8B-B14F-4D97-AF65-F5344CB8AC3E}">
-        <p14:creationId xmlns:p14="http://schemas.microsoft.com/office/powerpoint/2010/main" val="1718004908"/>
-      </p:ext>
-    </p:extLst>
-  </p:cSld>
-  <p:clrMapOvr>
-    <a:masterClrMapping/>
-  </p:clrMapOvr>
-</p:sld>
-</file>
-
-<file path=ppt/slides/slide5.xml><?xml version="1.0" encoding="utf-8"?>
-<p:sld xmlns:a="http://schemas.openxmlformats.org/drawingml/2006/main" xmlns:r="http://schemas.openxmlformats.org/officeDocument/2006/relationships" xmlns:p="http://schemas.openxmlformats.org/presentationml/2006/main">
-  <p:cSld>
-    <p:spTree>
-      <p:nvGrpSpPr>
-        <p:cNvPr id="1" name=""/>
-        <p:cNvGrpSpPr/>
-        <p:nvPr/>
-      </p:nvGrpSpPr>
-      <p:grpSpPr>
-        <a:xfrm>
-          <a:off x="0" y="0"/>
-          <a:ext cx="0" cy="0"/>
-          <a:chOff x="0" y="0"/>
-          <a:chExt cx="0" cy="0"/>
-        </a:xfrm>
-      </p:grpSpPr>
-      <p:sp>
-        <p:nvSpPr>
-          <p:cNvPr id="3" name="Footer Placeholder 2">
-            <a:extLst>
-              <a:ext uri="{FF2B5EF4-FFF2-40B4-BE49-F238E27FC236}">
-                <a16:creationId xmlns:a16="http://schemas.microsoft.com/office/drawing/2014/main" id="{3C4D431B-7665-75B0-2D73-5BD588DCB766}"/>
-              </a:ext>
-            </a:extLst>
-          </p:cNvPr>
-          <p:cNvSpPr>
-            <a:spLocks noGrp="1"/>
-          </p:cNvSpPr>
-          <p:nvPr>
-            <p:ph type="ftr" sz="quarter" idx="11"/>
-          </p:nvPr>
-        </p:nvSpPr>
-        <p:spPr/>
-        <p:txBody>
-          <a:bodyPr/>
-          <a:lstStyle/>
-          <a:p>
-            <a:r>
-              <a:rPr lang="en-GB" dirty="0"/>
-              <a:t>PRE 7COM1079-2022  Student Group No:  ?????</a:t>
-            </a:r>
-          </a:p>
-        </p:txBody>
-      </p:sp>
-      <p:sp>
-        <p:nvSpPr>
-          <p:cNvPr id="4" name="Slide Number Placeholder 3">
-            <a:extLst>
-              <a:ext uri="{FF2B5EF4-FFF2-40B4-BE49-F238E27FC236}">
-                <a16:creationId xmlns:a16="http://schemas.microsoft.com/office/drawing/2014/main" id="{1625FA15-B17F-387B-E383-5505647ABB89}"/>
-              </a:ext>
-            </a:extLst>
-          </p:cNvPr>
-          <p:cNvSpPr>
-            <a:spLocks noGrp="1"/>
-          </p:cNvSpPr>
-          <p:nvPr>
-            <p:ph type="sldNum" sz="quarter" idx="12"/>
-          </p:nvPr>
-        </p:nvSpPr>
-        <p:spPr/>
-        <p:txBody>
-          <a:bodyPr/>
-          <a:lstStyle/>
-          <a:p>
-            <a:fld id="{E4D355CA-84B7-41B1-B164-8BB439CC7C6B}" type="slidenum">
-              <a:rPr lang="en-GB" smtClean="0"/>
-              <a:pPr/>
-              <a:t>5</a:t>
-            </a:fld>
-            <a:endParaRPr lang="en-GB" dirty="0"/>
-          </a:p>
-        </p:txBody>
-      </p:sp>
-      <p:sp>
-        <p:nvSpPr>
-          <p:cNvPr id="7" name="TextBox 6">
-            <a:extLst>
-              <a:ext uri="{FF2B5EF4-FFF2-40B4-BE49-F238E27FC236}">
-                <a16:creationId xmlns:a16="http://schemas.microsoft.com/office/drawing/2014/main" id="{F7FEA660-7B39-BC91-3B96-7298CCF66DE1}"/>
-              </a:ext>
-            </a:extLst>
-          </p:cNvPr>
-          <p:cNvSpPr txBox="1"/>
-          <p:nvPr/>
-        </p:nvSpPr>
-        <p:spPr>
-          <a:xfrm>
-            <a:off x="498685" y="6287311"/>
-            <a:ext cx="11440040" cy="369332"/>
-          </a:xfrm>
-          <a:prstGeom prst="rect">
-            <a:avLst/>
-          </a:prstGeom>
-          <a:solidFill>
-            <a:schemeClr val="bg1">
-              <a:lumMod val="95000"/>
-            </a:schemeClr>
-          </a:solidFill>
-        </p:spPr>
-        <p:txBody>
-          <a:bodyPr wrap="square" rtlCol="0">
-            <a:spAutoFit/>
-          </a:bodyPr>
-          <a:lstStyle/>
-          <a:p>
-            <a:r>
-              <a:rPr lang="en-GB" b="1" dirty="0">
-                <a:latin typeface="Calibri" panose="020F0502020204030204" pitchFamily="34" charset="0"/>
-                <a:cs typeface="Calibri" panose="020F0502020204030204" pitchFamily="34" charset="0"/>
-              </a:rPr>
-              <a:t>Correlation</a:t>
-            </a:r>
-            <a:r>
-              <a:rPr lang="en-GB" dirty="0"/>
-              <a:t> </a:t>
-            </a:r>
-            <a:r>
-              <a:rPr lang="en-IE" dirty="0">
-                <a:latin typeface="Calibri" panose="020F0502020204030204" pitchFamily="34" charset="0"/>
-                <a:cs typeface="Times New Roman" panose="02020603050405020304" pitchFamily="18" charset="0"/>
-              </a:rPr>
-              <a:t>analyses</a:t>
-            </a:r>
-            <a:r>
-              <a:rPr lang="en-IE" sz="1800" dirty="0">
-                <a:effectLst/>
-                <a:latin typeface="Calibri" panose="020F0502020204030204" pitchFamily="34" charset="0"/>
-                <a:ea typeface="Calibri" panose="020F0502020204030204" pitchFamily="34" charset="0"/>
-                <a:cs typeface="Times New Roman" panose="02020603050405020304" pitchFamily="18" charset="0"/>
-              </a:rPr>
-              <a:t> how an </a:t>
-            </a:r>
-            <a:r>
-              <a:rPr lang="en-IE" sz="1800" dirty="0">
-                <a:solidFill>
-                  <a:srgbClr val="FF0000"/>
-                </a:solidFill>
-                <a:effectLst/>
-                <a:latin typeface="Calibri" panose="020F0502020204030204" pitchFamily="34" charset="0"/>
-                <a:ea typeface="Calibri" panose="020F0502020204030204" pitchFamily="34" charset="0"/>
-                <a:cs typeface="Times New Roman" panose="02020603050405020304" pitchFamily="18" charset="0"/>
-              </a:rPr>
-              <a:t>ordinal</a:t>
-            </a:r>
-            <a:r>
-              <a:rPr lang="en-IE" dirty="0">
-                <a:solidFill>
-                  <a:srgbClr val="FF0000"/>
-                </a:solidFill>
-                <a:latin typeface="Calibri" panose="020F0502020204030204" pitchFamily="34" charset="0"/>
-                <a:ea typeface="Calibri" panose="020F0502020204030204" pitchFamily="34" charset="0"/>
-                <a:cs typeface="Times New Roman" panose="02020603050405020304" pitchFamily="18" charset="0"/>
-              </a:rPr>
-              <a:t>/</a:t>
-            </a:r>
-            <a:r>
-              <a:rPr lang="en-IE" sz="1800" dirty="0">
-                <a:solidFill>
-                  <a:srgbClr val="FF0000"/>
-                </a:solidFill>
-                <a:effectLst/>
-                <a:latin typeface="Calibri" panose="020F0502020204030204" pitchFamily="34" charset="0"/>
-                <a:ea typeface="Calibri" panose="020F0502020204030204" pitchFamily="34" charset="0"/>
-                <a:cs typeface="Times New Roman" panose="02020603050405020304" pitchFamily="18" charset="0"/>
-              </a:rPr>
-              <a:t>interval </a:t>
-            </a:r>
-            <a:r>
-              <a:rPr lang="en-IE" sz="1800" dirty="0">
-                <a:solidFill>
-                  <a:srgbClr val="00B050"/>
-                </a:solidFill>
-                <a:effectLst/>
-                <a:latin typeface="Calibri" panose="020F0502020204030204" pitchFamily="34" charset="0"/>
-                <a:ea typeface="Calibri" panose="020F0502020204030204" pitchFamily="34" charset="0"/>
-                <a:cs typeface="Times New Roman" panose="02020603050405020304" pitchFamily="18" charset="0"/>
-              </a:rPr>
-              <a:t>dependent var </a:t>
-            </a:r>
-            <a:r>
-              <a:rPr lang="en-IE" dirty="0">
-                <a:latin typeface="Calibri" panose="020F0502020204030204" pitchFamily="34" charset="0"/>
-                <a:ea typeface="Calibri" panose="020F0502020204030204" pitchFamily="34" charset="0"/>
-                <a:cs typeface="Times New Roman" panose="02020603050405020304" pitchFamily="18" charset="0"/>
-              </a:rPr>
-              <a:t>correlates </a:t>
-            </a:r>
-            <a:r>
-              <a:rPr lang="en-IE" sz="1800" dirty="0">
-                <a:effectLst/>
-                <a:latin typeface="Calibri" panose="020F0502020204030204" pitchFamily="34" charset="0"/>
-                <a:ea typeface="Calibri" panose="020F0502020204030204" pitchFamily="34" charset="0"/>
-                <a:cs typeface="Times New Roman" panose="02020603050405020304" pitchFamily="18" charset="0"/>
-              </a:rPr>
-              <a:t>to an </a:t>
-            </a:r>
-            <a:r>
-              <a:rPr lang="en-IE" sz="1800" dirty="0">
-                <a:solidFill>
-                  <a:srgbClr val="FF0000"/>
-                </a:solidFill>
-                <a:effectLst/>
-                <a:latin typeface="Calibri" panose="020F0502020204030204" pitchFamily="34" charset="0"/>
-                <a:ea typeface="Calibri" panose="020F0502020204030204" pitchFamily="34" charset="0"/>
-                <a:cs typeface="Times New Roman" panose="02020603050405020304" pitchFamily="18" charset="0"/>
-              </a:rPr>
-              <a:t>ordinal/interval </a:t>
-            </a:r>
-            <a:r>
-              <a:rPr lang="en-IE" sz="1800" dirty="0">
-                <a:solidFill>
-                  <a:srgbClr val="00B050"/>
-                </a:solidFill>
-                <a:effectLst/>
-                <a:latin typeface="Calibri" panose="020F0502020204030204" pitchFamily="34" charset="0"/>
-                <a:ea typeface="Calibri" panose="020F0502020204030204" pitchFamily="34" charset="0"/>
-                <a:cs typeface="Times New Roman" panose="02020603050405020304" pitchFamily="18" charset="0"/>
-              </a:rPr>
-              <a:t>independent variable</a:t>
-            </a:r>
-            <a:endParaRPr lang="en-GB" dirty="0"/>
-          </a:p>
-        </p:txBody>
-      </p:sp>
-      <p:sp>
-        <p:nvSpPr>
-          <p:cNvPr id="8" name="Subtitle 7">
-            <a:extLst>
-              <a:ext uri="{FF2B5EF4-FFF2-40B4-BE49-F238E27FC236}">
-                <a16:creationId xmlns:a16="http://schemas.microsoft.com/office/drawing/2014/main" id="{08296624-D625-8A51-63F8-EC461F283B3B}"/>
-              </a:ext>
-            </a:extLst>
-          </p:cNvPr>
-          <p:cNvSpPr>
-            <a:spLocks noGrp="1"/>
-          </p:cNvSpPr>
-          <p:nvPr>
-            <p:ph type="subTitle" idx="1"/>
-          </p:nvPr>
-        </p:nvSpPr>
-        <p:spPr>
-          <a:xfrm>
-            <a:off x="952800" y="716650"/>
-            <a:ext cx="10273911" cy="668224"/>
-          </a:xfrm>
-          <a:solidFill>
-            <a:schemeClr val="bg2"/>
-          </a:solidFill>
-        </p:spPr>
-        <p:txBody>
-          <a:bodyPr/>
-          <a:lstStyle/>
-          <a:p>
-            <a:pPr>
-              <a:lnSpc>
-                <a:spcPct val="100000"/>
-              </a:lnSpc>
-            </a:pPr>
-            <a:r>
-              <a:rPr lang="en-GB" b="0" dirty="0">
-                <a:solidFill>
-                  <a:srgbClr val="FF0000"/>
-                </a:solidFill>
-              </a:rPr>
-              <a:t>1. Where your research question asks about </a:t>
-            </a:r>
-            <a:r>
-              <a:rPr lang="en-GB" dirty="0"/>
-              <a:t>Correlation</a:t>
-            </a:r>
-            <a:r>
-              <a:rPr lang="en-GB" b="0" dirty="0"/>
-              <a:t>: Include two </a:t>
-            </a:r>
-            <a:r>
-              <a:rPr lang="en-GB" b="0" i="1" dirty="0"/>
-              <a:t>visualizations</a:t>
-            </a:r>
-          </a:p>
-        </p:txBody>
-      </p:sp>
-      <p:sp>
-        <p:nvSpPr>
-          <p:cNvPr id="12" name="Title 11">
-            <a:extLst>
-              <a:ext uri="{FF2B5EF4-FFF2-40B4-BE49-F238E27FC236}">
-                <a16:creationId xmlns:a16="http://schemas.microsoft.com/office/drawing/2014/main" id="{F41CBD45-A845-C335-489D-8BB5DDD408DD}"/>
-              </a:ext>
-            </a:extLst>
-          </p:cNvPr>
-          <p:cNvSpPr>
-            <a:spLocks noGrp="1"/>
-          </p:cNvSpPr>
-          <p:nvPr>
-            <p:ph type="ctrTitle"/>
-          </p:nvPr>
-        </p:nvSpPr>
-        <p:spPr>
-          <a:xfrm>
-            <a:off x="1055369" y="2007544"/>
-            <a:ext cx="10656467" cy="2010058"/>
-          </a:xfrm>
-          <a:solidFill>
-            <a:srgbClr val="FFFF00"/>
-          </a:solidFill>
-        </p:spPr>
-        <p:txBody>
-          <a:bodyPr>
-            <a:normAutofit fontScale="90000"/>
-          </a:bodyPr>
-          <a:lstStyle/>
-          <a:p>
-            <a:pPr>
-              <a:lnSpc>
-                <a:spcPct val="100000"/>
-              </a:lnSpc>
-            </a:pPr>
-            <a:r>
-              <a:rPr lang="en-GB" sz="3600" b="0" dirty="0"/>
-              <a:t>1. A scatterplot to include the linear trendline</a:t>
-            </a:r>
-            <a:br>
-              <a:rPr lang="en-GB" sz="3600" b="0" dirty="0"/>
-            </a:br>
-            <a:r>
-              <a:rPr lang="en-GB" sz="3600" b="0" dirty="0"/>
-              <a:t>       (ensuring your dependent variable is on the y-axis)</a:t>
-            </a:r>
-            <a:br>
-              <a:rPr lang="en-GB" sz="3600" b="0" dirty="0"/>
-            </a:br>
-            <a:r>
-              <a:rPr lang="en-GB" sz="3600" b="0" dirty="0"/>
-              <a:t>2. A histogram to include the normal curve overlay. The histogram plots data from your </a:t>
-            </a:r>
-            <a:r>
-              <a:rPr lang="en-GB" sz="3600" dirty="0"/>
-              <a:t>dependent variable </a:t>
-            </a:r>
-            <a:r>
-              <a:rPr lang="en-GB" sz="3600" b="0" dirty="0"/>
-              <a:t>only.</a:t>
-            </a:r>
-            <a:br>
-              <a:rPr lang="en-GB" sz="3600" b="0" dirty="0"/>
-            </a:br>
-            <a:br>
-              <a:rPr lang="en-GB" sz="3600" b="0" dirty="0"/>
-            </a:br>
-            <a:r>
-              <a:rPr lang="en-GB" sz="3600" b="0" dirty="0"/>
-              <a:t>Clearly label you axes to include variable name and units of measurement. Include a title to give your plot/visualization a context.</a:t>
-            </a:r>
-          </a:p>
-        </p:txBody>
-      </p:sp>
-    </p:spTree>
-    <p:extLst>
-      <p:ext uri="{BB962C8B-B14F-4D97-AF65-F5344CB8AC3E}">
-        <p14:creationId xmlns:p14="http://schemas.microsoft.com/office/powerpoint/2010/main" val="32494612"/>
-      </p:ext>
-    </p:extLst>
-  </p:cSld>
-  <p:clrMapOvr>
-    <a:masterClrMapping/>
-  </p:clrMapOvr>
-</p:sld>
-</file>
-
-<file path=ppt/slides/slide6.xml><?xml version="1.0" encoding="utf-8"?>
-<p:sld xmlns:a="http://schemas.openxmlformats.org/drawingml/2006/main" xmlns:r="http://schemas.openxmlformats.org/officeDocument/2006/relationships" xmlns:p="http://schemas.openxmlformats.org/presentationml/2006/main">
-  <p:cSld>
-    <p:spTree>
-      <p:nvGrpSpPr>
-        <p:cNvPr id="1" name=""/>
-        <p:cNvGrpSpPr/>
-        <p:nvPr/>
-      </p:nvGrpSpPr>
-      <p:grpSpPr>
-        <a:xfrm>
-          <a:off x="0" y="0"/>
-          <a:ext cx="0" cy="0"/>
-          <a:chOff x="0" y="0"/>
-          <a:chExt cx="0" cy="0"/>
-        </a:xfrm>
-      </p:grpSpPr>
-      <p:sp>
-        <p:nvSpPr>
-          <p:cNvPr id="3" name="Footer Placeholder 2">
-            <a:extLst>
-              <a:ext uri="{FF2B5EF4-FFF2-40B4-BE49-F238E27FC236}">
-                <a16:creationId xmlns:a16="http://schemas.microsoft.com/office/drawing/2014/main" id="{3C4D431B-7665-75B0-2D73-5BD588DCB766}"/>
-              </a:ext>
-            </a:extLst>
-          </p:cNvPr>
-          <p:cNvSpPr>
-            <a:spLocks noGrp="1"/>
-          </p:cNvSpPr>
-          <p:nvPr>
-            <p:ph type="ftr" sz="quarter" idx="11"/>
-          </p:nvPr>
-        </p:nvSpPr>
-        <p:spPr/>
-        <p:txBody>
-          <a:bodyPr/>
-          <a:lstStyle/>
-          <a:p>
-            <a:r>
-              <a:rPr lang="en-GB" dirty="0"/>
-              <a:t>PRE 7COM1079-2022  Student Group No:  ?????</a:t>
-            </a:r>
-          </a:p>
-        </p:txBody>
-      </p:sp>
-      <p:sp>
-        <p:nvSpPr>
-          <p:cNvPr id="4" name="Slide Number Placeholder 3">
-            <a:extLst>
-              <a:ext uri="{FF2B5EF4-FFF2-40B4-BE49-F238E27FC236}">
-                <a16:creationId xmlns:a16="http://schemas.microsoft.com/office/drawing/2014/main" id="{1625FA15-B17F-387B-E383-5505647ABB89}"/>
-              </a:ext>
-            </a:extLst>
-          </p:cNvPr>
-          <p:cNvSpPr>
-            <a:spLocks noGrp="1"/>
-          </p:cNvSpPr>
-          <p:nvPr>
-            <p:ph type="sldNum" sz="quarter" idx="12"/>
-          </p:nvPr>
-        </p:nvSpPr>
-        <p:spPr/>
-        <p:txBody>
-          <a:bodyPr/>
-          <a:lstStyle/>
-          <a:p>
-            <a:fld id="{E4D355CA-84B7-41B1-B164-8BB439CC7C6B}" type="slidenum">
-              <a:rPr lang="en-GB" smtClean="0"/>
-              <a:pPr/>
-              <a:t>6</a:t>
-            </a:fld>
-            <a:endParaRPr lang="en-GB" dirty="0"/>
-          </a:p>
-        </p:txBody>
-      </p:sp>
-      <p:sp>
-        <p:nvSpPr>
-          <p:cNvPr id="7" name="TextBox 6">
-            <a:extLst>
-              <a:ext uri="{FF2B5EF4-FFF2-40B4-BE49-F238E27FC236}">
-                <a16:creationId xmlns:a16="http://schemas.microsoft.com/office/drawing/2014/main" id="{F7FEA660-7B39-BC91-3B96-7298CCF66DE1}"/>
-              </a:ext>
-            </a:extLst>
-          </p:cNvPr>
-          <p:cNvSpPr txBox="1"/>
-          <p:nvPr/>
-        </p:nvSpPr>
-        <p:spPr>
-          <a:xfrm>
-            <a:off x="751960" y="6066978"/>
-            <a:ext cx="11440040" cy="646331"/>
-          </a:xfrm>
-          <a:prstGeom prst="rect">
-            <a:avLst/>
-          </a:prstGeom>
-          <a:solidFill>
-            <a:schemeClr val="bg1">
-              <a:lumMod val="95000"/>
-            </a:schemeClr>
-          </a:solidFill>
-        </p:spPr>
-        <p:txBody>
-          <a:bodyPr wrap="square" rtlCol="0">
-            <a:spAutoFit/>
-          </a:bodyPr>
-          <a:lstStyle/>
-          <a:p>
-            <a:r>
-              <a:rPr lang="en-IE" sz="1800" b="1" dirty="0">
-                <a:effectLst/>
-                <a:latin typeface="Calibri" panose="020F0502020204030204" pitchFamily="34" charset="0"/>
-                <a:ea typeface="Calibri" panose="020F0502020204030204" pitchFamily="34" charset="0"/>
-                <a:cs typeface="Times New Roman" panose="02020603050405020304" pitchFamily="18" charset="0"/>
-              </a:rPr>
-              <a:t>Comparison of means</a:t>
-            </a:r>
-            <a:r>
-              <a:rPr lang="en-IE" sz="1800" dirty="0">
-                <a:effectLst/>
-                <a:latin typeface="Calibri" panose="020F0502020204030204" pitchFamily="34" charset="0"/>
-                <a:ea typeface="Calibri" panose="020F0502020204030204" pitchFamily="34" charset="0"/>
-                <a:cs typeface="Times New Roman" panose="02020603050405020304" pitchFamily="18" charset="0"/>
-              </a:rPr>
-              <a:t> (or medians) analyses the difference between the mean (or median) value of a characteristic shared by members </a:t>
-            </a:r>
-            <a:r>
-              <a:rPr lang="en-IE" sz="1800">
-                <a:effectLst/>
-                <a:latin typeface="Calibri" panose="020F0502020204030204" pitchFamily="34" charset="0"/>
-                <a:ea typeface="Calibri" panose="020F0502020204030204" pitchFamily="34" charset="0"/>
-                <a:cs typeface="Times New Roman" panose="02020603050405020304" pitchFamily="18" charset="0"/>
-              </a:rPr>
-              <a:t>of two (or more) </a:t>
-            </a:r>
-            <a:r>
-              <a:rPr lang="en-IE" sz="1800" dirty="0">
-                <a:effectLst/>
-                <a:latin typeface="Calibri" panose="020F0502020204030204" pitchFamily="34" charset="0"/>
-                <a:ea typeface="Calibri" panose="020F0502020204030204" pitchFamily="34" charset="0"/>
-                <a:cs typeface="Times New Roman" panose="02020603050405020304" pitchFamily="18" charset="0"/>
-              </a:rPr>
-              <a:t>different populations.</a:t>
-            </a:r>
-            <a:endParaRPr lang="en-GB" dirty="0"/>
-          </a:p>
-        </p:txBody>
-      </p:sp>
-      <p:sp>
-        <p:nvSpPr>
-          <p:cNvPr id="8" name="Subtitle 7">
-            <a:extLst>
-              <a:ext uri="{FF2B5EF4-FFF2-40B4-BE49-F238E27FC236}">
-                <a16:creationId xmlns:a16="http://schemas.microsoft.com/office/drawing/2014/main" id="{08296624-D625-8A51-63F8-EC461F283B3B}"/>
-              </a:ext>
-            </a:extLst>
-          </p:cNvPr>
-          <p:cNvSpPr>
-            <a:spLocks noGrp="1"/>
-          </p:cNvSpPr>
-          <p:nvPr>
-            <p:ph type="subTitle" idx="1"/>
-          </p:nvPr>
-        </p:nvSpPr>
-        <p:spPr>
-          <a:xfrm>
-            <a:off x="965289" y="353630"/>
-            <a:ext cx="10273911" cy="668224"/>
-          </a:xfrm>
-          <a:solidFill>
-            <a:schemeClr val="bg2"/>
-          </a:solidFill>
-        </p:spPr>
-        <p:txBody>
-          <a:bodyPr/>
-          <a:lstStyle/>
-          <a:p>
-            <a:pPr>
-              <a:lnSpc>
-                <a:spcPct val="100000"/>
-              </a:lnSpc>
-            </a:pPr>
-            <a:r>
-              <a:rPr lang="en-GB" b="0" dirty="0">
-                <a:solidFill>
-                  <a:srgbClr val="FF0000"/>
-                </a:solidFill>
-              </a:rPr>
-              <a:t>2. Where your research question asks about </a:t>
-            </a:r>
-            <a:r>
-              <a:rPr lang="en-GB" dirty="0"/>
-              <a:t>Comparison of means/medians</a:t>
-            </a:r>
-            <a:r>
-              <a:rPr lang="en-GB" b="0" dirty="0"/>
-              <a:t>: Include two plots</a:t>
-            </a:r>
-            <a:endParaRPr lang="en-GB" b="0" i="1" dirty="0"/>
-          </a:p>
-        </p:txBody>
-      </p:sp>
-      <p:sp>
-        <p:nvSpPr>
-          <p:cNvPr id="12" name="Title 11">
-            <a:extLst>
-              <a:ext uri="{FF2B5EF4-FFF2-40B4-BE49-F238E27FC236}">
-                <a16:creationId xmlns:a16="http://schemas.microsoft.com/office/drawing/2014/main" id="{F41CBD45-A845-C335-489D-8BB5DDD408DD}"/>
-              </a:ext>
-            </a:extLst>
-          </p:cNvPr>
-          <p:cNvSpPr>
-            <a:spLocks noGrp="1"/>
-          </p:cNvSpPr>
-          <p:nvPr>
-            <p:ph type="ctrTitle"/>
-          </p:nvPr>
-        </p:nvSpPr>
-        <p:spPr>
-          <a:xfrm>
-            <a:off x="965289" y="1534358"/>
-            <a:ext cx="10656467" cy="2010058"/>
-          </a:xfrm>
-          <a:solidFill>
-            <a:srgbClr val="FFFF00"/>
-          </a:solidFill>
-        </p:spPr>
-        <p:txBody>
-          <a:bodyPr>
-            <a:normAutofit fontScale="90000"/>
-          </a:bodyPr>
-          <a:lstStyle/>
-          <a:p>
-            <a:pPr>
-              <a:lnSpc>
-                <a:spcPct val="100000"/>
-              </a:lnSpc>
-            </a:pPr>
-            <a:r>
-              <a:rPr lang="en-GB" sz="3600" b="0" dirty="0"/>
-              <a:t>1. Boxplots (to include outliers) (place the dependent variable on the y-axis and independent variable sub-categories on the x axis)</a:t>
-            </a:r>
-            <a:br>
-              <a:rPr lang="en-GB" sz="3600" b="0" dirty="0"/>
-            </a:br>
-            <a:r>
-              <a:rPr lang="en-GB" sz="3600" b="0" dirty="0"/>
-              <a:t>2. A histogram to include the normal curve overlay. The histogram plots data from your </a:t>
-            </a:r>
-            <a:r>
-              <a:rPr lang="en-GB" sz="3600" dirty="0"/>
-              <a:t>dependent variable </a:t>
-            </a:r>
-            <a:r>
-              <a:rPr lang="en-GB" sz="3600" b="0" dirty="0"/>
-              <a:t>only.</a:t>
-            </a:r>
-            <a:br>
-              <a:rPr lang="en-GB" sz="3600" b="0" dirty="0"/>
-            </a:br>
-            <a:br>
-              <a:rPr lang="en-GB" sz="3600" b="0" dirty="0"/>
-            </a:br>
-            <a:r>
-              <a:rPr lang="en-GB" sz="3100" b="0" dirty="0"/>
-              <a:t>Clearly label you axes to include variable name in proper English, and units of measurement  (e.g. currency $, type of weight kg, etc). Include a title to give your plot/visualisation a context.</a:t>
-            </a:r>
-          </a:p>
-        </p:txBody>
-      </p:sp>
-    </p:spTree>
-    <p:extLst>
-      <p:ext uri="{BB962C8B-B14F-4D97-AF65-F5344CB8AC3E}">
-        <p14:creationId xmlns:p14="http://schemas.microsoft.com/office/powerpoint/2010/main" val="2723358785"/>
-      </p:ext>
-    </p:extLst>
-  </p:cSld>
-  <p:clrMapOvr>
-    <a:masterClrMapping/>
-  </p:clrMapOvr>
-</p:sld>
-</file>
-
-<file path=ppt/slides/slide7.xml><?xml version="1.0" encoding="utf-8"?>
-<p:sld xmlns:a="http://schemas.openxmlformats.org/drawingml/2006/main" xmlns:r="http://schemas.openxmlformats.org/officeDocument/2006/relationships" xmlns:p="http://schemas.openxmlformats.org/presentationml/2006/main">
-  <p:cSld>
-    <p:spTree>
-      <p:nvGrpSpPr>
-        <p:cNvPr id="1" name=""/>
-        <p:cNvGrpSpPr/>
-        <p:nvPr/>
-      </p:nvGrpSpPr>
-      <p:grpSpPr>
-        <a:xfrm>
-          <a:off x="0" y="0"/>
-          <a:ext cx="0" cy="0"/>
-          <a:chOff x="0" y="0"/>
-          <a:chExt cx="0" cy="0"/>
-        </a:xfrm>
-      </p:grpSpPr>
-      <p:sp>
-        <p:nvSpPr>
-          <p:cNvPr id="3" name="Footer Placeholder 2">
-            <a:extLst>
-              <a:ext uri="{FF2B5EF4-FFF2-40B4-BE49-F238E27FC236}">
-                <a16:creationId xmlns:a16="http://schemas.microsoft.com/office/drawing/2014/main" id="{3C4D431B-7665-75B0-2D73-5BD588DCB766}"/>
-              </a:ext>
-            </a:extLst>
-          </p:cNvPr>
-          <p:cNvSpPr>
-            <a:spLocks noGrp="1"/>
-          </p:cNvSpPr>
-          <p:nvPr>
-            <p:ph type="ftr" sz="quarter" idx="11"/>
-          </p:nvPr>
-        </p:nvSpPr>
-        <p:spPr/>
-        <p:txBody>
-          <a:bodyPr/>
-          <a:lstStyle/>
-          <a:p>
-            <a:r>
-              <a:rPr lang="en-GB" dirty="0"/>
-              <a:t>PRE 7COM1079-2022  Student Group No:  ?????</a:t>
-            </a:r>
-          </a:p>
-        </p:txBody>
-      </p:sp>
-      <p:sp>
-        <p:nvSpPr>
-          <p:cNvPr id="4" name="Slide Number Placeholder 3">
-            <a:extLst>
-              <a:ext uri="{FF2B5EF4-FFF2-40B4-BE49-F238E27FC236}">
-                <a16:creationId xmlns:a16="http://schemas.microsoft.com/office/drawing/2014/main" id="{1625FA15-B17F-387B-E383-5505647ABB89}"/>
-              </a:ext>
-            </a:extLst>
-          </p:cNvPr>
-          <p:cNvSpPr>
-            <a:spLocks noGrp="1"/>
-          </p:cNvSpPr>
-          <p:nvPr>
-            <p:ph type="sldNum" sz="quarter" idx="12"/>
-          </p:nvPr>
-        </p:nvSpPr>
-        <p:spPr/>
-        <p:txBody>
-          <a:bodyPr/>
-          <a:lstStyle/>
-          <a:p>
-            <a:fld id="{E4D355CA-84B7-41B1-B164-8BB439CC7C6B}" type="slidenum">
-              <a:rPr lang="en-GB" smtClean="0"/>
-              <a:pPr/>
-              <a:t>7</a:t>
-            </a:fld>
-            <a:endParaRPr lang="en-GB" dirty="0"/>
-          </a:p>
-        </p:txBody>
-      </p:sp>
-      <p:sp>
-        <p:nvSpPr>
-          <p:cNvPr id="7" name="TextBox 6">
-            <a:extLst>
-              <a:ext uri="{FF2B5EF4-FFF2-40B4-BE49-F238E27FC236}">
-                <a16:creationId xmlns:a16="http://schemas.microsoft.com/office/drawing/2014/main" id="{F7FEA660-7B39-BC91-3B96-7298CCF66DE1}"/>
-              </a:ext>
-            </a:extLst>
-          </p:cNvPr>
-          <p:cNvSpPr txBox="1"/>
-          <p:nvPr/>
-        </p:nvSpPr>
-        <p:spPr>
-          <a:xfrm>
-            <a:off x="751960" y="6066978"/>
-            <a:ext cx="11440040" cy="646331"/>
-          </a:xfrm>
-          <a:prstGeom prst="rect">
-            <a:avLst/>
-          </a:prstGeom>
-          <a:solidFill>
-            <a:schemeClr val="bg1">
-              <a:lumMod val="95000"/>
-            </a:schemeClr>
-          </a:solidFill>
-        </p:spPr>
-        <p:txBody>
-          <a:bodyPr wrap="square" rtlCol="0">
-            <a:spAutoFit/>
-          </a:bodyPr>
-          <a:lstStyle/>
-          <a:p>
-            <a:r>
-              <a:rPr lang="en-IE" sz="1800" b="1" dirty="0">
-                <a:effectLst/>
-                <a:latin typeface="Calibri" panose="020F0502020204030204" pitchFamily="34" charset="0"/>
-                <a:ea typeface="Calibri" panose="020F0502020204030204" pitchFamily="34" charset="0"/>
-                <a:cs typeface="Times New Roman" panose="02020603050405020304" pitchFamily="18" charset="0"/>
-              </a:rPr>
-              <a:t>Comparison of proportions </a:t>
-            </a:r>
-            <a:r>
-              <a:rPr lang="en-IE" sz="1800" dirty="0">
-                <a:effectLst/>
-                <a:latin typeface="Calibri" panose="020F0502020204030204" pitchFamily="34" charset="0"/>
-                <a:ea typeface="Calibri" panose="020F0502020204030204" pitchFamily="34" charset="0"/>
-                <a:cs typeface="Times New Roman" panose="02020603050405020304" pitchFamily="18" charset="0"/>
-              </a:rPr>
-              <a:t>analyses the difference in proportions of a characteristic shared by members of two different populations. </a:t>
-            </a:r>
-            <a:endParaRPr lang="en-GB" dirty="0"/>
-          </a:p>
-        </p:txBody>
-      </p:sp>
-      <p:sp>
-        <p:nvSpPr>
-          <p:cNvPr id="8" name="Subtitle 7">
-            <a:extLst>
-              <a:ext uri="{FF2B5EF4-FFF2-40B4-BE49-F238E27FC236}">
-                <a16:creationId xmlns:a16="http://schemas.microsoft.com/office/drawing/2014/main" id="{08296624-D625-8A51-63F8-EC461F283B3B}"/>
-              </a:ext>
-            </a:extLst>
-          </p:cNvPr>
-          <p:cNvSpPr>
-            <a:spLocks noGrp="1"/>
-          </p:cNvSpPr>
-          <p:nvPr>
-            <p:ph type="subTitle" idx="1"/>
-          </p:nvPr>
-        </p:nvSpPr>
-        <p:spPr>
-          <a:xfrm>
-            <a:off x="952800" y="716650"/>
-            <a:ext cx="10273911" cy="668224"/>
-          </a:xfrm>
-          <a:solidFill>
-            <a:schemeClr val="bg2"/>
-          </a:solidFill>
-        </p:spPr>
-        <p:txBody>
-          <a:bodyPr/>
-          <a:lstStyle/>
-          <a:p>
-            <a:pPr>
-              <a:lnSpc>
-                <a:spcPct val="100000"/>
-              </a:lnSpc>
-            </a:pPr>
-            <a:r>
-              <a:rPr lang="en-GB" b="0" dirty="0">
-                <a:solidFill>
-                  <a:srgbClr val="FF0000"/>
-                </a:solidFill>
-              </a:rPr>
-              <a:t>3. Where your research question asks about </a:t>
-            </a:r>
-            <a:r>
-              <a:rPr lang="en-GB" dirty="0"/>
-              <a:t>Comparison of proportions </a:t>
-            </a:r>
-            <a:r>
-              <a:rPr lang="en-GB" b="0" dirty="0"/>
-              <a:t>include </a:t>
-            </a:r>
-            <a:r>
-              <a:rPr lang="en-GB" b="0" i="1" dirty="0"/>
-              <a:t>one</a:t>
-            </a:r>
-            <a:r>
-              <a:rPr lang="en-GB" b="0" dirty="0"/>
-              <a:t> plot only</a:t>
-            </a:r>
-            <a:endParaRPr lang="en-GB" b="0" i="1" dirty="0"/>
-          </a:p>
-        </p:txBody>
-      </p:sp>
-      <p:sp>
-        <p:nvSpPr>
-          <p:cNvPr id="12" name="Title 11">
-            <a:extLst>
-              <a:ext uri="{FF2B5EF4-FFF2-40B4-BE49-F238E27FC236}">
-                <a16:creationId xmlns:a16="http://schemas.microsoft.com/office/drawing/2014/main" id="{F41CBD45-A845-C335-489D-8BB5DDD408DD}"/>
-              </a:ext>
-            </a:extLst>
-          </p:cNvPr>
-          <p:cNvSpPr>
-            <a:spLocks noGrp="1"/>
-          </p:cNvSpPr>
-          <p:nvPr>
-            <p:ph type="ctrTitle"/>
-          </p:nvPr>
-        </p:nvSpPr>
-        <p:spPr>
-          <a:xfrm>
-            <a:off x="1055369" y="1882283"/>
-            <a:ext cx="10656467" cy="3316019"/>
-          </a:xfrm>
-          <a:solidFill>
-            <a:srgbClr val="FFFF00"/>
-          </a:solidFill>
-        </p:spPr>
-        <p:txBody>
-          <a:bodyPr>
-            <a:normAutofit/>
-          </a:bodyPr>
-          <a:lstStyle/>
-          <a:p>
-            <a:pPr>
-              <a:lnSpc>
-                <a:spcPct val="100000"/>
-              </a:lnSpc>
-            </a:pPr>
-            <a:r>
-              <a:rPr lang="en-GB" sz="3600" b="0" dirty="0"/>
-              <a:t>1. A normalised stacked bar chart (with your independent variable sub types on the x axis).</a:t>
-            </a:r>
-            <a:br>
-              <a:rPr lang="en-GB" sz="3600" b="0" dirty="0"/>
-            </a:br>
-            <a:r>
-              <a:rPr lang="en-GB" sz="2700" b="0" dirty="0"/>
-              <a:t>As your raw data is likely to contain data of different sample sizes, you must  normalize your data. I.e. convert your data to a percentage, so that totals all equal 100.  Your stacked bar charts will now all be the same height, for a fair comparison.</a:t>
-            </a:r>
-            <a:br>
-              <a:rPr lang="en-GB" sz="2700" b="0" dirty="0"/>
-            </a:br>
-            <a:r>
-              <a:rPr lang="en-GB" sz="2700" b="0" dirty="0"/>
-              <a:t>Clearly label you axes to include variable name and units of measurement. Include a title to give your plot/visualisation a context.</a:t>
-            </a:r>
-          </a:p>
-        </p:txBody>
-      </p:sp>
-    </p:spTree>
-    <p:extLst>
-      <p:ext uri="{BB962C8B-B14F-4D97-AF65-F5344CB8AC3E}">
-        <p14:creationId xmlns:p14="http://schemas.microsoft.com/office/powerpoint/2010/main" val="3608140810"/>
-      </p:ext>
-    </p:extLst>
-  </p:cSld>
-  <p:clrMapOvr>
-    <a:masterClrMapping/>
-  </p:clrMapOvr>
-</p:sld>
-</file>
-
-<file path=ppt/slides/slide8.xml><?xml version="1.0" encoding="utf-8"?>
-<p:sld xmlns:a="http://schemas.openxmlformats.org/drawingml/2006/main" xmlns:r="http://schemas.openxmlformats.org/officeDocument/2006/relationships" xmlns:p="http://schemas.openxmlformats.org/presentationml/2006/main">
-  <p:cSld>
-    <p:spTree>
-      <p:nvGrpSpPr>
-        <p:cNvPr id="1" name=""/>
-        <p:cNvGrpSpPr/>
-        <p:nvPr/>
-      </p:nvGrpSpPr>
-      <p:grpSpPr>
-        <a:xfrm>
-          <a:off x="0" y="0"/>
-          <a:ext cx="0" cy="0"/>
-          <a:chOff x="0" y="0"/>
-          <a:chExt cx="0" cy="0"/>
-        </a:xfrm>
-      </p:grpSpPr>
-      <p:sp>
-        <p:nvSpPr>
-          <p:cNvPr id="2" name="Subtitle 1">
-            <a:extLst>
-              <a:ext uri="{FF2B5EF4-FFF2-40B4-BE49-F238E27FC236}">
-                <a16:creationId xmlns:a16="http://schemas.microsoft.com/office/drawing/2014/main" id="{A3BCDAA3-A3AD-A880-5E9C-0E1ABBC0A463}"/>
-              </a:ext>
-            </a:extLst>
-          </p:cNvPr>
-          <p:cNvSpPr>
-            <a:spLocks noGrp="1"/>
-          </p:cNvSpPr>
-          <p:nvPr>
-            <p:ph type="subTitle" idx="1"/>
-          </p:nvPr>
-        </p:nvSpPr>
-        <p:spPr>
-          <a:xfrm>
-            <a:off x="954000" y="1698171"/>
-            <a:ext cx="10285200" cy="551829"/>
-          </a:xfrm>
-        </p:spPr>
-        <p:txBody>
-          <a:bodyPr/>
-          <a:lstStyle/>
-          <a:p>
-            <a:r>
-              <a:rPr lang="en-US" dirty="0"/>
-              <a:t>Part 2: Analysis (building on your Visualizations)</a:t>
-            </a:r>
-            <a:endParaRPr lang="en-GB" dirty="0"/>
-          </a:p>
-        </p:txBody>
-      </p:sp>
-      <p:sp>
-        <p:nvSpPr>
-          <p:cNvPr id="3" name="Footer Placeholder 2">
-            <a:extLst>
-              <a:ext uri="{FF2B5EF4-FFF2-40B4-BE49-F238E27FC236}">
-                <a16:creationId xmlns:a16="http://schemas.microsoft.com/office/drawing/2014/main" id="{0287CE03-B588-8643-02BA-1E1B72567176}"/>
-              </a:ext>
-            </a:extLst>
-          </p:cNvPr>
-          <p:cNvSpPr>
-            <a:spLocks noGrp="1"/>
-          </p:cNvSpPr>
-          <p:nvPr>
-            <p:ph type="ftr" sz="quarter" idx="11"/>
-          </p:nvPr>
-        </p:nvSpPr>
-        <p:spPr/>
-        <p:txBody>
-          <a:bodyPr/>
-          <a:lstStyle/>
-          <a:p>
-            <a:r>
-              <a:rPr lang="en-GB"/>
-              <a:t>PRESENTATION TITLE (ADD VIA INSERT, HEADER &amp; FOOTER)</a:t>
-            </a:r>
-            <a:endParaRPr lang="en-GB" dirty="0"/>
-          </a:p>
-        </p:txBody>
-      </p:sp>
-      <p:sp>
-        <p:nvSpPr>
-          <p:cNvPr id="4" name="Slide Number Placeholder 3">
-            <a:extLst>
-              <a:ext uri="{FF2B5EF4-FFF2-40B4-BE49-F238E27FC236}">
-                <a16:creationId xmlns:a16="http://schemas.microsoft.com/office/drawing/2014/main" id="{953BD585-11D8-30FD-4A30-9F1639F0D149}"/>
-              </a:ext>
-            </a:extLst>
-          </p:cNvPr>
-          <p:cNvSpPr>
-            <a:spLocks noGrp="1"/>
-          </p:cNvSpPr>
-          <p:nvPr>
-            <p:ph type="sldNum" sz="quarter" idx="12"/>
-          </p:nvPr>
-        </p:nvSpPr>
-        <p:spPr/>
-        <p:txBody>
-          <a:bodyPr/>
-          <a:lstStyle/>
-          <a:p>
-            <a:fld id="{E4D355CA-84B7-41B1-B164-8BB439CC7C6B}" type="slidenum">
-              <a:rPr lang="en-GB" smtClean="0"/>
-              <a:pPr/>
-              <a:t>8</a:t>
-            </a:fld>
-            <a:endParaRPr lang="en-GB" dirty="0"/>
-          </a:p>
-        </p:txBody>
-      </p:sp>
-      <p:sp>
-        <p:nvSpPr>
-          <p:cNvPr id="5" name="Title 4">
-            <a:extLst>
-              <a:ext uri="{FF2B5EF4-FFF2-40B4-BE49-F238E27FC236}">
-                <a16:creationId xmlns:a16="http://schemas.microsoft.com/office/drawing/2014/main" id="{54177ABE-27C8-AEF5-9AE6-21E6BE179092}"/>
-              </a:ext>
-            </a:extLst>
-          </p:cNvPr>
-          <p:cNvSpPr>
-            <a:spLocks noGrp="1"/>
-          </p:cNvSpPr>
-          <p:nvPr>
-            <p:ph type="ctrTitle"/>
-          </p:nvPr>
-        </p:nvSpPr>
-        <p:spPr/>
-        <p:txBody>
-          <a:bodyPr>
-            <a:normAutofit/>
-          </a:bodyPr>
-          <a:lstStyle/>
-          <a:p>
-            <a:pPr>
-              <a:lnSpc>
-                <a:spcPts val="4000"/>
-              </a:lnSpc>
-            </a:pPr>
-            <a:r>
-              <a:rPr lang="en-US" sz="3600" dirty="0">
-                <a:solidFill>
-                  <a:srgbClr val="FF0000"/>
-                </a:solidFill>
-              </a:rPr>
-              <a:t>Only attempt this Analysis part of the demo if you have completed your Visualization(s). Otherwise end your demo after the Visualization for feedback.</a:t>
-            </a:r>
-            <a:endParaRPr lang="en-GB" sz="3600" dirty="0">
-              <a:solidFill>
-                <a:srgbClr val="FF0000"/>
-              </a:solidFill>
-            </a:endParaRPr>
-          </a:p>
-        </p:txBody>
-      </p:sp>
-    </p:spTree>
-    <p:extLst>
-      <p:ext uri="{BB962C8B-B14F-4D97-AF65-F5344CB8AC3E}">
-        <p14:creationId xmlns:p14="http://schemas.microsoft.com/office/powerpoint/2010/main" val="1771321156"/>
-      </p:ext>
-    </p:extLst>
-  </p:cSld>
-  <p:clrMapOvr>
-    <a:masterClrMapping/>
-  </p:clrMapOvr>
-</p:sld>
-</file>
-
-<file path=ppt/slides/slide9.xml><?xml version="1.0" encoding="utf-8"?>
-<p:sld xmlns:a="http://schemas.openxmlformats.org/drawingml/2006/main" xmlns:r="http://schemas.openxmlformats.org/officeDocument/2006/relationships" xmlns:p="http://schemas.openxmlformats.org/presentationml/2006/main">
-  <p:cSld>
-    <p:spTree>
-      <p:nvGrpSpPr>
-        <p:cNvPr id="1" name=""/>
-        <p:cNvGrpSpPr/>
-        <p:nvPr/>
-      </p:nvGrpSpPr>
-      <p:grpSpPr>
-        <a:xfrm>
-          <a:off x="0" y="0"/>
-          <a:ext cx="0" cy="0"/>
-          <a:chOff x="0" y="0"/>
-          <a:chExt cx="0" cy="0"/>
-        </a:xfrm>
-      </p:grpSpPr>
-      <p:sp>
-        <p:nvSpPr>
-          <p:cNvPr id="115" name="CustomShape 1"/>
-          <p:cNvSpPr/>
-          <p:nvPr/>
-        </p:nvSpPr>
-        <p:spPr>
-          <a:xfrm>
-            <a:off x="0" y="0"/>
-            <a:ext cx="12191760" cy="6857640"/>
-          </a:xfrm>
-          <a:prstGeom prst="rect">
-            <a:avLst/>
-          </a:prstGeom>
-          <a:solidFill>
-            <a:schemeClr val="bg1"/>
-          </a:solidFill>
-          <a:ln>
-            <a:noFill/>
-          </a:ln>
-        </p:spPr>
-        <p:style>
-          <a:lnRef idx="2">
-            <a:schemeClr val="accent1">
-              <a:shade val="50000"/>
-            </a:schemeClr>
-          </a:lnRef>
-          <a:fillRef idx="1">
-            <a:schemeClr val="accent1"/>
-          </a:fillRef>
-          <a:effectRef idx="0">
-            <a:schemeClr val="accent1"/>
-          </a:effectRef>
-          <a:fontRef idx="minor"/>
-        </p:style>
-        <p:txBody>
-          <a:bodyPr/>
-          <a:lstStyle/>
-          <a:p>
-            <a:endParaRPr lang="en-GB"/>
-          </a:p>
-        </p:txBody>
-      </p:sp>
-      <p:sp>
-        <p:nvSpPr>
-          <p:cNvPr id="116" name="CustomShape 2"/>
-          <p:cNvSpPr/>
-          <p:nvPr/>
-        </p:nvSpPr>
-        <p:spPr>
-          <a:xfrm rot="10800000" flipH="1">
-            <a:off x="360" y="360"/>
-            <a:ext cx="12191760" cy="1575720"/>
-          </a:xfrm>
-          <a:prstGeom prst="rect">
-            <a:avLst/>
-          </a:prstGeom>
-          <a:gradFill rotWithShape="0">
-            <a:gsLst>
-              <a:gs pos="0">
-                <a:srgbClr val="000000">
-                  <a:alpha val="96078"/>
-                </a:srgbClr>
-              </a:gs>
-              <a:gs pos="100000">
-                <a:srgbClr val="77418E"/>
-              </a:gs>
-            </a:gsLst>
-            <a:lin ang="15600000"/>
-          </a:gradFill>
-          <a:ln>
-            <a:noFill/>
-          </a:ln>
-        </p:spPr>
-        <p:style>
-          <a:lnRef idx="2">
-            <a:schemeClr val="accent1">
-              <a:shade val="50000"/>
-            </a:schemeClr>
-          </a:lnRef>
-          <a:fillRef idx="1">
-            <a:schemeClr val="accent1"/>
-          </a:fillRef>
-          <a:effectRef idx="0">
-            <a:schemeClr val="accent1"/>
-          </a:effectRef>
-          <a:fontRef idx="minor"/>
-        </p:style>
-        <p:txBody>
-          <a:bodyPr/>
-          <a:lstStyle/>
-          <a:p>
-            <a:endParaRPr lang="en-GB"/>
-          </a:p>
-        </p:txBody>
-      </p:sp>
-      <p:sp>
-        <p:nvSpPr>
-          <p:cNvPr id="117" name="CustomShape 3"/>
-          <p:cNvSpPr/>
-          <p:nvPr/>
-        </p:nvSpPr>
-        <p:spPr>
-          <a:xfrm>
-            <a:off x="0" y="0"/>
-            <a:ext cx="8128440" cy="1575000"/>
-          </a:xfrm>
-          <a:prstGeom prst="rect">
-            <a:avLst/>
-          </a:prstGeom>
-          <a:gradFill rotWithShape="0">
-            <a:gsLst>
-              <a:gs pos="26000">
-                <a:srgbClr val="C49FD3">
-                  <a:alpha val="0"/>
-                </a:srgbClr>
-              </a:gs>
-              <a:gs pos="100000">
-                <a:srgbClr val="9C5FB5">
-                  <a:alpha val="41176"/>
-                </a:srgbClr>
-              </a:gs>
-            </a:gsLst>
-            <a:lin ang="19200000"/>
-          </a:gradFill>
-          <a:ln>
-            <a:noFill/>
-          </a:ln>
-        </p:spPr>
-        <p:style>
-          <a:lnRef idx="2">
-            <a:schemeClr val="accent1">
-              <a:shade val="50000"/>
-            </a:schemeClr>
-          </a:lnRef>
-          <a:fillRef idx="1">
-            <a:schemeClr val="accent1"/>
-          </a:fillRef>
-          <a:effectRef idx="0">
-            <a:schemeClr val="accent1"/>
-          </a:effectRef>
-          <a:fontRef idx="minor"/>
-        </p:style>
-        <p:txBody>
-          <a:bodyPr/>
-          <a:lstStyle/>
-          <a:p>
-            <a:endParaRPr lang="en-GB"/>
-          </a:p>
-        </p:txBody>
-      </p:sp>
-      <p:sp>
-        <p:nvSpPr>
-          <p:cNvPr id="118" name="CustomShape 4"/>
-          <p:cNvSpPr/>
-          <p:nvPr/>
-        </p:nvSpPr>
-        <p:spPr>
-          <a:xfrm flipH="1">
-            <a:off x="0" y="0"/>
-            <a:ext cx="12191760" cy="1573920"/>
-          </a:xfrm>
-          <a:prstGeom prst="rect">
-            <a:avLst/>
-          </a:prstGeom>
-          <a:gradFill rotWithShape="0">
-            <a:gsLst>
-              <a:gs pos="22000">
-                <a:srgbClr val="9C5FB5">
-                  <a:alpha val="15294"/>
-                </a:srgbClr>
-              </a:gs>
-              <a:gs pos="100000">
-                <a:srgbClr val="000000">
-                  <a:alpha val="63137"/>
-                </a:srgbClr>
-              </a:gs>
-            </a:gsLst>
-            <a:lin ang="6000000"/>
-          </a:gradFill>
-          <a:ln>
-            <a:noFill/>
-          </a:ln>
-        </p:spPr>
-        <p:style>
-          <a:lnRef idx="2">
-            <a:schemeClr val="accent1">
-              <a:shade val="50000"/>
-            </a:schemeClr>
-          </a:lnRef>
-          <a:fillRef idx="1">
-            <a:schemeClr val="accent1"/>
-          </a:fillRef>
-          <a:effectRef idx="0">
-            <a:schemeClr val="accent1"/>
-          </a:effectRef>
-          <a:fontRef idx="minor"/>
-        </p:style>
-        <p:txBody>
-          <a:bodyPr/>
-          <a:lstStyle/>
-          <a:p>
-            <a:endParaRPr lang="en-GB"/>
-          </a:p>
-        </p:txBody>
-      </p:sp>
-      <p:sp>
-        <p:nvSpPr>
-          <p:cNvPr id="119" name="TextShape 5"/>
-          <p:cNvSpPr txBox="1"/>
-          <p:nvPr/>
-        </p:nvSpPr>
-        <p:spPr>
-          <a:xfrm>
-            <a:off x="290880" y="158400"/>
-            <a:ext cx="7063200" cy="1158840"/>
-          </a:xfrm>
-          <a:prstGeom prst="rect">
-            <a:avLst/>
-          </a:prstGeom>
-          <a:noFill/>
-          <a:ln>
-            <a:noFill/>
-          </a:ln>
-        </p:spPr>
-        <p:txBody>
-          <a:bodyPr anchor="ctr">
-            <a:normAutofit/>
-          </a:bodyPr>
-          <a:lstStyle/>
-          <a:p>
-            <a:pPr>
-              <a:lnSpc>
-                <a:spcPct val="90000"/>
-              </a:lnSpc>
-            </a:pPr>
-            <a:r>
-              <a:rPr lang="en-US" sz="2400" b="0" strike="noStrike" spc="-202">
-                <a:solidFill>
-                  <a:srgbClr val="FFFFFF"/>
-                </a:solidFill>
-                <a:latin typeface="Arial"/>
-              </a:rPr>
-              <a:t> </a:t>
-            </a:r>
-            <a:br/>
-            <a:br/>
-            <a:endParaRPr lang="en-US" sz="2400" b="0" strike="noStrike" spc="-1">
-              <a:solidFill>
-                <a:srgbClr val="203232"/>
-              </a:solidFill>
-              <a:latin typeface="Arial"/>
-            </a:endParaRPr>
-          </a:p>
-        </p:txBody>
-      </p:sp>
-      <p:sp>
-        <p:nvSpPr>
-          <p:cNvPr id="120" name="TextShape 6"/>
-          <p:cNvSpPr txBox="1"/>
-          <p:nvPr/>
-        </p:nvSpPr>
-        <p:spPr>
-          <a:xfrm>
-            <a:off x="8217720" y="343800"/>
-            <a:ext cx="3386160" cy="1158840"/>
-          </a:xfrm>
-          <a:prstGeom prst="rect">
-            <a:avLst/>
-          </a:prstGeom>
-          <a:noFill/>
-          <a:ln>
-            <a:noFill/>
-          </a:ln>
-        </p:spPr>
-        <p:txBody>
-          <a:bodyPr anchor="ctr">
-            <a:noAutofit/>
-          </a:bodyPr>
-          <a:lstStyle/>
-          <a:p>
-            <a:pPr>
-              <a:lnSpc>
-                <a:spcPts val="2880"/>
-              </a:lnSpc>
-              <a:spcAft>
-                <a:spcPts val="992"/>
-              </a:spcAft>
-              <a:tabLst>
-                <a:tab pos="0" algn="l"/>
-              </a:tabLst>
-            </a:pPr>
-            <a:r>
-              <a:rPr lang="en-GB" sz="3200" b="0" strike="noStrike" spc="-100">
-                <a:solidFill>
-                  <a:srgbClr val="FFFFFF"/>
-                </a:solidFill>
-                <a:latin typeface="Arial"/>
-              </a:rPr>
-              <a:t>Our RQ asks about Correlation</a:t>
-            </a:r>
-            <a:endParaRPr lang="en-US" sz="3200" b="0" strike="noStrike" spc="-1">
-              <a:latin typeface="Arial"/>
-            </a:endParaRPr>
-          </a:p>
-        </p:txBody>
-      </p:sp>
-      <p:sp>
-        <p:nvSpPr>
-          <p:cNvPr id="121" name="TextShape 7"/>
-          <p:cNvSpPr txBox="1"/>
-          <p:nvPr/>
-        </p:nvSpPr>
-        <p:spPr>
-          <a:xfrm>
-            <a:off x="11704320" y="6455520"/>
-            <a:ext cx="447840" cy="364680"/>
-          </a:xfrm>
-          <a:prstGeom prst="rect">
-            <a:avLst/>
-          </a:prstGeom>
-          <a:noFill/>
-          <a:ln>
-            <a:noFill/>
-          </a:ln>
-        </p:spPr>
-        <p:txBody>
-          <a:bodyPr anchor="ctr">
-            <a:normAutofit/>
-          </a:bodyPr>
-          <a:lstStyle/>
-          <a:p>
-            <a:pPr algn="r">
-              <a:lnSpc>
-                <a:spcPct val="100000"/>
-              </a:lnSpc>
-              <a:spcAft>
-                <a:spcPts val="601"/>
-              </a:spcAft>
-            </a:pPr>
-            <a:fld id="{3AD1EC97-2E3A-4B5A-93B5-9F892C3DC423}" type="slidenum">
-              <a:rPr lang="en-US" sz="1100" b="1" strike="noStrike" spc="-1">
-                <a:solidFill>
-                  <a:srgbClr val="7DABAB"/>
-                </a:solidFill>
-                <a:latin typeface="Arial"/>
-              </a:rPr>
-              <a:t>9</a:t>
-            </a:fld>
-            <a:endParaRPr lang="en-US" sz="1100" b="0" strike="noStrike" spc="-1">
-              <a:latin typeface="Times New Roman"/>
-            </a:endParaRPr>
-          </a:p>
-        </p:txBody>
-      </p:sp>
-      <p:sp>
-        <p:nvSpPr>
-          <p:cNvPr id="122" name="CustomShape 8"/>
-          <p:cNvSpPr/>
-          <p:nvPr/>
-        </p:nvSpPr>
-        <p:spPr>
-          <a:xfrm>
-            <a:off x="366120" y="197640"/>
-            <a:ext cx="6988320" cy="1187640"/>
-          </a:xfrm>
-          <a:prstGeom prst="rect">
-            <a:avLst/>
-          </a:prstGeom>
-          <a:noFill/>
-          <a:ln>
-            <a:noFill/>
-          </a:ln>
-        </p:spPr>
-        <p:style>
-          <a:lnRef idx="0">
-            <a:scrgbClr r="0" g="0" b="0"/>
-          </a:lnRef>
-          <a:fillRef idx="0">
-            <a:scrgbClr r="0" g="0" b="0"/>
-          </a:fillRef>
-          <a:effectRef idx="0">
-            <a:scrgbClr r="0" g="0" b="0"/>
-          </a:effectRef>
-          <a:fontRef idx="minor"/>
-        </p:style>
-        <p:txBody>
-          <a:bodyPr lIns="90000" tIns="45000" rIns="90000" bIns="45000">
-            <a:spAutoFit/>
-          </a:bodyPr>
-          <a:lstStyle/>
-          <a:p>
-            <a:pPr>
-              <a:lnSpc>
-                <a:spcPct val="100000"/>
-              </a:lnSpc>
-            </a:pPr>
-            <a:r>
-              <a:rPr lang="en-GB" sz="2400" b="0" strike="noStrike" spc="-1">
-                <a:solidFill>
-                  <a:srgbClr val="FFFFFF"/>
-                </a:solidFill>
-                <a:latin typeface="Arial"/>
-              </a:rPr>
-              <a:t>Here is a </a:t>
-            </a:r>
-            <a:r>
-              <a:rPr lang="en-GB" sz="2400" b="1" strike="noStrike" spc="-1">
-                <a:solidFill>
-                  <a:srgbClr val="FFFFFF"/>
-                </a:solidFill>
-                <a:latin typeface="Arial"/>
-              </a:rPr>
-              <a:t>Histogram </a:t>
-            </a:r>
-            <a:r>
-              <a:rPr lang="en-GB" sz="2400" b="0" strike="noStrike" spc="-1">
-                <a:solidFill>
-                  <a:srgbClr val="FFFFFF"/>
-                </a:solidFill>
-                <a:latin typeface="Arial"/>
-              </a:rPr>
-              <a:t>showing the frequencies of our dependent variable to include the normal curve overlay</a:t>
-            </a:r>
-            <a:r>
-              <a:rPr lang="en-GB" sz="1800" b="0" strike="noStrike" spc="-1">
-                <a:solidFill>
-                  <a:srgbClr val="203232"/>
-                </a:solidFill>
-                <a:latin typeface="Arial"/>
-              </a:rPr>
-              <a:t>.</a:t>
-            </a:r>
-            <a:endParaRPr lang="en-US" sz="1800" b="0" strike="noStrike" spc="-1">
-              <a:latin typeface="Arial"/>
-            </a:endParaRPr>
-          </a:p>
-        </p:txBody>
-      </p:sp>
-      <p:sp>
-        <p:nvSpPr>
-          <p:cNvPr id="123" name="CustomShape 9"/>
-          <p:cNvSpPr/>
-          <p:nvPr/>
-        </p:nvSpPr>
-        <p:spPr>
-          <a:xfrm>
-            <a:off x="182880" y="1645920"/>
-            <a:ext cx="11722680" cy="5046840"/>
-          </a:xfrm>
-          <a:prstGeom prst="roundRect">
-            <a:avLst>
-              <a:gd name="adj" fmla="val 16667"/>
-            </a:avLst>
-          </a:prstGeom>
-          <a:solidFill>
-            <a:schemeClr val="accent1">
-              <a:lumMod val="20000"/>
-              <a:lumOff val="80000"/>
-            </a:schemeClr>
-          </a:solidFill>
-          <a:ln/>
-        </p:spPr>
-        <p:style>
-          <a:lnRef idx="2">
-            <a:schemeClr val="accent1">
-              <a:shade val="50000"/>
-            </a:schemeClr>
-          </a:lnRef>
-          <a:fillRef idx="1">
-            <a:schemeClr val="accent1"/>
-          </a:fillRef>
-          <a:effectRef idx="0">
-            <a:schemeClr val="accent1"/>
-          </a:effectRef>
-          <a:fontRef idx="minor"/>
-        </p:style>
-        <p:txBody>
-          <a:bodyPr lIns="90000" tIns="45000" rIns="90000" bIns="45000" anchor="ctr">
-            <a:noAutofit/>
-          </a:bodyPr>
-          <a:lstStyle/>
-          <a:p>
-            <a:pPr>
-              <a:lnSpc>
-                <a:spcPct val="100000"/>
-              </a:lnSpc>
-            </a:pPr>
-            <a:r>
-              <a:rPr lang="en-GB" sz="1800" b="0" strike="noStrike" spc="-1">
-                <a:solidFill>
-                  <a:srgbClr val="000000"/>
-                </a:solidFill>
-                <a:latin typeface="Arial"/>
-              </a:rPr>
-              <a:t>For example:</a:t>
-            </a:r>
-            <a:endParaRPr lang="en-US" sz="1800" b="0" strike="noStrike" spc="-1">
-              <a:latin typeface="Arial"/>
-            </a:endParaRPr>
-          </a:p>
-          <a:p>
-            <a:pPr>
-              <a:lnSpc>
-                <a:spcPct val="100000"/>
-              </a:lnSpc>
-            </a:pPr>
-            <a:endParaRPr lang="en-US" sz="1800" b="0" strike="noStrike" spc="-1">
-              <a:latin typeface="Arial"/>
-            </a:endParaRPr>
-          </a:p>
-          <a:p>
-            <a:pPr>
-              <a:lnSpc>
-                <a:spcPct val="100000"/>
-              </a:lnSpc>
-            </a:pPr>
-            <a:endParaRPr lang="en-US" sz="1800" b="0" strike="noStrike" spc="-1">
-              <a:latin typeface="Arial"/>
-            </a:endParaRPr>
-          </a:p>
-          <a:p>
-            <a:pPr>
-              <a:lnSpc>
-                <a:spcPct val="100000"/>
-              </a:lnSpc>
-            </a:pPr>
-            <a:endParaRPr lang="en-US" sz="1800" b="0" strike="noStrike" spc="-1">
-              <a:latin typeface="Arial"/>
-            </a:endParaRPr>
-          </a:p>
-          <a:p>
-            <a:pPr>
-              <a:lnSpc>
-                <a:spcPct val="100000"/>
-              </a:lnSpc>
-            </a:pPr>
-            <a:endParaRPr lang="en-US" sz="1800" b="0" strike="noStrike" spc="-1">
-              <a:latin typeface="Arial"/>
-            </a:endParaRPr>
-          </a:p>
-          <a:p>
-            <a:pPr>
-              <a:lnSpc>
-                <a:spcPct val="100000"/>
-              </a:lnSpc>
-            </a:pPr>
-            <a:endParaRPr lang="en-US" sz="1800" b="0" strike="noStrike" spc="-1">
-              <a:latin typeface="Arial"/>
-            </a:endParaRPr>
-          </a:p>
-          <a:p>
-            <a:pPr>
-              <a:lnSpc>
-                <a:spcPct val="100000"/>
-              </a:lnSpc>
-            </a:pPr>
-            <a:endParaRPr lang="en-US" sz="1800" b="0" strike="noStrike" spc="-1">
-              <a:latin typeface="Arial"/>
-            </a:endParaRPr>
-          </a:p>
-          <a:p>
-            <a:pPr>
-              <a:lnSpc>
-                <a:spcPct val="100000"/>
-              </a:lnSpc>
-            </a:pPr>
-            <a:endParaRPr lang="en-US" sz="1800" b="0" strike="noStrike" spc="-1">
-              <a:latin typeface="Arial"/>
-            </a:endParaRPr>
-          </a:p>
-          <a:p>
-            <a:pPr>
-              <a:lnSpc>
-                <a:spcPct val="100000"/>
-              </a:lnSpc>
-            </a:pPr>
-            <a:endParaRPr lang="en-US" sz="1800" b="0" strike="noStrike" spc="-1">
-              <a:latin typeface="Arial"/>
-            </a:endParaRPr>
-          </a:p>
-          <a:p>
-            <a:pPr>
-              <a:lnSpc>
-                <a:spcPct val="100000"/>
-              </a:lnSpc>
-            </a:pPr>
-            <a:endParaRPr lang="en-US" sz="1800" b="0" strike="noStrike" spc="-1">
-              <a:latin typeface="Arial"/>
-            </a:endParaRPr>
-          </a:p>
-          <a:p>
-            <a:pPr>
-              <a:lnSpc>
-                <a:spcPct val="100000"/>
-              </a:lnSpc>
-            </a:pPr>
-            <a:endParaRPr lang="en-US" sz="1800" b="0" strike="noStrike" spc="-1">
-              <a:latin typeface="Arial"/>
-            </a:endParaRPr>
-          </a:p>
-          <a:p>
-            <a:pPr>
-              <a:lnSpc>
-                <a:spcPct val="100000"/>
-              </a:lnSpc>
-            </a:pPr>
-            <a:endParaRPr lang="en-US" sz="1800" b="0" strike="noStrike" spc="-1">
-              <a:latin typeface="Arial"/>
-            </a:endParaRPr>
-          </a:p>
-          <a:p>
-            <a:pPr>
-              <a:lnSpc>
-                <a:spcPct val="100000"/>
-              </a:lnSpc>
-            </a:pPr>
-            <a:endParaRPr lang="en-US" sz="1800" b="0" strike="noStrike" spc="-1">
-              <a:latin typeface="Arial"/>
-            </a:endParaRPr>
-          </a:p>
-          <a:p>
-            <a:pPr>
-              <a:lnSpc>
-                <a:spcPct val="100000"/>
-              </a:lnSpc>
-            </a:pPr>
-            <a:endParaRPr lang="en-US" sz="1800" b="0" strike="noStrike" spc="-1">
-              <a:latin typeface="Arial"/>
-            </a:endParaRPr>
-          </a:p>
-          <a:p>
-            <a:pPr>
-              <a:lnSpc>
-                <a:spcPct val="100000"/>
-              </a:lnSpc>
-            </a:pPr>
-            <a:endParaRPr lang="en-US" sz="1800" b="0" strike="noStrike" spc="-1">
-              <a:latin typeface="Arial"/>
-            </a:endParaRPr>
-          </a:p>
-          <a:p>
-            <a:pPr>
-              <a:lnSpc>
-                <a:spcPct val="100000"/>
-              </a:lnSpc>
-            </a:pPr>
-            <a:endParaRPr lang="en-US" sz="1800" b="0" strike="noStrike" spc="-1">
-              <a:latin typeface="Arial"/>
-            </a:endParaRPr>
-          </a:p>
-        </p:txBody>
-      </p:sp>
-      <p:sp>
-        <p:nvSpPr>
-          <p:cNvPr id="124" name="CustomShape 10"/>
-          <p:cNvSpPr/>
-          <p:nvPr/>
-        </p:nvSpPr>
-        <p:spPr>
-          <a:xfrm>
-            <a:off x="6412680" y="2012760"/>
-            <a:ext cx="5057640" cy="4205160"/>
-          </a:xfrm>
-          <a:prstGeom prst="rect">
-            <a:avLst/>
-          </a:prstGeom>
-          <a:noFill/>
-          <a:ln>
-            <a:noFill/>
-          </a:ln>
-        </p:spPr>
-        <p:style>
-          <a:lnRef idx="0">
-            <a:scrgbClr r="0" g="0" b="0"/>
-          </a:lnRef>
-          <a:fillRef idx="0">
-            <a:scrgbClr r="0" g="0" b="0"/>
-          </a:fillRef>
-          <a:effectRef idx="0">
-            <a:scrgbClr r="0" g="0" b="0"/>
-          </a:effectRef>
-          <a:fontRef idx="minor"/>
-        </p:style>
-        <p:txBody>
-          <a:bodyPr lIns="90000" tIns="45000" rIns="90000" bIns="45000">
-            <a:spAutoFit/>
-          </a:bodyPr>
-          <a:lstStyle/>
-          <a:p>
-            <a:pPr>
-              <a:lnSpc>
-                <a:spcPct val="100000"/>
-              </a:lnSpc>
-            </a:pPr>
-            <a:r>
-              <a:rPr lang="en-GB" sz="1800" b="0" strike="noStrike" spc="-1">
-                <a:solidFill>
-                  <a:srgbClr val="203232"/>
-                </a:solidFill>
-                <a:latin typeface="Arial"/>
-              </a:rPr>
-              <a:t>Choose one:</a:t>
-            </a:r>
-            <a:endParaRPr lang="en-US" sz="1800" b="0" strike="noStrike" spc="-1">
-              <a:latin typeface="Arial"/>
-            </a:endParaRPr>
-          </a:p>
-          <a:p>
-            <a:pPr>
-              <a:lnSpc>
-                <a:spcPct val="100000"/>
-              </a:lnSpc>
-            </a:pPr>
-            <a:r>
-              <a:rPr lang="en-GB" sz="1800" b="0" strike="noStrike" spc="-1">
-                <a:solidFill>
-                  <a:srgbClr val="203232"/>
-                </a:solidFill>
-                <a:latin typeface="Arial"/>
-              </a:rPr>
-              <a:t>1. The blue normal curve overlay follows the contours of the underlying data, so for our analysis we will use a parametric test for correlation:  </a:t>
-            </a:r>
-            <a:r>
-              <a:rPr lang="en-GB" sz="1800" b="0" strike="noStrike" spc="-1">
-                <a:solidFill>
-                  <a:srgbClr val="0073CF"/>
-                </a:solidFill>
-                <a:latin typeface="Arial"/>
-              </a:rPr>
-              <a:t>Pearson’s r</a:t>
-            </a:r>
-            <a:endParaRPr lang="en-US" sz="1800" b="0" strike="noStrike" spc="-1">
-              <a:latin typeface="Arial"/>
-            </a:endParaRPr>
-          </a:p>
-          <a:p>
-            <a:pPr>
-              <a:lnSpc>
-                <a:spcPct val="100000"/>
-              </a:lnSpc>
-            </a:pPr>
-            <a:r>
-              <a:rPr lang="en-GB" sz="1800" b="0" strike="noStrike" spc="-1">
-                <a:solidFill>
-                  <a:srgbClr val="0073CF"/>
-                </a:solidFill>
-                <a:latin typeface="Arial"/>
-              </a:rPr>
-              <a:t>OR</a:t>
-            </a:r>
-            <a:endParaRPr lang="en-US" sz="1800" b="0" strike="noStrike" spc="-1">
-              <a:latin typeface="Arial"/>
-            </a:endParaRPr>
-          </a:p>
-          <a:p>
-            <a:pPr>
-              <a:lnSpc>
-                <a:spcPct val="100000"/>
-              </a:lnSpc>
-            </a:pPr>
-            <a:r>
-              <a:rPr lang="en-GB" sz="1800" b="0" strike="noStrike" spc="-1">
-                <a:solidFill>
-                  <a:srgbClr val="203232"/>
-                </a:solidFill>
-                <a:latin typeface="Arial"/>
-              </a:rPr>
-              <a:t>The normal curve overlay </a:t>
-            </a:r>
-            <a:r>
-              <a:rPr lang="en-GB" sz="1800" b="1" strike="noStrike" spc="-1">
-                <a:solidFill>
-                  <a:srgbClr val="203232"/>
-                </a:solidFill>
-                <a:latin typeface="Arial"/>
-              </a:rPr>
-              <a:t>does not follow </a:t>
-            </a:r>
-            <a:r>
-              <a:rPr lang="en-GB" sz="1800" b="0" strike="noStrike" spc="-1">
-                <a:solidFill>
-                  <a:srgbClr val="203232"/>
-                </a:solidFill>
-                <a:latin typeface="Arial"/>
-              </a:rPr>
-              <a:t>the shape of the underlying data, so for our analysis we  use the non-parametric test for correlation that does not assume normality: </a:t>
-            </a:r>
-            <a:r>
-              <a:rPr lang="en-GB" sz="1800" b="0" strike="noStrike" spc="-1">
-                <a:solidFill>
-                  <a:srgbClr val="0073CF"/>
-                </a:solidFill>
-                <a:latin typeface="Arial"/>
-              </a:rPr>
-              <a:t>Spearman’s Rho </a:t>
-            </a:r>
-            <a:r>
-              <a:rPr lang="en-GB" sz="1800" b="0" strike="noStrike" spc="-1">
-                <a:solidFill>
-                  <a:srgbClr val="203232"/>
-                </a:solidFill>
-                <a:latin typeface="Arial"/>
-              </a:rPr>
-              <a:t>or </a:t>
-            </a:r>
-            <a:r>
-              <a:rPr lang="en-GB" sz="1800" b="0" strike="noStrike" spc="-1">
-                <a:solidFill>
-                  <a:srgbClr val="0073CF"/>
-                </a:solidFill>
-                <a:latin typeface="Arial"/>
-              </a:rPr>
-              <a:t>Kendal’s Tau</a:t>
-            </a:r>
-            <a:endParaRPr lang="en-US" sz="1800" b="0" strike="noStrike" spc="-1">
-              <a:latin typeface="Arial"/>
-            </a:endParaRPr>
-          </a:p>
-          <a:p>
-            <a:pPr>
-              <a:lnSpc>
-                <a:spcPct val="100000"/>
-              </a:lnSpc>
-            </a:pPr>
-            <a:endParaRPr lang="en-US" sz="1800" b="0" strike="noStrike" spc="-1">
-              <a:latin typeface="Arial"/>
-            </a:endParaRPr>
-          </a:p>
-          <a:p>
-            <a:pPr>
-              <a:lnSpc>
-                <a:spcPct val="100000"/>
-              </a:lnSpc>
-            </a:pPr>
-            <a:r>
-              <a:rPr lang="en-GB" sz="1800" b="0" strike="noStrike" spc="-1">
-                <a:solidFill>
-                  <a:srgbClr val="0073CF"/>
-                </a:solidFill>
-                <a:latin typeface="Arial"/>
-              </a:rPr>
-              <a:t>The example here is borderline, in terms of shape, so when in doubt choose the non-parametric equivalent.</a:t>
-            </a:r>
-            <a:endParaRPr lang="en-US" sz="1800" b="0" strike="noStrike" spc="-1">
-              <a:latin typeface="Arial"/>
-            </a:endParaRPr>
-          </a:p>
-        </p:txBody>
-      </p:sp>
-      <p:pic>
-        <p:nvPicPr>
-          <p:cNvPr id="125" name="Picture 5" descr="Chart, histogram&#10;&#10;Description automatically generated"/>
-          <p:cNvPicPr/>
-          <p:nvPr/>
-        </p:nvPicPr>
-        <p:blipFill>
-          <a:blip r:embed="rId3"/>
-          <a:stretch/>
-        </p:blipFill>
-        <p:spPr>
-          <a:xfrm>
-            <a:off x="885960" y="1685879"/>
-            <a:ext cx="5057640" cy="5057640"/>
-          </a:xfrm>
-          <a:prstGeom prst="rect">
-            <a:avLst/>
-          </a:prstGeom>
-          <a:ln>
-            <a:noFill/>
-          </a:ln>
-        </p:spPr>
-      </p:pic>
     </p:spTree>
   </p:cSld>
   <p:clrMapOvr>
@@ -15355,16 +13208,16 @@
 <file path=customXml/itemProps1.xml><?xml version="1.0" encoding="utf-8"?>
 <ds:datastoreItem xmlns:ds="http://schemas.openxmlformats.org/officeDocument/2006/customXml" ds:itemID="{EDD1FC41-23C7-41B0-B5F9-BF4CD38AD2ED}">
   <ds:schemaRefs>
+    <ds:schemaRef ds:uri="http://schemas.microsoft.com/office/2006/documentManagement/types"/>
+    <ds:schemaRef ds:uri="http://www.w3.org/XML/1998/namespace"/>
+    <ds:schemaRef ds:uri="http://schemas.openxmlformats.org/package/2006/metadata/core-properties"/>
+    <ds:schemaRef ds:uri="http://purl.org/dc/dcmitype/"/>
+    <ds:schemaRef ds:uri="http://purl.org/dc/terms/"/>
+    <ds:schemaRef ds:uri="http://schemas.microsoft.com/office/2006/metadata/properties"/>
+    <ds:schemaRef ds:uri="4ad138b4-2b68-4b70-945d-07f8f18b1c9a"/>
     <ds:schemaRef ds:uri="http://schemas.microsoft.com/office/infopath/2007/PartnerControls"/>
     <ds:schemaRef ds:uri="3c474641-ec36-472f-b125-6b1b0910eaa4"/>
-    <ds:schemaRef ds:uri="http://purl.org/dc/terms/"/>
-    <ds:schemaRef ds:uri="http://schemas.microsoft.com/office/2006/documentManagement/types"/>
-    <ds:schemaRef ds:uri="http://www.w3.org/XML/1998/namespace"/>
     <ds:schemaRef ds:uri="http://purl.org/dc/elements/1.1/"/>
-    <ds:schemaRef ds:uri="http://schemas.openxmlformats.org/package/2006/metadata/core-properties"/>
-    <ds:schemaRef ds:uri="4ad138b4-2b68-4b70-945d-07f8f18b1c9a"/>
-    <ds:schemaRef ds:uri="http://schemas.microsoft.com/office/2006/metadata/properties"/>
-    <ds:schemaRef ds:uri="http://purl.org/dc/dcmitype/"/>
   </ds:schemaRefs>
 </ds:datastoreItem>
 </file>
